--- a/Microsoft DI vs Autofac.pptx
+++ b/Microsoft DI vs Autofac.pptx
@@ -5,10 +5,10 @@
     <p:sldMasterId id="2147483660" r:id="rId1"/>
   </p:sldMasterIdLst>
   <p:notesMasterIdLst>
-    <p:notesMasterId r:id="rId11"/>
+    <p:notesMasterId r:id="rId15"/>
   </p:notesMasterIdLst>
   <p:handoutMasterIdLst>
-    <p:handoutMasterId r:id="rId12"/>
+    <p:handoutMasterId r:id="rId16"/>
   </p:handoutMasterIdLst>
   <p:sldIdLst>
     <p:sldId id="256" r:id="rId2"/>
@@ -16,10 +16,14 @@
     <p:sldId id="266" r:id="rId4"/>
     <p:sldId id="270" r:id="rId5"/>
     <p:sldId id="271" r:id="rId6"/>
-    <p:sldId id="268" r:id="rId7"/>
-    <p:sldId id="265" r:id="rId8"/>
-    <p:sldId id="264" r:id="rId9"/>
-    <p:sldId id="269" r:id="rId10"/>
+    <p:sldId id="272" r:id="rId7"/>
+    <p:sldId id="273" r:id="rId8"/>
+    <p:sldId id="274" r:id="rId9"/>
+    <p:sldId id="275" r:id="rId10"/>
+    <p:sldId id="268" r:id="rId11"/>
+    <p:sldId id="265" r:id="rId12"/>
+    <p:sldId id="264" r:id="rId13"/>
+    <p:sldId id="269" r:id="rId14"/>
   </p:sldIdLst>
   <p:sldSz cx="12192000" cy="6858000"/>
   <p:notesSz cx="6858000" cy="9144000"/>
@@ -1093,7 +1097,7 @@
           <a:p>
             <a:fld id="{D5D79418-37EB-4378-AD22-89DBB000B0DA}" type="slidenum">
               <a:rPr lang="en-US" smtClean="0"/>
-              <a:t>6</a:t>
+              <a:t>10</a:t>
             </a:fld>
             <a:endParaRPr lang="en-US" dirty="0"/>
           </a:p>
@@ -1225,7 +1229,7 @@
           <a:p>
             <a:fld id="{D5D79418-37EB-4378-AD22-89DBB000B0DA}" type="slidenum">
               <a:rPr lang="en-US" smtClean="0"/>
-              <a:t>7</a:t>
+              <a:t>11</a:t>
             </a:fld>
             <a:endParaRPr lang="en-US" dirty="0"/>
           </a:p>
@@ -1409,7 +1413,7 @@
           <a:p>
             <a:fld id="{D5D79418-37EB-4378-AD22-89DBB000B0DA}" type="slidenum">
               <a:rPr lang="en-US" smtClean="0"/>
-              <a:t>8</a:t>
+              <a:t>12</a:t>
             </a:fld>
             <a:endParaRPr lang="en-US" dirty="0"/>
           </a:p>
@@ -14141,2551 +14145,7 @@
 </p:sld>
 </file>
 
-<file path=ppt/slides/slide2.xml><?xml version="1.0" encoding="utf-8"?>
-<p:sld xmlns:a="http://schemas.openxmlformats.org/drawingml/2006/main" xmlns:r="http://schemas.openxmlformats.org/officeDocument/2006/relationships" xmlns:p="http://schemas.openxmlformats.org/presentationml/2006/main">
-  <p:cSld>
-    <p:spTree>
-      <p:nvGrpSpPr>
-        <p:cNvPr id="1" name=""/>
-        <p:cNvGrpSpPr/>
-        <p:nvPr/>
-      </p:nvGrpSpPr>
-      <p:grpSpPr>
-        <a:xfrm>
-          <a:off x="0" y="0"/>
-          <a:ext cx="0" cy="0"/>
-          <a:chOff x="0" y="0"/>
-          <a:chExt cx="0" cy="0"/>
-        </a:xfrm>
-      </p:grpSpPr>
-      <p:sp>
-        <p:nvSpPr>
-          <p:cNvPr id="2" name="Title 1">
-            <a:extLst>
-              <a:ext uri="{FF2B5EF4-FFF2-40B4-BE49-F238E27FC236}">
-                <a16:creationId xmlns:a16="http://schemas.microsoft.com/office/drawing/2014/main" id="{C937E30B-392D-4691-8125-129E25AAA524}"/>
-              </a:ext>
-            </a:extLst>
-          </p:cNvPr>
-          <p:cNvSpPr>
-            <a:spLocks noGrp="1"/>
-          </p:cNvSpPr>
-          <p:nvPr>
-            <p:ph type="title"/>
-          </p:nvPr>
-        </p:nvSpPr>
-        <p:spPr/>
-        <p:txBody>
-          <a:bodyPr/>
-          <a:lstStyle/>
-          <a:p>
-            <a:r>
-              <a:rPr lang="en-US" dirty="0"/>
-              <a:t>Background required</a:t>
-            </a:r>
-          </a:p>
-        </p:txBody>
-      </p:sp>
-      <p:pic>
-        <p:nvPicPr>
-          <p:cNvPr id="5" name="Graphic 4" descr="Purpose icon">
-            <a:extLst>
-              <a:ext uri="{FF2B5EF4-FFF2-40B4-BE49-F238E27FC236}">
-                <a16:creationId xmlns:a16="http://schemas.microsoft.com/office/drawing/2014/main" id="{28F7ACE2-5D39-488F-AF39-9DEDFF0FF206}"/>
-              </a:ext>
-            </a:extLst>
-          </p:cNvPr>
-          <p:cNvPicPr>
-            <a:picLocks noChangeAspect="1"/>
-          </p:cNvPicPr>
-          <p:nvPr/>
-        </p:nvPicPr>
-        <p:blipFill>
-          <a:blip r:embed="rId3">
-            <a:extLst>
-              <a:ext uri="{28A0092B-C50C-407E-A947-70E740481C1C}">
-                <a14:useLocalDpi xmlns:a14="http://schemas.microsoft.com/office/drawing/2010/main" val="0"/>
-              </a:ext>
-              <a:ext uri="{96DAC541-7B7A-43D3-8B79-37D633B846F1}">
-                <asvg:svgBlip xmlns:asvg="http://schemas.microsoft.com/office/drawing/2016/SVG/main" r:embed="rId4"/>
-              </a:ext>
-            </a:extLst>
-          </a:blip>
-          <a:stretch>
-            <a:fillRect/>
-          </a:stretch>
-        </p:blipFill>
-        <p:spPr>
-          <a:xfrm>
-            <a:off x="11003486" y="2947289"/>
-            <a:ext cx="936000" cy="936000"/>
-          </a:xfrm>
-          <a:prstGeom prst="rect">
-            <a:avLst/>
-          </a:prstGeom>
-        </p:spPr>
-      </p:pic>
-      <p:sp>
-        <p:nvSpPr>
-          <p:cNvPr id="3" name="Text Placeholder 2">
-            <a:extLst>
-              <a:ext uri="{FF2B5EF4-FFF2-40B4-BE49-F238E27FC236}">
-                <a16:creationId xmlns:a16="http://schemas.microsoft.com/office/drawing/2014/main" id="{E7C2A41D-6B6E-4DD0-A7BD-E8CA001266EE}"/>
-              </a:ext>
-            </a:extLst>
-          </p:cNvPr>
-          <p:cNvSpPr>
-            <a:spLocks noGrp="1"/>
-          </p:cNvSpPr>
-          <p:nvPr>
-            <p:ph type="body" idx="1"/>
-          </p:nvPr>
-        </p:nvSpPr>
-        <p:spPr/>
-        <p:txBody>
-          <a:bodyPr>
-            <a:normAutofit/>
-          </a:bodyPr>
-          <a:lstStyle/>
-          <a:p>
-            <a:r>
-              <a:rPr lang="en-US" sz="2400" dirty="0"/>
-              <a:t>What is the "dependency injection" and its usage?</a:t>
-            </a:r>
-          </a:p>
-          <a:p>
-            <a:endParaRPr lang="en-US" sz="2400" dirty="0"/>
-          </a:p>
-        </p:txBody>
-      </p:sp>
-    </p:spTree>
-    <p:extLst>
-      <p:ext uri="{BB962C8B-B14F-4D97-AF65-F5344CB8AC3E}">
-        <p14:creationId xmlns:p14="http://schemas.microsoft.com/office/powerpoint/2010/main" val="2745843633"/>
-      </p:ext>
-    </p:extLst>
-  </p:cSld>
-  <p:clrMapOvr>
-    <a:masterClrMapping/>
-  </p:clrMapOvr>
-</p:sld>
-</file>
-
-<file path=ppt/slides/slide3.xml><?xml version="1.0" encoding="utf-8"?>
-<p:sld xmlns:a="http://schemas.openxmlformats.org/drawingml/2006/main" xmlns:r="http://schemas.openxmlformats.org/officeDocument/2006/relationships" xmlns:p="http://schemas.openxmlformats.org/presentationml/2006/main">
-  <p:cSld>
-    <p:spTree>
-      <p:nvGrpSpPr>
-        <p:cNvPr id="1" name=""/>
-        <p:cNvGrpSpPr/>
-        <p:nvPr/>
-      </p:nvGrpSpPr>
-      <p:grpSpPr>
-        <a:xfrm>
-          <a:off x="0" y="0"/>
-          <a:ext cx="0" cy="0"/>
-          <a:chOff x="0" y="0"/>
-          <a:chExt cx="0" cy="0"/>
-        </a:xfrm>
-      </p:grpSpPr>
-      <p:sp>
-        <p:nvSpPr>
-          <p:cNvPr id="2" name="Title 1">
-            <a:extLst>
-              <a:ext uri="{FF2B5EF4-FFF2-40B4-BE49-F238E27FC236}">
-                <a16:creationId xmlns:a16="http://schemas.microsoft.com/office/drawing/2014/main" id="{D78D0989-E3E5-41DB-A78D-61E199491D89}"/>
-              </a:ext>
-            </a:extLst>
-          </p:cNvPr>
-          <p:cNvSpPr>
-            <a:spLocks noGrp="1"/>
-          </p:cNvSpPr>
-          <p:nvPr>
-            <p:ph type="title"/>
-          </p:nvPr>
-        </p:nvSpPr>
-        <p:spPr/>
-        <p:txBody>
-          <a:bodyPr/>
-          <a:lstStyle/>
-          <a:p>
-            <a:r>
-              <a:rPr lang="en-US" dirty="0"/>
-              <a:t>Comparison of key features</a:t>
-            </a:r>
-          </a:p>
-        </p:txBody>
-      </p:sp>
-      <p:pic>
-        <p:nvPicPr>
-          <p:cNvPr id="6" name="Graphic 5" descr="Learning icon">
-            <a:extLst>
-              <a:ext uri="{FF2B5EF4-FFF2-40B4-BE49-F238E27FC236}">
-                <a16:creationId xmlns:a16="http://schemas.microsoft.com/office/drawing/2014/main" id="{FE130EDC-6F0A-417B-A698-CF2C65F0A3B3}"/>
-              </a:ext>
-            </a:extLst>
-          </p:cNvPr>
-          <p:cNvPicPr>
-            <a:picLocks noChangeAspect="1"/>
-          </p:cNvPicPr>
-          <p:nvPr/>
-        </p:nvPicPr>
-        <p:blipFill>
-          <a:blip r:embed="rId3">
-            <a:extLst>
-              <a:ext uri="{28A0092B-C50C-407E-A947-70E740481C1C}">
-                <a14:useLocalDpi xmlns:a14="http://schemas.microsoft.com/office/drawing/2010/main" val="0"/>
-              </a:ext>
-              <a:ext uri="{96DAC541-7B7A-43D3-8B79-37D633B846F1}">
-                <asvg:svgBlip xmlns:asvg="http://schemas.microsoft.com/office/drawing/2016/SVG/main" r:embed="rId4"/>
-              </a:ext>
-            </a:extLst>
-          </a:blip>
-          <a:stretch>
-            <a:fillRect/>
-          </a:stretch>
-        </p:blipFill>
-        <p:spPr>
-          <a:xfrm>
-            <a:off x="118946" y="613889"/>
-            <a:ext cx="1440000" cy="1440000"/>
-          </a:xfrm>
-          <a:prstGeom prst="rect">
-            <a:avLst/>
-          </a:prstGeom>
-        </p:spPr>
-      </p:pic>
-      <p:sp>
-        <p:nvSpPr>
-          <p:cNvPr id="3" name="Content Placeholder 2">
-            <a:extLst>
-              <a:ext uri="{FF2B5EF4-FFF2-40B4-BE49-F238E27FC236}">
-                <a16:creationId xmlns:a16="http://schemas.microsoft.com/office/drawing/2014/main" id="{5DB23205-1719-4B43-A690-268E347D390E}"/>
-              </a:ext>
-            </a:extLst>
-          </p:cNvPr>
-          <p:cNvSpPr>
-            <a:spLocks noGrp="1"/>
-          </p:cNvSpPr>
-          <p:nvPr>
-            <p:ph sz="half" idx="1"/>
-          </p:nvPr>
-        </p:nvSpPr>
-        <p:spPr/>
-        <p:txBody>
-          <a:bodyPr/>
-          <a:lstStyle/>
-          <a:p>
-            <a:pPr marL="0" indent="0">
-              <a:buNone/>
-            </a:pPr>
-            <a:endParaRPr lang="en-US" dirty="0"/>
-          </a:p>
-          <a:p>
-            <a:endParaRPr lang="en-US" dirty="0"/>
-          </a:p>
-        </p:txBody>
-      </p:sp>
-      <p:sp>
-        <p:nvSpPr>
-          <p:cNvPr id="11" name="TextBox 10">
-            <a:extLst>
-              <a:ext uri="{FF2B5EF4-FFF2-40B4-BE49-F238E27FC236}">
-                <a16:creationId xmlns:a16="http://schemas.microsoft.com/office/drawing/2014/main" id="{3A0B2421-EBB8-467F-860E-866DD2BAF45F}"/>
-              </a:ext>
-            </a:extLst>
-          </p:cNvPr>
-          <p:cNvSpPr txBox="1"/>
-          <p:nvPr/>
-        </p:nvSpPr>
-        <p:spPr>
-          <a:xfrm>
-            <a:off x="1963882" y="2410691"/>
-            <a:ext cx="7065818" cy="3348481"/>
-          </a:xfrm>
-          <a:prstGeom prst="rect">
-            <a:avLst/>
-          </a:prstGeom>
-          <a:noFill/>
-        </p:spPr>
-        <p:txBody>
-          <a:bodyPr wrap="square" rtlCol="0">
-            <a:spAutoFit/>
-          </a:bodyPr>
-          <a:lstStyle/>
-          <a:p>
-            <a:pPr marL="285750" indent="-285750">
-              <a:lnSpc>
-                <a:spcPct val="150000"/>
-              </a:lnSpc>
-              <a:buFont typeface="Arial" panose="020B0604020202020204" pitchFamily="34" charset="0"/>
-              <a:buChar char="•"/>
-            </a:pPr>
-            <a:r>
-              <a:rPr lang="en-US" sz="2400" b="1" dirty="0" err="1"/>
-              <a:t>Registeration</a:t>
-            </a:r>
-            <a:endParaRPr lang="en-US" sz="2400" b="1" dirty="0"/>
-          </a:p>
-          <a:p>
-            <a:pPr marL="285750" indent="-285750">
-              <a:lnSpc>
-                <a:spcPct val="150000"/>
-              </a:lnSpc>
-              <a:buFont typeface="Arial" panose="020B0604020202020204" pitchFamily="34" charset="0"/>
-              <a:buChar char="•"/>
-            </a:pPr>
-            <a:r>
-              <a:rPr lang="en-US" sz="2400" b="1" dirty="0"/>
-              <a:t>Service lifetimes</a:t>
-            </a:r>
-          </a:p>
-          <a:p>
-            <a:pPr marL="285750" indent="-285750">
-              <a:lnSpc>
-                <a:spcPct val="150000"/>
-              </a:lnSpc>
-              <a:buFont typeface="Arial" panose="020B0604020202020204" pitchFamily="34" charset="0"/>
-              <a:buChar char="•"/>
-            </a:pPr>
-            <a:r>
-              <a:rPr lang="en-US" sz="2400" b="1" dirty="0"/>
-              <a:t>Constructor injection</a:t>
-            </a:r>
-          </a:p>
-          <a:p>
-            <a:pPr marL="285750" indent="-285750">
-              <a:lnSpc>
-                <a:spcPct val="150000"/>
-              </a:lnSpc>
-              <a:buFont typeface="Arial" panose="020B0604020202020204" pitchFamily="34" charset="0"/>
-              <a:buChar char="•"/>
-            </a:pPr>
-            <a:r>
-              <a:rPr lang="en-US" sz="2400" b="1" dirty="0"/>
-              <a:t>Action method injection</a:t>
-            </a:r>
-          </a:p>
-          <a:p>
-            <a:pPr marL="285750" indent="-285750">
-              <a:lnSpc>
-                <a:spcPct val="150000"/>
-              </a:lnSpc>
-              <a:buFont typeface="Arial" panose="020B0604020202020204" pitchFamily="34" charset="0"/>
-              <a:buChar char="•"/>
-            </a:pPr>
-            <a:r>
-              <a:rPr lang="en-US" sz="2400" b="1" dirty="0"/>
-              <a:t>Property injection</a:t>
-            </a:r>
-          </a:p>
-          <a:p>
-            <a:pPr marL="285750" indent="-285750">
-              <a:lnSpc>
-                <a:spcPct val="150000"/>
-              </a:lnSpc>
-              <a:buFont typeface="Arial" panose="020B0604020202020204" pitchFamily="34" charset="0"/>
-              <a:buChar char="•"/>
-            </a:pPr>
-            <a:r>
-              <a:rPr lang="en-US" sz="2400" b="1" dirty="0"/>
-              <a:t>Get services manually</a:t>
-            </a:r>
-          </a:p>
-        </p:txBody>
-      </p:sp>
-    </p:spTree>
-    <p:extLst>
-      <p:ext uri="{BB962C8B-B14F-4D97-AF65-F5344CB8AC3E}">
-        <p14:creationId xmlns:p14="http://schemas.microsoft.com/office/powerpoint/2010/main" val="4205207834"/>
-      </p:ext>
-    </p:extLst>
-  </p:cSld>
-  <p:clrMapOvr>
-    <a:masterClrMapping/>
-  </p:clrMapOvr>
-</p:sld>
-</file>
-
-<file path=ppt/slides/slide4.xml><?xml version="1.0" encoding="utf-8"?>
-<p:sld xmlns:a="http://schemas.openxmlformats.org/drawingml/2006/main" xmlns:r="http://schemas.openxmlformats.org/officeDocument/2006/relationships" xmlns:p="http://schemas.openxmlformats.org/presentationml/2006/main">
-  <p:cSld>
-    <p:spTree>
-      <p:nvGrpSpPr>
-        <p:cNvPr id="1" name=""/>
-        <p:cNvGrpSpPr/>
-        <p:nvPr/>
-      </p:nvGrpSpPr>
-      <p:grpSpPr>
-        <a:xfrm>
-          <a:off x="0" y="0"/>
-          <a:ext cx="0" cy="0"/>
-          <a:chOff x="0" y="0"/>
-          <a:chExt cx="0" cy="0"/>
-        </a:xfrm>
-      </p:grpSpPr>
-      <p:sp>
-        <p:nvSpPr>
-          <p:cNvPr id="5" name="Title 4">
-            <a:extLst>
-              <a:ext uri="{FF2B5EF4-FFF2-40B4-BE49-F238E27FC236}">
-                <a16:creationId xmlns:a16="http://schemas.microsoft.com/office/drawing/2014/main" id="{F4673F5B-AADC-4BED-859C-530EBEA568B8}"/>
-              </a:ext>
-            </a:extLst>
-          </p:cNvPr>
-          <p:cNvSpPr>
-            <a:spLocks noGrp="1"/>
-          </p:cNvSpPr>
-          <p:nvPr>
-            <p:ph type="title"/>
-          </p:nvPr>
-        </p:nvSpPr>
-        <p:spPr/>
-        <p:txBody>
-          <a:bodyPr/>
-          <a:lstStyle/>
-          <a:p>
-            <a:r>
-              <a:rPr lang="en-US" dirty="0" err="1"/>
-              <a:t>Registeration</a:t>
-            </a:r>
-            <a:endParaRPr lang="en-US" dirty="0"/>
-          </a:p>
-        </p:txBody>
-      </p:sp>
-      <p:sp>
-        <p:nvSpPr>
-          <p:cNvPr id="6" name="Text Placeholder 5">
-            <a:extLst>
-              <a:ext uri="{FF2B5EF4-FFF2-40B4-BE49-F238E27FC236}">
-                <a16:creationId xmlns:a16="http://schemas.microsoft.com/office/drawing/2014/main" id="{A1206317-B33C-42E7-94BE-34E9AEC2E39C}"/>
-              </a:ext>
-            </a:extLst>
-          </p:cNvPr>
-          <p:cNvSpPr>
-            <a:spLocks noGrp="1"/>
-          </p:cNvSpPr>
-          <p:nvPr>
-            <p:ph type="body" idx="1"/>
-          </p:nvPr>
-        </p:nvSpPr>
-        <p:spPr/>
-        <p:txBody>
-          <a:bodyPr/>
-          <a:lstStyle/>
-          <a:p>
-            <a:r>
-              <a:rPr lang="en-US" dirty="0"/>
-              <a:t>Microsoft DI</a:t>
-            </a:r>
-          </a:p>
-        </p:txBody>
-      </p:sp>
-      <p:sp>
-        <p:nvSpPr>
-          <p:cNvPr id="7" name="Content Placeholder 6">
-            <a:extLst>
-              <a:ext uri="{FF2B5EF4-FFF2-40B4-BE49-F238E27FC236}">
-                <a16:creationId xmlns:a16="http://schemas.microsoft.com/office/drawing/2014/main" id="{C19E30EC-6E7C-4C9E-8946-B95757FF962C}"/>
-              </a:ext>
-            </a:extLst>
-          </p:cNvPr>
-          <p:cNvSpPr>
-            <a:spLocks noGrp="1"/>
-          </p:cNvSpPr>
-          <p:nvPr>
-            <p:ph sz="half" idx="2"/>
-          </p:nvPr>
-        </p:nvSpPr>
-        <p:spPr>
-          <a:xfrm>
-            <a:off x="680322" y="3030008"/>
-            <a:ext cx="4698355" cy="3443527"/>
-          </a:xfrm>
-          <a:solidFill>
-            <a:schemeClr val="bg1">
-              <a:lumMod val="85000"/>
-              <a:lumOff val="15000"/>
-            </a:schemeClr>
-          </a:solidFill>
-        </p:spPr>
-        <p:txBody>
-          <a:bodyPr>
-            <a:normAutofit fontScale="92500" lnSpcReduction="10000"/>
-          </a:bodyPr>
-          <a:lstStyle/>
-          <a:p>
-            <a:pPr marL="0" indent="0">
-              <a:buNone/>
-            </a:pPr>
-            <a:r>
-              <a:rPr lang="en-US" sz="1800" b="0" dirty="0" err="1">
-                <a:solidFill>
-                  <a:srgbClr val="81D4FA"/>
-                </a:solidFill>
-                <a:effectLst/>
-                <a:latin typeface="Consolas" panose="020B0609020204030204" pitchFamily="49" charset="0"/>
-              </a:rPr>
-              <a:t>builder</a:t>
-            </a:r>
-            <a:r>
-              <a:rPr lang="en-US" sz="1800" b="0" dirty="0" err="1">
-                <a:solidFill>
-                  <a:srgbClr val="BDBDBD"/>
-                </a:solidFill>
-                <a:effectLst/>
-                <a:latin typeface="Consolas" panose="020B0609020204030204" pitchFamily="49" charset="0"/>
-              </a:rPr>
-              <a:t>.</a:t>
-            </a:r>
-            <a:r>
-              <a:rPr lang="en-US" sz="1800" b="0" dirty="0" err="1">
-                <a:solidFill>
-                  <a:srgbClr val="81D4FA"/>
-                </a:solidFill>
-                <a:effectLst/>
-                <a:latin typeface="Consolas" panose="020B0609020204030204" pitchFamily="49" charset="0"/>
-              </a:rPr>
-              <a:t>Services</a:t>
-            </a:r>
-            <a:endParaRPr lang="en-US" sz="1800" b="0" dirty="0">
-              <a:solidFill>
-                <a:srgbClr val="81D4FA"/>
-              </a:solidFill>
-              <a:effectLst/>
-              <a:latin typeface="Consolas" panose="020B0609020204030204" pitchFamily="49" charset="0"/>
-            </a:endParaRPr>
-          </a:p>
-          <a:p>
-            <a:pPr marL="0" indent="0">
-              <a:buNone/>
-            </a:pPr>
-            <a:r>
-              <a:rPr lang="en-US" sz="1800" b="0" dirty="0">
-                <a:solidFill>
-                  <a:srgbClr val="81D4FA"/>
-                </a:solidFill>
-                <a:effectLst/>
-                <a:latin typeface="Consolas" panose="020B0609020204030204" pitchFamily="49" charset="0"/>
-              </a:rPr>
-              <a:t>       </a:t>
-            </a:r>
-            <a:r>
-              <a:rPr lang="en-US" sz="1800" b="0" dirty="0">
-                <a:solidFill>
-                  <a:srgbClr val="BDBDBD"/>
-                </a:solidFill>
-                <a:effectLst/>
-                <a:latin typeface="Consolas" panose="020B0609020204030204" pitchFamily="49" charset="0"/>
-              </a:rPr>
-              <a:t>.</a:t>
-            </a:r>
-            <a:r>
-              <a:rPr lang="en-US" sz="1800" b="0" dirty="0" err="1">
-                <a:solidFill>
-                  <a:srgbClr val="F0F4C3"/>
-                </a:solidFill>
-                <a:effectLst/>
-                <a:latin typeface="Consolas" panose="020B0609020204030204" pitchFamily="49" charset="0"/>
-              </a:rPr>
-              <a:t>AddScoped</a:t>
-            </a:r>
-            <a:r>
-              <a:rPr lang="en-US" sz="1800" b="0" dirty="0">
-                <a:solidFill>
-                  <a:srgbClr val="BDBDBD"/>
-                </a:solidFill>
-                <a:effectLst/>
-                <a:latin typeface="Consolas" panose="020B0609020204030204" pitchFamily="49" charset="0"/>
-              </a:rPr>
-              <a:t>&lt;</a:t>
-            </a:r>
-            <a:r>
-              <a:rPr lang="en-US" sz="1800" b="0" dirty="0" err="1">
-                <a:solidFill>
-                  <a:srgbClr val="4DB6AC"/>
-                </a:solidFill>
-                <a:effectLst/>
-                <a:latin typeface="Consolas" panose="020B0609020204030204" pitchFamily="49" charset="0"/>
-              </a:rPr>
-              <a:t>IMyDependency</a:t>
-            </a:r>
-            <a:r>
-              <a:rPr lang="en-US" sz="1800" b="0" dirty="0">
-                <a:solidFill>
-                  <a:srgbClr val="BDBDBD"/>
-                </a:solidFill>
-                <a:effectLst/>
-                <a:latin typeface="Consolas" panose="020B0609020204030204" pitchFamily="49" charset="0"/>
-              </a:rPr>
-              <a:t>, 		    </a:t>
-            </a:r>
-            <a:r>
-              <a:rPr lang="en-US" sz="1800" b="0" dirty="0" err="1">
-                <a:solidFill>
-                  <a:srgbClr val="4DB6AC"/>
-                </a:solidFill>
-                <a:effectLst/>
-                <a:latin typeface="Consolas" panose="020B0609020204030204" pitchFamily="49" charset="0"/>
-              </a:rPr>
-              <a:t>MyDependency</a:t>
-            </a:r>
-            <a:r>
-              <a:rPr lang="en-US" sz="1800" b="0" dirty="0">
-                <a:solidFill>
-                  <a:srgbClr val="BDBDBD"/>
-                </a:solidFill>
-                <a:effectLst/>
-                <a:latin typeface="Consolas" panose="020B0609020204030204" pitchFamily="49" charset="0"/>
-              </a:rPr>
-              <a:t>&gt;();</a:t>
-            </a:r>
-          </a:p>
-          <a:p>
-            <a:endParaRPr lang="en-US" dirty="0"/>
-          </a:p>
-        </p:txBody>
-      </p:sp>
-      <p:sp>
-        <p:nvSpPr>
-          <p:cNvPr id="8" name="Text Placeholder 7">
-            <a:extLst>
-              <a:ext uri="{FF2B5EF4-FFF2-40B4-BE49-F238E27FC236}">
-                <a16:creationId xmlns:a16="http://schemas.microsoft.com/office/drawing/2014/main" id="{239372C0-CC99-466D-9E26-29DA1A617331}"/>
-              </a:ext>
-            </a:extLst>
-          </p:cNvPr>
-          <p:cNvSpPr>
-            <a:spLocks noGrp="1"/>
-          </p:cNvSpPr>
-          <p:nvPr>
-            <p:ph type="body" sz="quarter" idx="3"/>
-          </p:nvPr>
-        </p:nvSpPr>
-        <p:spPr/>
-        <p:txBody>
-          <a:bodyPr/>
-          <a:lstStyle/>
-          <a:p>
-            <a:r>
-              <a:rPr lang="en-US" dirty="0" err="1"/>
-              <a:t>Autofac</a:t>
-            </a:r>
-            <a:endParaRPr lang="en-US" dirty="0"/>
-          </a:p>
-        </p:txBody>
-      </p:sp>
-      <p:sp>
-        <p:nvSpPr>
-          <p:cNvPr id="11" name="Rectangle 2">
-            <a:extLst>
-              <a:ext uri="{FF2B5EF4-FFF2-40B4-BE49-F238E27FC236}">
-                <a16:creationId xmlns:a16="http://schemas.microsoft.com/office/drawing/2014/main" id="{6BEFB1AB-8AD3-4B14-B958-63C5CC53D2D6}"/>
-              </a:ext>
-            </a:extLst>
-          </p:cNvPr>
-          <p:cNvSpPr>
-            <a:spLocks noGrp="1" noChangeArrowheads="1"/>
-          </p:cNvSpPr>
-          <p:nvPr>
-            <p:ph sz="quarter" idx="4"/>
-          </p:nvPr>
-        </p:nvSpPr>
-        <p:spPr bwMode="auto">
-          <a:xfrm>
-            <a:off x="5594123" y="3028948"/>
-            <a:ext cx="5917555" cy="3444587"/>
-          </a:xfrm>
-          <a:prstGeom prst="rect">
-            <a:avLst/>
-          </a:prstGeom>
-          <a:solidFill>
-            <a:schemeClr val="bg1">
-              <a:lumMod val="85000"/>
-              <a:lumOff val="15000"/>
-            </a:schemeClr>
-          </a:solidFill>
-        </p:spPr>
-        <p:txBody>
-          <a:bodyPr vert="horz" lIns="91440" tIns="45720" rIns="91440" bIns="45720" rtlCol="0">
-            <a:normAutofit fontScale="92500" lnSpcReduction="10000"/>
-          </a:bodyPr>
-          <a:lstStyle/>
-          <a:p>
-            <a:pPr marL="0" indent="0">
-              <a:buNone/>
-            </a:pPr>
-            <a:r>
-              <a:rPr lang="en-US" sz="1400" b="0" dirty="0">
-                <a:solidFill>
-                  <a:srgbClr val="689F38"/>
-                </a:solidFill>
-                <a:effectLst/>
-                <a:latin typeface="Consolas" panose="020B0609020204030204" pitchFamily="49" charset="0"/>
-              </a:rPr>
-              <a:t>// Create the builder with which components/services are registered.</a:t>
-            </a:r>
-            <a:endParaRPr lang="en-US" sz="1400" b="0" dirty="0">
-              <a:solidFill>
-                <a:srgbClr val="BDBDBD"/>
-              </a:solidFill>
-              <a:effectLst/>
-              <a:latin typeface="Consolas" panose="020B0609020204030204" pitchFamily="49" charset="0"/>
-            </a:endParaRPr>
-          </a:p>
-          <a:p>
-            <a:pPr marL="0" indent="0">
-              <a:buNone/>
-            </a:pPr>
-            <a:r>
-              <a:rPr lang="en-US" sz="1400" b="0" dirty="0">
-                <a:solidFill>
-                  <a:srgbClr val="2196F3"/>
-                </a:solidFill>
-                <a:effectLst/>
-                <a:latin typeface="Consolas" panose="020B0609020204030204" pitchFamily="49" charset="0"/>
-              </a:rPr>
-              <a:t>var</a:t>
-            </a:r>
-            <a:r>
-              <a:rPr lang="en-US" sz="1400" b="0" dirty="0">
-                <a:solidFill>
-                  <a:srgbClr val="BDBDBD"/>
-                </a:solidFill>
-                <a:effectLst/>
-                <a:latin typeface="Consolas" panose="020B0609020204030204" pitchFamily="49" charset="0"/>
-              </a:rPr>
-              <a:t> </a:t>
-            </a:r>
-            <a:r>
-              <a:rPr lang="en-US" sz="1400" b="0" dirty="0">
-                <a:solidFill>
-                  <a:srgbClr val="81D4FA"/>
-                </a:solidFill>
-                <a:effectLst/>
-                <a:latin typeface="Consolas" panose="020B0609020204030204" pitchFamily="49" charset="0"/>
-              </a:rPr>
-              <a:t>builder</a:t>
-            </a:r>
-            <a:r>
-              <a:rPr lang="en-US" sz="1400" b="0" dirty="0">
-                <a:solidFill>
-                  <a:srgbClr val="BDBDBD"/>
-                </a:solidFill>
-                <a:effectLst/>
-                <a:latin typeface="Consolas" panose="020B0609020204030204" pitchFamily="49" charset="0"/>
-              </a:rPr>
-              <a:t> </a:t>
-            </a:r>
-            <a:r>
-              <a:rPr lang="en-US" sz="1400" b="0" dirty="0">
-                <a:solidFill>
-                  <a:srgbClr val="E0E0E0"/>
-                </a:solidFill>
-                <a:effectLst/>
-                <a:latin typeface="Consolas" panose="020B0609020204030204" pitchFamily="49" charset="0"/>
-              </a:rPr>
-              <a:t>=</a:t>
-            </a:r>
-            <a:r>
-              <a:rPr lang="en-US" sz="1400" b="0" dirty="0">
-                <a:solidFill>
-                  <a:srgbClr val="BDBDBD"/>
-                </a:solidFill>
-                <a:effectLst/>
-                <a:latin typeface="Consolas" panose="020B0609020204030204" pitchFamily="49" charset="0"/>
-              </a:rPr>
-              <a:t> </a:t>
-            </a:r>
-            <a:r>
-              <a:rPr lang="en-US" sz="1400" b="0" dirty="0">
-                <a:solidFill>
-                  <a:srgbClr val="2196F3"/>
-                </a:solidFill>
-                <a:effectLst/>
-                <a:latin typeface="Consolas" panose="020B0609020204030204" pitchFamily="49" charset="0"/>
-              </a:rPr>
-              <a:t>new</a:t>
-            </a:r>
-            <a:r>
-              <a:rPr lang="en-US" sz="1400" b="0" dirty="0">
-                <a:solidFill>
-                  <a:srgbClr val="BDBDBD"/>
-                </a:solidFill>
-                <a:effectLst/>
-                <a:latin typeface="Consolas" panose="020B0609020204030204" pitchFamily="49" charset="0"/>
-              </a:rPr>
-              <a:t> </a:t>
-            </a:r>
-            <a:r>
-              <a:rPr lang="en-US" sz="1400" b="0" dirty="0" err="1">
-                <a:solidFill>
-                  <a:srgbClr val="81D4FA"/>
-                </a:solidFill>
-                <a:effectLst/>
-                <a:latin typeface="Consolas" panose="020B0609020204030204" pitchFamily="49" charset="0"/>
-              </a:rPr>
-              <a:t>ContainerBuilder</a:t>
-            </a:r>
-            <a:r>
-              <a:rPr lang="en-US" sz="1400" b="0" dirty="0">
-                <a:solidFill>
-                  <a:srgbClr val="BDBDBD"/>
-                </a:solidFill>
-                <a:effectLst/>
-                <a:latin typeface="Consolas" panose="020B0609020204030204" pitchFamily="49" charset="0"/>
-              </a:rPr>
-              <a:t>();</a:t>
-            </a:r>
-          </a:p>
-          <a:p>
-            <a:pPr marL="0" indent="0">
-              <a:buNone/>
-            </a:pPr>
-            <a:br>
-              <a:rPr lang="en-US" sz="1400" b="0" dirty="0">
-                <a:solidFill>
-                  <a:srgbClr val="BDBDBD"/>
-                </a:solidFill>
-                <a:effectLst/>
-                <a:latin typeface="Consolas" panose="020B0609020204030204" pitchFamily="49" charset="0"/>
-              </a:rPr>
-            </a:br>
-            <a:r>
-              <a:rPr lang="en-US" sz="1400" b="0" dirty="0">
-                <a:solidFill>
-                  <a:srgbClr val="689F38"/>
-                </a:solidFill>
-                <a:effectLst/>
-                <a:latin typeface="Consolas" panose="020B0609020204030204" pitchFamily="49" charset="0"/>
-              </a:rPr>
-              <a:t>// Register types that expose interfaces...</a:t>
-            </a:r>
-            <a:endParaRPr lang="en-US" sz="1400" b="0" dirty="0">
-              <a:solidFill>
-                <a:srgbClr val="BDBDBD"/>
-              </a:solidFill>
-              <a:effectLst/>
-              <a:latin typeface="Consolas" panose="020B0609020204030204" pitchFamily="49" charset="0"/>
-            </a:endParaRPr>
-          </a:p>
-          <a:p>
-            <a:pPr marL="0" indent="0">
-              <a:buNone/>
-            </a:pPr>
-            <a:r>
-              <a:rPr lang="en-US" sz="1400" b="0" dirty="0" err="1">
-                <a:solidFill>
-                  <a:srgbClr val="81D4FA"/>
-                </a:solidFill>
-                <a:effectLst/>
-                <a:latin typeface="Consolas" panose="020B0609020204030204" pitchFamily="49" charset="0"/>
-              </a:rPr>
-              <a:t>builder</a:t>
-            </a:r>
-            <a:r>
-              <a:rPr lang="en-US" sz="1400" b="0" dirty="0" err="1">
-                <a:solidFill>
-                  <a:srgbClr val="E0E0E0"/>
-                </a:solidFill>
-                <a:effectLst/>
-                <a:latin typeface="Consolas" panose="020B0609020204030204" pitchFamily="49" charset="0"/>
-              </a:rPr>
-              <a:t>.</a:t>
-            </a:r>
-            <a:r>
-              <a:rPr lang="en-US" sz="1400" b="0" dirty="0" err="1">
-                <a:solidFill>
-                  <a:srgbClr val="81D4FA"/>
-                </a:solidFill>
-                <a:effectLst/>
-                <a:latin typeface="Consolas" panose="020B0609020204030204" pitchFamily="49" charset="0"/>
-              </a:rPr>
-              <a:t>RegisterType</a:t>
-            </a:r>
-            <a:r>
-              <a:rPr lang="en-US" sz="1400" b="0" dirty="0">
-                <a:solidFill>
-                  <a:srgbClr val="BDBDBD"/>
-                </a:solidFill>
-                <a:effectLst/>
-                <a:latin typeface="Consolas" panose="020B0609020204030204" pitchFamily="49" charset="0"/>
-              </a:rPr>
-              <a:t>&lt;</a:t>
-            </a:r>
-            <a:r>
-              <a:rPr lang="en-US" sz="1400" b="0" dirty="0" err="1">
-                <a:solidFill>
-                  <a:srgbClr val="81D4FA"/>
-                </a:solidFill>
-                <a:effectLst/>
-                <a:latin typeface="Consolas" panose="020B0609020204030204" pitchFamily="49" charset="0"/>
-              </a:rPr>
-              <a:t>ConsoleLogger</a:t>
-            </a:r>
-            <a:r>
-              <a:rPr lang="en-US" sz="1400" b="0" dirty="0">
-                <a:solidFill>
-                  <a:srgbClr val="BDBDBD"/>
-                </a:solidFill>
-                <a:effectLst/>
-                <a:latin typeface="Consolas" panose="020B0609020204030204" pitchFamily="49" charset="0"/>
-              </a:rPr>
-              <a:t>&gt;()</a:t>
-            </a:r>
-            <a:r>
-              <a:rPr lang="en-US" sz="1400" b="0" dirty="0">
-                <a:solidFill>
-                  <a:srgbClr val="E0E0E0"/>
-                </a:solidFill>
-                <a:effectLst/>
-                <a:latin typeface="Consolas" panose="020B0609020204030204" pitchFamily="49" charset="0"/>
-              </a:rPr>
-              <a:t>.</a:t>
-            </a:r>
-            <a:r>
-              <a:rPr lang="en-US" sz="1400" b="0" dirty="0">
-                <a:solidFill>
-                  <a:srgbClr val="81D4FA"/>
-                </a:solidFill>
-                <a:effectLst/>
-                <a:latin typeface="Consolas" panose="020B0609020204030204" pitchFamily="49" charset="0"/>
-              </a:rPr>
-              <a:t>As</a:t>
-            </a:r>
-            <a:r>
-              <a:rPr lang="en-US" sz="1400" b="0" dirty="0">
-                <a:solidFill>
-                  <a:srgbClr val="BDBDBD"/>
-                </a:solidFill>
-                <a:effectLst/>
-                <a:latin typeface="Consolas" panose="020B0609020204030204" pitchFamily="49" charset="0"/>
-              </a:rPr>
-              <a:t>&lt;</a:t>
-            </a:r>
-            <a:r>
-              <a:rPr lang="en-US" sz="1400" b="0" dirty="0" err="1">
-                <a:solidFill>
-                  <a:srgbClr val="81D4FA"/>
-                </a:solidFill>
-                <a:effectLst/>
-                <a:latin typeface="Consolas" panose="020B0609020204030204" pitchFamily="49" charset="0"/>
-              </a:rPr>
-              <a:t>ILogger</a:t>
-            </a:r>
-            <a:r>
-              <a:rPr lang="en-US" sz="1400" b="0" dirty="0">
-                <a:solidFill>
-                  <a:srgbClr val="BDBDBD"/>
-                </a:solidFill>
-                <a:effectLst/>
-                <a:latin typeface="Consolas" panose="020B0609020204030204" pitchFamily="49" charset="0"/>
-              </a:rPr>
-              <a:t>&gt;();</a:t>
-            </a:r>
-          </a:p>
-          <a:p>
-            <a:pPr marL="0" indent="0">
-              <a:buNone/>
-            </a:pPr>
-            <a:br>
-              <a:rPr lang="en-US" sz="1400" b="0" dirty="0">
-                <a:solidFill>
-                  <a:srgbClr val="BDBDBD"/>
-                </a:solidFill>
-                <a:effectLst/>
-                <a:latin typeface="Consolas" panose="020B0609020204030204" pitchFamily="49" charset="0"/>
-              </a:rPr>
-            </a:br>
-            <a:r>
-              <a:rPr lang="en-US" sz="1400" b="0" dirty="0">
-                <a:solidFill>
-                  <a:srgbClr val="689F38"/>
-                </a:solidFill>
-                <a:effectLst/>
-                <a:latin typeface="Consolas" panose="020B0609020204030204" pitchFamily="49" charset="0"/>
-              </a:rPr>
-              <a:t>// Register instances of objects you create...</a:t>
-            </a:r>
-            <a:endParaRPr lang="en-US" sz="1400" b="0" dirty="0">
-              <a:solidFill>
-                <a:srgbClr val="BDBDBD"/>
-              </a:solidFill>
-              <a:effectLst/>
-              <a:latin typeface="Consolas" panose="020B0609020204030204" pitchFamily="49" charset="0"/>
-            </a:endParaRPr>
-          </a:p>
-          <a:p>
-            <a:pPr marL="0" indent="0">
-              <a:buNone/>
-            </a:pPr>
-            <a:r>
-              <a:rPr lang="en-US" sz="1400" b="0" dirty="0">
-                <a:solidFill>
-                  <a:srgbClr val="2196F3"/>
-                </a:solidFill>
-                <a:effectLst/>
-                <a:latin typeface="Consolas" panose="020B0609020204030204" pitchFamily="49" charset="0"/>
-              </a:rPr>
-              <a:t>var</a:t>
-            </a:r>
-            <a:r>
-              <a:rPr lang="en-US" sz="1400" b="0" dirty="0">
-                <a:solidFill>
-                  <a:srgbClr val="BDBDBD"/>
-                </a:solidFill>
-                <a:effectLst/>
-                <a:latin typeface="Consolas" panose="020B0609020204030204" pitchFamily="49" charset="0"/>
-              </a:rPr>
-              <a:t> </a:t>
-            </a:r>
-            <a:r>
-              <a:rPr lang="en-US" sz="1400" b="0" dirty="0">
-                <a:solidFill>
-                  <a:srgbClr val="81D4FA"/>
-                </a:solidFill>
-                <a:effectLst/>
-                <a:latin typeface="Consolas" panose="020B0609020204030204" pitchFamily="49" charset="0"/>
-              </a:rPr>
-              <a:t>output</a:t>
-            </a:r>
-            <a:r>
-              <a:rPr lang="en-US" sz="1400" b="0" dirty="0">
-                <a:solidFill>
-                  <a:srgbClr val="BDBDBD"/>
-                </a:solidFill>
-                <a:effectLst/>
-                <a:latin typeface="Consolas" panose="020B0609020204030204" pitchFamily="49" charset="0"/>
-              </a:rPr>
-              <a:t> </a:t>
-            </a:r>
-            <a:r>
-              <a:rPr lang="en-US" sz="1400" b="0" dirty="0">
-                <a:solidFill>
-                  <a:srgbClr val="E0E0E0"/>
-                </a:solidFill>
-                <a:effectLst/>
-                <a:latin typeface="Consolas" panose="020B0609020204030204" pitchFamily="49" charset="0"/>
-              </a:rPr>
-              <a:t>=</a:t>
-            </a:r>
-            <a:r>
-              <a:rPr lang="en-US" sz="1400" b="0" dirty="0">
-                <a:solidFill>
-                  <a:srgbClr val="BDBDBD"/>
-                </a:solidFill>
-                <a:effectLst/>
-                <a:latin typeface="Consolas" panose="020B0609020204030204" pitchFamily="49" charset="0"/>
-              </a:rPr>
-              <a:t> </a:t>
-            </a:r>
-            <a:r>
-              <a:rPr lang="en-US" sz="1400" b="0" dirty="0">
-                <a:solidFill>
-                  <a:srgbClr val="2196F3"/>
-                </a:solidFill>
-                <a:effectLst/>
-                <a:latin typeface="Consolas" panose="020B0609020204030204" pitchFamily="49" charset="0"/>
-              </a:rPr>
-              <a:t>new</a:t>
-            </a:r>
-            <a:r>
-              <a:rPr lang="en-US" sz="1400" b="0" dirty="0">
-                <a:solidFill>
-                  <a:srgbClr val="BDBDBD"/>
-                </a:solidFill>
-                <a:effectLst/>
-                <a:latin typeface="Consolas" panose="020B0609020204030204" pitchFamily="49" charset="0"/>
-              </a:rPr>
-              <a:t> </a:t>
-            </a:r>
-            <a:r>
-              <a:rPr lang="en-US" sz="1400" b="0" dirty="0" err="1">
-                <a:solidFill>
-                  <a:srgbClr val="81D4FA"/>
-                </a:solidFill>
-                <a:effectLst/>
-                <a:latin typeface="Consolas" panose="020B0609020204030204" pitchFamily="49" charset="0"/>
-              </a:rPr>
-              <a:t>StringWriter</a:t>
-            </a:r>
-            <a:r>
-              <a:rPr lang="en-US" sz="1400" b="0" dirty="0">
-                <a:solidFill>
-                  <a:srgbClr val="BDBDBD"/>
-                </a:solidFill>
-                <a:effectLst/>
-                <a:latin typeface="Consolas" panose="020B0609020204030204" pitchFamily="49" charset="0"/>
-              </a:rPr>
-              <a:t>();</a:t>
-            </a:r>
-          </a:p>
-          <a:p>
-            <a:pPr marL="0" indent="0">
-              <a:buNone/>
-            </a:pPr>
-            <a:r>
-              <a:rPr lang="en-US" sz="1400" b="0" dirty="0" err="1">
-                <a:solidFill>
-                  <a:srgbClr val="81D4FA"/>
-                </a:solidFill>
-                <a:effectLst/>
-                <a:latin typeface="Consolas" panose="020B0609020204030204" pitchFamily="49" charset="0"/>
-              </a:rPr>
-              <a:t>builder</a:t>
-            </a:r>
-            <a:r>
-              <a:rPr lang="en-US" sz="1400" b="0" dirty="0" err="1">
-                <a:solidFill>
-                  <a:srgbClr val="E0E0E0"/>
-                </a:solidFill>
-                <a:effectLst/>
-                <a:latin typeface="Consolas" panose="020B0609020204030204" pitchFamily="49" charset="0"/>
-              </a:rPr>
-              <a:t>.</a:t>
-            </a:r>
-            <a:r>
-              <a:rPr lang="en-US" sz="1400" b="0" dirty="0" err="1">
-                <a:solidFill>
-                  <a:srgbClr val="81D4FA"/>
-                </a:solidFill>
-                <a:effectLst/>
-                <a:latin typeface="Consolas" panose="020B0609020204030204" pitchFamily="49" charset="0"/>
-              </a:rPr>
-              <a:t>RegisterInstance</a:t>
-            </a:r>
-            <a:r>
-              <a:rPr lang="en-US" sz="1400" b="0" dirty="0">
-                <a:solidFill>
-                  <a:srgbClr val="BDBDBD"/>
-                </a:solidFill>
-                <a:effectLst/>
-                <a:latin typeface="Consolas" panose="020B0609020204030204" pitchFamily="49" charset="0"/>
-              </a:rPr>
-              <a:t>(</a:t>
-            </a:r>
-            <a:r>
-              <a:rPr lang="en-US" sz="1400" b="0" dirty="0">
-                <a:solidFill>
-                  <a:srgbClr val="81D4FA"/>
-                </a:solidFill>
-                <a:effectLst/>
-                <a:latin typeface="Consolas" panose="020B0609020204030204" pitchFamily="49" charset="0"/>
-              </a:rPr>
-              <a:t>output</a:t>
-            </a:r>
-            <a:r>
-              <a:rPr lang="en-US" sz="1400" b="0" dirty="0">
-                <a:solidFill>
-                  <a:srgbClr val="BDBDBD"/>
-                </a:solidFill>
-                <a:effectLst/>
-                <a:latin typeface="Consolas" panose="020B0609020204030204" pitchFamily="49" charset="0"/>
-              </a:rPr>
-              <a:t>)</a:t>
-            </a:r>
-            <a:r>
-              <a:rPr lang="en-US" sz="1400" b="0" dirty="0">
-                <a:solidFill>
-                  <a:srgbClr val="E0E0E0"/>
-                </a:solidFill>
-                <a:effectLst/>
-                <a:latin typeface="Consolas" panose="020B0609020204030204" pitchFamily="49" charset="0"/>
-              </a:rPr>
-              <a:t>.</a:t>
-            </a:r>
-            <a:r>
-              <a:rPr lang="en-US" sz="1400" b="0" dirty="0">
-                <a:solidFill>
-                  <a:srgbClr val="81D4FA"/>
-                </a:solidFill>
-                <a:effectLst/>
-                <a:latin typeface="Consolas" panose="020B0609020204030204" pitchFamily="49" charset="0"/>
-              </a:rPr>
-              <a:t>As</a:t>
-            </a:r>
-            <a:r>
-              <a:rPr lang="en-US" sz="1400" b="0" dirty="0">
-                <a:solidFill>
-                  <a:srgbClr val="BDBDBD"/>
-                </a:solidFill>
-                <a:effectLst/>
-                <a:latin typeface="Consolas" panose="020B0609020204030204" pitchFamily="49" charset="0"/>
-              </a:rPr>
-              <a:t>&lt;</a:t>
-            </a:r>
-            <a:r>
-              <a:rPr lang="en-US" sz="1400" b="0" dirty="0" err="1">
-                <a:solidFill>
-                  <a:srgbClr val="81D4FA"/>
-                </a:solidFill>
-                <a:effectLst/>
-                <a:latin typeface="Consolas" panose="020B0609020204030204" pitchFamily="49" charset="0"/>
-              </a:rPr>
-              <a:t>TextWriter</a:t>
-            </a:r>
-            <a:r>
-              <a:rPr lang="en-US" sz="1400" b="0" dirty="0">
-                <a:solidFill>
-                  <a:srgbClr val="BDBDBD"/>
-                </a:solidFill>
-                <a:effectLst/>
-                <a:latin typeface="Consolas" panose="020B0609020204030204" pitchFamily="49" charset="0"/>
-              </a:rPr>
-              <a:t>&gt;();</a:t>
-            </a:r>
-          </a:p>
-          <a:p>
-            <a:pPr marL="0" indent="0">
-              <a:buNone/>
-            </a:pPr>
-            <a:br>
-              <a:rPr lang="en-US" sz="1400" b="0" dirty="0">
-                <a:solidFill>
-                  <a:srgbClr val="BDBDBD"/>
-                </a:solidFill>
-                <a:effectLst/>
-                <a:latin typeface="Consolas" panose="020B0609020204030204" pitchFamily="49" charset="0"/>
-              </a:rPr>
-            </a:br>
-            <a:r>
-              <a:rPr lang="en-US" sz="1400" b="0" dirty="0">
-                <a:solidFill>
-                  <a:srgbClr val="689F38"/>
-                </a:solidFill>
-                <a:effectLst/>
-                <a:latin typeface="Consolas" panose="020B0609020204030204" pitchFamily="49" charset="0"/>
-              </a:rPr>
-              <a:t>// Register expressions that execute to create objects...</a:t>
-            </a:r>
-            <a:endParaRPr lang="en-US" sz="1400" b="0" dirty="0">
-              <a:solidFill>
-                <a:srgbClr val="BDBDBD"/>
-              </a:solidFill>
-              <a:effectLst/>
-              <a:latin typeface="Consolas" panose="020B0609020204030204" pitchFamily="49" charset="0"/>
-            </a:endParaRPr>
-          </a:p>
-          <a:p>
-            <a:pPr marL="0" indent="0">
-              <a:buNone/>
-            </a:pPr>
-            <a:r>
-              <a:rPr lang="en-US" sz="1400" b="0" dirty="0" err="1">
-                <a:solidFill>
-                  <a:srgbClr val="81D4FA"/>
-                </a:solidFill>
-                <a:effectLst/>
-                <a:latin typeface="Consolas" panose="020B0609020204030204" pitchFamily="49" charset="0"/>
-              </a:rPr>
-              <a:t>builder</a:t>
-            </a:r>
-            <a:r>
-              <a:rPr lang="en-US" sz="1400" b="0" dirty="0" err="1">
-                <a:solidFill>
-                  <a:srgbClr val="E0E0E0"/>
-                </a:solidFill>
-                <a:effectLst/>
-                <a:latin typeface="Consolas" panose="020B0609020204030204" pitchFamily="49" charset="0"/>
-              </a:rPr>
-              <a:t>.</a:t>
-            </a:r>
-            <a:r>
-              <a:rPr lang="en-US" sz="1400" b="0" dirty="0" err="1">
-                <a:solidFill>
-                  <a:srgbClr val="81D4FA"/>
-                </a:solidFill>
-                <a:effectLst/>
-                <a:latin typeface="Consolas" panose="020B0609020204030204" pitchFamily="49" charset="0"/>
-              </a:rPr>
-              <a:t>Register</a:t>
-            </a:r>
-            <a:r>
-              <a:rPr lang="en-US" sz="1400" b="0" dirty="0">
-                <a:solidFill>
-                  <a:srgbClr val="BDBDBD"/>
-                </a:solidFill>
-                <a:effectLst/>
-                <a:latin typeface="Consolas" panose="020B0609020204030204" pitchFamily="49" charset="0"/>
-              </a:rPr>
-              <a:t>(</a:t>
-            </a:r>
-            <a:r>
-              <a:rPr lang="en-US" sz="1400" b="0" dirty="0">
-                <a:solidFill>
-                  <a:srgbClr val="81D4FA"/>
-                </a:solidFill>
-                <a:effectLst/>
-                <a:latin typeface="Consolas" panose="020B0609020204030204" pitchFamily="49" charset="0"/>
-              </a:rPr>
-              <a:t>c</a:t>
-            </a:r>
-            <a:r>
-              <a:rPr lang="en-US" sz="1400" b="0" dirty="0">
-                <a:solidFill>
-                  <a:srgbClr val="BDBDBD"/>
-                </a:solidFill>
-                <a:effectLst/>
-                <a:latin typeface="Consolas" panose="020B0609020204030204" pitchFamily="49" charset="0"/>
-              </a:rPr>
-              <a:t> </a:t>
-            </a:r>
-            <a:r>
-              <a:rPr lang="en-US" sz="1400" b="0" dirty="0">
-                <a:solidFill>
-                  <a:srgbClr val="E0E0E0"/>
-                </a:solidFill>
-                <a:effectLst/>
-                <a:latin typeface="Consolas" panose="020B0609020204030204" pitchFamily="49" charset="0"/>
-              </a:rPr>
-              <a:t>=&gt;</a:t>
-            </a:r>
-            <a:r>
-              <a:rPr lang="en-US" sz="1400" b="0" dirty="0">
-                <a:solidFill>
-                  <a:srgbClr val="BDBDBD"/>
-                </a:solidFill>
-                <a:effectLst/>
-                <a:latin typeface="Consolas" panose="020B0609020204030204" pitchFamily="49" charset="0"/>
-              </a:rPr>
-              <a:t> </a:t>
-            </a:r>
-            <a:r>
-              <a:rPr lang="en-US" sz="1400" b="0" dirty="0">
-                <a:solidFill>
-                  <a:srgbClr val="2196F3"/>
-                </a:solidFill>
-                <a:effectLst/>
-                <a:latin typeface="Consolas" panose="020B0609020204030204" pitchFamily="49" charset="0"/>
-              </a:rPr>
-              <a:t>new</a:t>
-            </a:r>
-            <a:r>
-              <a:rPr lang="en-US" sz="1400" b="0" dirty="0">
-                <a:solidFill>
-                  <a:srgbClr val="BDBDBD"/>
-                </a:solidFill>
-                <a:effectLst/>
-                <a:latin typeface="Consolas" panose="020B0609020204030204" pitchFamily="49" charset="0"/>
-              </a:rPr>
-              <a:t> </a:t>
-            </a:r>
-            <a:r>
-              <a:rPr lang="en-US" sz="1400" b="0" dirty="0" err="1">
-                <a:solidFill>
-                  <a:srgbClr val="81D4FA"/>
-                </a:solidFill>
-                <a:effectLst/>
-                <a:latin typeface="Consolas" panose="020B0609020204030204" pitchFamily="49" charset="0"/>
-              </a:rPr>
-              <a:t>ConfigReader</a:t>
-            </a:r>
-            <a:r>
-              <a:rPr lang="en-US" sz="1400" b="0" dirty="0">
-                <a:solidFill>
-                  <a:srgbClr val="BDBDBD"/>
-                </a:solidFill>
-                <a:effectLst/>
-                <a:latin typeface="Consolas" panose="020B0609020204030204" pitchFamily="49" charset="0"/>
-              </a:rPr>
-              <a:t>(</a:t>
-            </a:r>
-            <a:r>
-              <a:rPr lang="en-US" sz="1400" b="0" dirty="0">
-                <a:solidFill>
-                  <a:srgbClr val="FFAB91"/>
-                </a:solidFill>
-                <a:effectLst/>
-                <a:latin typeface="Consolas" panose="020B0609020204030204" pitchFamily="49" charset="0"/>
-              </a:rPr>
-              <a:t>"</a:t>
-            </a:r>
-            <a:r>
-              <a:rPr lang="en-US" sz="1400" b="0" dirty="0" err="1">
-                <a:solidFill>
-                  <a:srgbClr val="FFAB91"/>
-                </a:solidFill>
-                <a:effectLst/>
-                <a:latin typeface="Consolas" panose="020B0609020204030204" pitchFamily="49" charset="0"/>
-              </a:rPr>
-              <a:t>mysection</a:t>
-            </a:r>
-            <a:r>
-              <a:rPr lang="en-US" sz="1400" b="0" dirty="0">
-                <a:solidFill>
-                  <a:srgbClr val="FFAB91"/>
-                </a:solidFill>
-                <a:effectLst/>
-                <a:latin typeface="Consolas" panose="020B0609020204030204" pitchFamily="49" charset="0"/>
-              </a:rPr>
-              <a:t>"</a:t>
-            </a:r>
-            <a:r>
-              <a:rPr lang="en-US" sz="1400" b="0" dirty="0">
-                <a:solidFill>
-                  <a:srgbClr val="BDBDBD"/>
-                </a:solidFill>
-                <a:effectLst/>
-                <a:latin typeface="Consolas" panose="020B0609020204030204" pitchFamily="49" charset="0"/>
-              </a:rPr>
-              <a:t>))</a:t>
-            </a:r>
-            <a:r>
-              <a:rPr lang="en-US" sz="1400" b="0" dirty="0">
-                <a:solidFill>
-                  <a:srgbClr val="E0E0E0"/>
-                </a:solidFill>
-                <a:effectLst/>
-                <a:latin typeface="Consolas" panose="020B0609020204030204" pitchFamily="49" charset="0"/>
-              </a:rPr>
-              <a:t>.</a:t>
-            </a:r>
-            <a:r>
-              <a:rPr lang="en-US" sz="1400" b="0" dirty="0">
-                <a:solidFill>
-                  <a:srgbClr val="81D4FA"/>
-                </a:solidFill>
-                <a:effectLst/>
-                <a:latin typeface="Consolas" panose="020B0609020204030204" pitchFamily="49" charset="0"/>
-              </a:rPr>
-              <a:t>As</a:t>
-            </a:r>
-            <a:r>
-              <a:rPr lang="en-US" sz="1400" b="0" dirty="0">
-                <a:solidFill>
-                  <a:srgbClr val="BDBDBD"/>
-                </a:solidFill>
-                <a:effectLst/>
-                <a:latin typeface="Consolas" panose="020B0609020204030204" pitchFamily="49" charset="0"/>
-              </a:rPr>
-              <a:t>&lt;</a:t>
-            </a:r>
-            <a:r>
-              <a:rPr lang="en-US" sz="1400" b="0" dirty="0" err="1">
-                <a:solidFill>
-                  <a:srgbClr val="81D4FA"/>
-                </a:solidFill>
-                <a:effectLst/>
-                <a:latin typeface="Consolas" panose="020B0609020204030204" pitchFamily="49" charset="0"/>
-              </a:rPr>
-              <a:t>IConfigReader</a:t>
-            </a:r>
-            <a:r>
-              <a:rPr lang="en-US" sz="1400" b="0" dirty="0">
-                <a:solidFill>
-                  <a:srgbClr val="BDBDBD"/>
-                </a:solidFill>
-                <a:effectLst/>
-                <a:latin typeface="Consolas" panose="020B0609020204030204" pitchFamily="49" charset="0"/>
-              </a:rPr>
-              <a:t>&gt;();</a:t>
-            </a:r>
-          </a:p>
-        </p:txBody>
-      </p:sp>
-    </p:spTree>
-    <p:extLst>
-      <p:ext uri="{BB962C8B-B14F-4D97-AF65-F5344CB8AC3E}">
-        <p14:creationId xmlns:p14="http://schemas.microsoft.com/office/powerpoint/2010/main" val="1861097498"/>
-      </p:ext>
-    </p:extLst>
-  </p:cSld>
-  <p:clrMapOvr>
-    <a:masterClrMapping/>
-  </p:clrMapOvr>
-</p:sld>
-</file>
-
-<file path=ppt/slides/slide5.xml><?xml version="1.0" encoding="utf-8"?>
-<p:sld xmlns:a="http://schemas.openxmlformats.org/drawingml/2006/main" xmlns:r="http://schemas.openxmlformats.org/officeDocument/2006/relationships" xmlns:p="http://schemas.openxmlformats.org/presentationml/2006/main">
-  <p:cSld>
-    <p:spTree>
-      <p:nvGrpSpPr>
-        <p:cNvPr id="1" name=""/>
-        <p:cNvGrpSpPr/>
-        <p:nvPr/>
-      </p:nvGrpSpPr>
-      <p:grpSpPr>
-        <a:xfrm>
-          <a:off x="0" y="0"/>
-          <a:ext cx="0" cy="0"/>
-          <a:chOff x="0" y="0"/>
-          <a:chExt cx="0" cy="0"/>
-        </a:xfrm>
-      </p:grpSpPr>
-      <p:sp>
-        <p:nvSpPr>
-          <p:cNvPr id="5" name="Title 4">
-            <a:extLst>
-              <a:ext uri="{FF2B5EF4-FFF2-40B4-BE49-F238E27FC236}">
-                <a16:creationId xmlns:a16="http://schemas.microsoft.com/office/drawing/2014/main" id="{F4673F5B-AADC-4BED-859C-530EBEA568B8}"/>
-              </a:ext>
-            </a:extLst>
-          </p:cNvPr>
-          <p:cNvSpPr>
-            <a:spLocks noGrp="1"/>
-          </p:cNvSpPr>
-          <p:nvPr>
-            <p:ph type="title"/>
-          </p:nvPr>
-        </p:nvSpPr>
-        <p:spPr/>
-        <p:txBody>
-          <a:bodyPr/>
-          <a:lstStyle/>
-          <a:p>
-            <a:r>
-              <a:rPr lang="en-US" sz="3600" b="1" dirty="0"/>
-              <a:t>Service lifetimes</a:t>
-            </a:r>
-            <a:endParaRPr lang="en-US" dirty="0"/>
-          </a:p>
-        </p:txBody>
-      </p:sp>
-      <p:sp>
-        <p:nvSpPr>
-          <p:cNvPr id="6" name="Text Placeholder 5">
-            <a:extLst>
-              <a:ext uri="{FF2B5EF4-FFF2-40B4-BE49-F238E27FC236}">
-                <a16:creationId xmlns:a16="http://schemas.microsoft.com/office/drawing/2014/main" id="{A1206317-B33C-42E7-94BE-34E9AEC2E39C}"/>
-              </a:ext>
-            </a:extLst>
-          </p:cNvPr>
-          <p:cNvSpPr>
-            <a:spLocks noGrp="1"/>
-          </p:cNvSpPr>
-          <p:nvPr>
-            <p:ph type="body" idx="1"/>
-          </p:nvPr>
-        </p:nvSpPr>
-        <p:spPr/>
-        <p:txBody>
-          <a:bodyPr/>
-          <a:lstStyle/>
-          <a:p>
-            <a:r>
-              <a:rPr lang="en-US" dirty="0"/>
-              <a:t>Microsoft DI</a:t>
-            </a:r>
-          </a:p>
-        </p:txBody>
-      </p:sp>
-      <p:sp>
-        <p:nvSpPr>
-          <p:cNvPr id="7" name="Content Placeholder 6">
-            <a:extLst>
-              <a:ext uri="{FF2B5EF4-FFF2-40B4-BE49-F238E27FC236}">
-                <a16:creationId xmlns:a16="http://schemas.microsoft.com/office/drawing/2014/main" id="{C19E30EC-6E7C-4C9E-8946-B95757FF962C}"/>
-              </a:ext>
-            </a:extLst>
-          </p:cNvPr>
-          <p:cNvSpPr>
-            <a:spLocks noGrp="1"/>
-          </p:cNvSpPr>
-          <p:nvPr>
-            <p:ph sz="half" idx="2"/>
-          </p:nvPr>
-        </p:nvSpPr>
-        <p:spPr>
-          <a:xfrm>
-            <a:off x="680322" y="3030008"/>
-            <a:ext cx="4698355" cy="3443527"/>
-          </a:xfrm>
-          <a:solidFill>
-            <a:schemeClr val="bg1">
-              <a:lumMod val="85000"/>
-              <a:lumOff val="15000"/>
-            </a:schemeClr>
-          </a:solidFill>
-        </p:spPr>
-        <p:txBody>
-          <a:bodyPr>
-            <a:normAutofit fontScale="92500" lnSpcReduction="10000"/>
-          </a:bodyPr>
-          <a:lstStyle/>
-          <a:p>
-            <a:pPr marL="0" indent="0">
-              <a:buNone/>
-            </a:pPr>
-            <a:r>
-              <a:rPr lang="en-US" sz="1800" b="0" dirty="0" err="1">
-                <a:solidFill>
-                  <a:srgbClr val="81D4FA"/>
-                </a:solidFill>
-                <a:effectLst/>
-                <a:latin typeface="Consolas" panose="020B0609020204030204" pitchFamily="49" charset="0"/>
-              </a:rPr>
-              <a:t>builder</a:t>
-            </a:r>
-            <a:r>
-              <a:rPr lang="en-US" sz="1800" b="0" dirty="0" err="1">
-                <a:solidFill>
-                  <a:srgbClr val="BDBDBD"/>
-                </a:solidFill>
-                <a:effectLst/>
-                <a:latin typeface="Consolas" panose="020B0609020204030204" pitchFamily="49" charset="0"/>
-              </a:rPr>
-              <a:t>.</a:t>
-            </a:r>
-            <a:r>
-              <a:rPr lang="en-US" sz="1800" b="0" dirty="0" err="1">
-                <a:solidFill>
-                  <a:srgbClr val="81D4FA"/>
-                </a:solidFill>
-                <a:effectLst/>
-                <a:latin typeface="Consolas" panose="020B0609020204030204" pitchFamily="49" charset="0"/>
-              </a:rPr>
-              <a:t>Services</a:t>
-            </a:r>
-            <a:endParaRPr lang="en-US" sz="1800" b="0" dirty="0">
-              <a:solidFill>
-                <a:srgbClr val="81D4FA"/>
-              </a:solidFill>
-              <a:effectLst/>
-              <a:latin typeface="Consolas" panose="020B0609020204030204" pitchFamily="49" charset="0"/>
-            </a:endParaRPr>
-          </a:p>
-          <a:p>
-            <a:pPr marL="0" indent="0">
-              <a:buNone/>
-            </a:pPr>
-            <a:r>
-              <a:rPr lang="en-US" sz="1800" b="0" dirty="0">
-                <a:solidFill>
-                  <a:srgbClr val="81D4FA"/>
-                </a:solidFill>
-                <a:effectLst/>
-                <a:latin typeface="Consolas" panose="020B0609020204030204" pitchFamily="49" charset="0"/>
-              </a:rPr>
-              <a:t>       </a:t>
-            </a:r>
-            <a:r>
-              <a:rPr lang="en-US" sz="1800" b="0" dirty="0">
-                <a:solidFill>
-                  <a:srgbClr val="BDBDBD"/>
-                </a:solidFill>
-                <a:effectLst/>
-                <a:latin typeface="Consolas" panose="020B0609020204030204" pitchFamily="49" charset="0"/>
-              </a:rPr>
-              <a:t>.</a:t>
-            </a:r>
-            <a:r>
-              <a:rPr lang="en-US" sz="1800" b="0" dirty="0" err="1">
-                <a:solidFill>
-                  <a:srgbClr val="F0F4C3"/>
-                </a:solidFill>
-                <a:effectLst/>
-                <a:latin typeface="Consolas" panose="020B0609020204030204" pitchFamily="49" charset="0"/>
-              </a:rPr>
-              <a:t>AddScoped</a:t>
-            </a:r>
-            <a:r>
-              <a:rPr lang="en-US" sz="1800" b="0" dirty="0">
-                <a:solidFill>
-                  <a:srgbClr val="BDBDBD"/>
-                </a:solidFill>
-                <a:effectLst/>
-                <a:latin typeface="Consolas" panose="020B0609020204030204" pitchFamily="49" charset="0"/>
-              </a:rPr>
-              <a:t>&lt;</a:t>
-            </a:r>
-            <a:r>
-              <a:rPr lang="en-US" sz="1800" b="0" dirty="0" err="1">
-                <a:solidFill>
-                  <a:srgbClr val="4DB6AC"/>
-                </a:solidFill>
-                <a:effectLst/>
-                <a:latin typeface="Consolas" panose="020B0609020204030204" pitchFamily="49" charset="0"/>
-              </a:rPr>
-              <a:t>IMyDependency</a:t>
-            </a:r>
-            <a:r>
-              <a:rPr lang="en-US" sz="1800" b="0" dirty="0">
-                <a:solidFill>
-                  <a:srgbClr val="BDBDBD"/>
-                </a:solidFill>
-                <a:effectLst/>
-                <a:latin typeface="Consolas" panose="020B0609020204030204" pitchFamily="49" charset="0"/>
-              </a:rPr>
-              <a:t>, 		    </a:t>
-            </a:r>
-            <a:r>
-              <a:rPr lang="en-US" sz="1800" b="0" dirty="0" err="1">
-                <a:solidFill>
-                  <a:srgbClr val="4DB6AC"/>
-                </a:solidFill>
-                <a:effectLst/>
-                <a:latin typeface="Consolas" panose="020B0609020204030204" pitchFamily="49" charset="0"/>
-              </a:rPr>
-              <a:t>MyDependency</a:t>
-            </a:r>
-            <a:r>
-              <a:rPr lang="en-US" sz="1800" b="0" dirty="0">
-                <a:solidFill>
-                  <a:srgbClr val="BDBDBD"/>
-                </a:solidFill>
-                <a:effectLst/>
-                <a:latin typeface="Consolas" panose="020B0609020204030204" pitchFamily="49" charset="0"/>
-              </a:rPr>
-              <a:t>&gt;();</a:t>
-            </a:r>
-          </a:p>
-          <a:p>
-            <a:endParaRPr lang="en-US" dirty="0"/>
-          </a:p>
-        </p:txBody>
-      </p:sp>
-      <p:sp>
-        <p:nvSpPr>
-          <p:cNvPr id="8" name="Text Placeholder 7">
-            <a:extLst>
-              <a:ext uri="{FF2B5EF4-FFF2-40B4-BE49-F238E27FC236}">
-                <a16:creationId xmlns:a16="http://schemas.microsoft.com/office/drawing/2014/main" id="{239372C0-CC99-466D-9E26-29DA1A617331}"/>
-              </a:ext>
-            </a:extLst>
-          </p:cNvPr>
-          <p:cNvSpPr>
-            <a:spLocks noGrp="1"/>
-          </p:cNvSpPr>
-          <p:nvPr>
-            <p:ph type="body" sz="quarter" idx="3"/>
-          </p:nvPr>
-        </p:nvSpPr>
-        <p:spPr/>
-        <p:txBody>
-          <a:bodyPr/>
-          <a:lstStyle/>
-          <a:p>
-            <a:r>
-              <a:rPr lang="en-US" dirty="0" err="1"/>
-              <a:t>Autofac</a:t>
-            </a:r>
-            <a:endParaRPr lang="en-US" dirty="0"/>
-          </a:p>
-        </p:txBody>
-      </p:sp>
-      <p:sp>
-        <p:nvSpPr>
-          <p:cNvPr id="11" name="Rectangle 2">
-            <a:extLst>
-              <a:ext uri="{FF2B5EF4-FFF2-40B4-BE49-F238E27FC236}">
-                <a16:creationId xmlns:a16="http://schemas.microsoft.com/office/drawing/2014/main" id="{6BEFB1AB-8AD3-4B14-B958-63C5CC53D2D6}"/>
-              </a:ext>
-            </a:extLst>
-          </p:cNvPr>
-          <p:cNvSpPr>
-            <a:spLocks noGrp="1" noChangeArrowheads="1"/>
-          </p:cNvSpPr>
-          <p:nvPr>
-            <p:ph sz="quarter" idx="4"/>
-          </p:nvPr>
-        </p:nvSpPr>
-        <p:spPr bwMode="auto">
-          <a:xfrm>
-            <a:off x="5594123" y="3028948"/>
-            <a:ext cx="5917555" cy="3444587"/>
-          </a:xfrm>
-          <a:prstGeom prst="rect">
-            <a:avLst/>
-          </a:prstGeom>
-          <a:solidFill>
-            <a:schemeClr val="bg1">
-              <a:lumMod val="85000"/>
-              <a:lumOff val="15000"/>
-            </a:schemeClr>
-          </a:solidFill>
-        </p:spPr>
-        <p:txBody>
-          <a:bodyPr vert="horz" lIns="91440" tIns="45720" rIns="91440" bIns="45720" rtlCol="0">
-            <a:normAutofit fontScale="92500" lnSpcReduction="10000"/>
-          </a:bodyPr>
-          <a:lstStyle/>
-          <a:p>
-            <a:pPr marL="0" indent="0">
-              <a:buNone/>
-            </a:pPr>
-            <a:r>
-              <a:rPr lang="en-US" sz="1400" b="0" dirty="0">
-                <a:solidFill>
-                  <a:srgbClr val="689F38"/>
-                </a:solidFill>
-                <a:effectLst/>
-                <a:latin typeface="Consolas" panose="020B0609020204030204" pitchFamily="49" charset="0"/>
-              </a:rPr>
-              <a:t>// Create the builder with which components/services are registered.</a:t>
-            </a:r>
-            <a:endParaRPr lang="en-US" sz="1400" b="0" dirty="0">
-              <a:solidFill>
-                <a:srgbClr val="BDBDBD"/>
-              </a:solidFill>
-              <a:effectLst/>
-              <a:latin typeface="Consolas" panose="020B0609020204030204" pitchFamily="49" charset="0"/>
-            </a:endParaRPr>
-          </a:p>
-          <a:p>
-            <a:pPr marL="0" indent="0">
-              <a:buNone/>
-            </a:pPr>
-            <a:r>
-              <a:rPr lang="en-US" sz="1400" b="0" dirty="0">
-                <a:solidFill>
-                  <a:srgbClr val="2196F3"/>
-                </a:solidFill>
-                <a:effectLst/>
-                <a:latin typeface="Consolas" panose="020B0609020204030204" pitchFamily="49" charset="0"/>
-              </a:rPr>
-              <a:t>var</a:t>
-            </a:r>
-            <a:r>
-              <a:rPr lang="en-US" sz="1400" b="0" dirty="0">
-                <a:solidFill>
-                  <a:srgbClr val="BDBDBD"/>
-                </a:solidFill>
-                <a:effectLst/>
-                <a:latin typeface="Consolas" panose="020B0609020204030204" pitchFamily="49" charset="0"/>
-              </a:rPr>
-              <a:t> </a:t>
-            </a:r>
-            <a:r>
-              <a:rPr lang="en-US" sz="1400" b="0" dirty="0">
-                <a:solidFill>
-                  <a:srgbClr val="81D4FA"/>
-                </a:solidFill>
-                <a:effectLst/>
-                <a:latin typeface="Consolas" panose="020B0609020204030204" pitchFamily="49" charset="0"/>
-              </a:rPr>
-              <a:t>builder</a:t>
-            </a:r>
-            <a:r>
-              <a:rPr lang="en-US" sz="1400" b="0" dirty="0">
-                <a:solidFill>
-                  <a:srgbClr val="BDBDBD"/>
-                </a:solidFill>
-                <a:effectLst/>
-                <a:latin typeface="Consolas" panose="020B0609020204030204" pitchFamily="49" charset="0"/>
-              </a:rPr>
-              <a:t> </a:t>
-            </a:r>
-            <a:r>
-              <a:rPr lang="en-US" sz="1400" b="0" dirty="0">
-                <a:solidFill>
-                  <a:srgbClr val="E0E0E0"/>
-                </a:solidFill>
-                <a:effectLst/>
-                <a:latin typeface="Consolas" panose="020B0609020204030204" pitchFamily="49" charset="0"/>
-              </a:rPr>
-              <a:t>=</a:t>
-            </a:r>
-            <a:r>
-              <a:rPr lang="en-US" sz="1400" b="0" dirty="0">
-                <a:solidFill>
-                  <a:srgbClr val="BDBDBD"/>
-                </a:solidFill>
-                <a:effectLst/>
-                <a:latin typeface="Consolas" panose="020B0609020204030204" pitchFamily="49" charset="0"/>
-              </a:rPr>
-              <a:t> </a:t>
-            </a:r>
-            <a:r>
-              <a:rPr lang="en-US" sz="1400" b="0" dirty="0">
-                <a:solidFill>
-                  <a:srgbClr val="2196F3"/>
-                </a:solidFill>
-                <a:effectLst/>
-                <a:latin typeface="Consolas" panose="020B0609020204030204" pitchFamily="49" charset="0"/>
-              </a:rPr>
-              <a:t>new</a:t>
-            </a:r>
-            <a:r>
-              <a:rPr lang="en-US" sz="1400" b="0" dirty="0">
-                <a:solidFill>
-                  <a:srgbClr val="BDBDBD"/>
-                </a:solidFill>
-                <a:effectLst/>
-                <a:latin typeface="Consolas" panose="020B0609020204030204" pitchFamily="49" charset="0"/>
-              </a:rPr>
-              <a:t> </a:t>
-            </a:r>
-            <a:r>
-              <a:rPr lang="en-US" sz="1400" b="0" dirty="0" err="1">
-                <a:solidFill>
-                  <a:srgbClr val="81D4FA"/>
-                </a:solidFill>
-                <a:effectLst/>
-                <a:latin typeface="Consolas" panose="020B0609020204030204" pitchFamily="49" charset="0"/>
-              </a:rPr>
-              <a:t>ContainerBuilder</a:t>
-            </a:r>
-            <a:r>
-              <a:rPr lang="en-US" sz="1400" b="0" dirty="0">
-                <a:solidFill>
-                  <a:srgbClr val="BDBDBD"/>
-                </a:solidFill>
-                <a:effectLst/>
-                <a:latin typeface="Consolas" panose="020B0609020204030204" pitchFamily="49" charset="0"/>
-              </a:rPr>
-              <a:t>();</a:t>
-            </a:r>
-          </a:p>
-          <a:p>
-            <a:pPr marL="0" indent="0">
-              <a:buNone/>
-            </a:pPr>
-            <a:br>
-              <a:rPr lang="en-US" sz="1400" b="0" dirty="0">
-                <a:solidFill>
-                  <a:srgbClr val="BDBDBD"/>
-                </a:solidFill>
-                <a:effectLst/>
-                <a:latin typeface="Consolas" panose="020B0609020204030204" pitchFamily="49" charset="0"/>
-              </a:rPr>
-            </a:br>
-            <a:r>
-              <a:rPr lang="en-US" sz="1400" b="0" dirty="0">
-                <a:solidFill>
-                  <a:srgbClr val="689F38"/>
-                </a:solidFill>
-                <a:effectLst/>
-                <a:latin typeface="Consolas" panose="020B0609020204030204" pitchFamily="49" charset="0"/>
-              </a:rPr>
-              <a:t>// Register types that expose interfaces...</a:t>
-            </a:r>
-            <a:endParaRPr lang="en-US" sz="1400" b="0" dirty="0">
-              <a:solidFill>
-                <a:srgbClr val="BDBDBD"/>
-              </a:solidFill>
-              <a:effectLst/>
-              <a:latin typeface="Consolas" panose="020B0609020204030204" pitchFamily="49" charset="0"/>
-            </a:endParaRPr>
-          </a:p>
-          <a:p>
-            <a:pPr marL="0" indent="0">
-              <a:buNone/>
-            </a:pPr>
-            <a:r>
-              <a:rPr lang="en-US" sz="1400" b="0" dirty="0" err="1">
-                <a:solidFill>
-                  <a:srgbClr val="81D4FA"/>
-                </a:solidFill>
-                <a:effectLst/>
-                <a:latin typeface="Consolas" panose="020B0609020204030204" pitchFamily="49" charset="0"/>
-              </a:rPr>
-              <a:t>builder</a:t>
-            </a:r>
-            <a:r>
-              <a:rPr lang="en-US" sz="1400" b="0" dirty="0" err="1">
-                <a:solidFill>
-                  <a:srgbClr val="E0E0E0"/>
-                </a:solidFill>
-                <a:effectLst/>
-                <a:latin typeface="Consolas" panose="020B0609020204030204" pitchFamily="49" charset="0"/>
-              </a:rPr>
-              <a:t>.</a:t>
-            </a:r>
-            <a:r>
-              <a:rPr lang="en-US" sz="1400" b="0" dirty="0" err="1">
-                <a:solidFill>
-                  <a:srgbClr val="81D4FA"/>
-                </a:solidFill>
-                <a:effectLst/>
-                <a:latin typeface="Consolas" panose="020B0609020204030204" pitchFamily="49" charset="0"/>
-              </a:rPr>
-              <a:t>RegisterType</a:t>
-            </a:r>
-            <a:r>
-              <a:rPr lang="en-US" sz="1400" b="0" dirty="0">
-                <a:solidFill>
-                  <a:srgbClr val="BDBDBD"/>
-                </a:solidFill>
-                <a:effectLst/>
-                <a:latin typeface="Consolas" panose="020B0609020204030204" pitchFamily="49" charset="0"/>
-              </a:rPr>
-              <a:t>&lt;</a:t>
-            </a:r>
-            <a:r>
-              <a:rPr lang="en-US" sz="1400" b="0" dirty="0" err="1">
-                <a:solidFill>
-                  <a:srgbClr val="81D4FA"/>
-                </a:solidFill>
-                <a:effectLst/>
-                <a:latin typeface="Consolas" panose="020B0609020204030204" pitchFamily="49" charset="0"/>
-              </a:rPr>
-              <a:t>ConsoleLogger</a:t>
-            </a:r>
-            <a:r>
-              <a:rPr lang="en-US" sz="1400" b="0" dirty="0">
-                <a:solidFill>
-                  <a:srgbClr val="BDBDBD"/>
-                </a:solidFill>
-                <a:effectLst/>
-                <a:latin typeface="Consolas" panose="020B0609020204030204" pitchFamily="49" charset="0"/>
-              </a:rPr>
-              <a:t>&gt;()</a:t>
-            </a:r>
-            <a:r>
-              <a:rPr lang="en-US" sz="1400" b="0" dirty="0">
-                <a:solidFill>
-                  <a:srgbClr val="E0E0E0"/>
-                </a:solidFill>
-                <a:effectLst/>
-                <a:latin typeface="Consolas" panose="020B0609020204030204" pitchFamily="49" charset="0"/>
-              </a:rPr>
-              <a:t>.</a:t>
-            </a:r>
-            <a:r>
-              <a:rPr lang="en-US" sz="1400" b="0" dirty="0">
-                <a:solidFill>
-                  <a:srgbClr val="81D4FA"/>
-                </a:solidFill>
-                <a:effectLst/>
-                <a:latin typeface="Consolas" panose="020B0609020204030204" pitchFamily="49" charset="0"/>
-              </a:rPr>
-              <a:t>As</a:t>
-            </a:r>
-            <a:r>
-              <a:rPr lang="en-US" sz="1400" b="0" dirty="0">
-                <a:solidFill>
-                  <a:srgbClr val="BDBDBD"/>
-                </a:solidFill>
-                <a:effectLst/>
-                <a:latin typeface="Consolas" panose="020B0609020204030204" pitchFamily="49" charset="0"/>
-              </a:rPr>
-              <a:t>&lt;</a:t>
-            </a:r>
-            <a:r>
-              <a:rPr lang="en-US" sz="1400" b="0" dirty="0" err="1">
-                <a:solidFill>
-                  <a:srgbClr val="81D4FA"/>
-                </a:solidFill>
-                <a:effectLst/>
-                <a:latin typeface="Consolas" panose="020B0609020204030204" pitchFamily="49" charset="0"/>
-              </a:rPr>
-              <a:t>ILogger</a:t>
-            </a:r>
-            <a:r>
-              <a:rPr lang="en-US" sz="1400" b="0" dirty="0">
-                <a:solidFill>
-                  <a:srgbClr val="BDBDBD"/>
-                </a:solidFill>
-                <a:effectLst/>
-                <a:latin typeface="Consolas" panose="020B0609020204030204" pitchFamily="49" charset="0"/>
-              </a:rPr>
-              <a:t>&gt;();</a:t>
-            </a:r>
-          </a:p>
-          <a:p>
-            <a:pPr marL="0" indent="0">
-              <a:buNone/>
-            </a:pPr>
-            <a:br>
-              <a:rPr lang="en-US" sz="1400" b="0" dirty="0">
-                <a:solidFill>
-                  <a:srgbClr val="BDBDBD"/>
-                </a:solidFill>
-                <a:effectLst/>
-                <a:latin typeface="Consolas" panose="020B0609020204030204" pitchFamily="49" charset="0"/>
-              </a:rPr>
-            </a:br>
-            <a:r>
-              <a:rPr lang="en-US" sz="1400" b="0" dirty="0">
-                <a:solidFill>
-                  <a:srgbClr val="689F38"/>
-                </a:solidFill>
-                <a:effectLst/>
-                <a:latin typeface="Consolas" panose="020B0609020204030204" pitchFamily="49" charset="0"/>
-              </a:rPr>
-              <a:t>// Register instances of objects you create...</a:t>
-            </a:r>
-            <a:endParaRPr lang="en-US" sz="1400" b="0" dirty="0">
-              <a:solidFill>
-                <a:srgbClr val="BDBDBD"/>
-              </a:solidFill>
-              <a:effectLst/>
-              <a:latin typeface="Consolas" panose="020B0609020204030204" pitchFamily="49" charset="0"/>
-            </a:endParaRPr>
-          </a:p>
-          <a:p>
-            <a:pPr marL="0" indent="0">
-              <a:buNone/>
-            </a:pPr>
-            <a:r>
-              <a:rPr lang="en-US" sz="1400" b="0" dirty="0">
-                <a:solidFill>
-                  <a:srgbClr val="2196F3"/>
-                </a:solidFill>
-                <a:effectLst/>
-                <a:latin typeface="Consolas" panose="020B0609020204030204" pitchFamily="49" charset="0"/>
-              </a:rPr>
-              <a:t>var</a:t>
-            </a:r>
-            <a:r>
-              <a:rPr lang="en-US" sz="1400" b="0" dirty="0">
-                <a:solidFill>
-                  <a:srgbClr val="BDBDBD"/>
-                </a:solidFill>
-                <a:effectLst/>
-                <a:latin typeface="Consolas" panose="020B0609020204030204" pitchFamily="49" charset="0"/>
-              </a:rPr>
-              <a:t> </a:t>
-            </a:r>
-            <a:r>
-              <a:rPr lang="en-US" sz="1400" b="0" dirty="0">
-                <a:solidFill>
-                  <a:srgbClr val="81D4FA"/>
-                </a:solidFill>
-                <a:effectLst/>
-                <a:latin typeface="Consolas" panose="020B0609020204030204" pitchFamily="49" charset="0"/>
-              </a:rPr>
-              <a:t>output</a:t>
-            </a:r>
-            <a:r>
-              <a:rPr lang="en-US" sz="1400" b="0" dirty="0">
-                <a:solidFill>
-                  <a:srgbClr val="BDBDBD"/>
-                </a:solidFill>
-                <a:effectLst/>
-                <a:latin typeface="Consolas" panose="020B0609020204030204" pitchFamily="49" charset="0"/>
-              </a:rPr>
-              <a:t> </a:t>
-            </a:r>
-            <a:r>
-              <a:rPr lang="en-US" sz="1400" b="0" dirty="0">
-                <a:solidFill>
-                  <a:srgbClr val="E0E0E0"/>
-                </a:solidFill>
-                <a:effectLst/>
-                <a:latin typeface="Consolas" panose="020B0609020204030204" pitchFamily="49" charset="0"/>
-              </a:rPr>
-              <a:t>=</a:t>
-            </a:r>
-            <a:r>
-              <a:rPr lang="en-US" sz="1400" b="0" dirty="0">
-                <a:solidFill>
-                  <a:srgbClr val="BDBDBD"/>
-                </a:solidFill>
-                <a:effectLst/>
-                <a:latin typeface="Consolas" panose="020B0609020204030204" pitchFamily="49" charset="0"/>
-              </a:rPr>
-              <a:t> </a:t>
-            </a:r>
-            <a:r>
-              <a:rPr lang="en-US" sz="1400" b="0" dirty="0">
-                <a:solidFill>
-                  <a:srgbClr val="2196F3"/>
-                </a:solidFill>
-                <a:effectLst/>
-                <a:latin typeface="Consolas" panose="020B0609020204030204" pitchFamily="49" charset="0"/>
-              </a:rPr>
-              <a:t>new</a:t>
-            </a:r>
-            <a:r>
-              <a:rPr lang="en-US" sz="1400" b="0" dirty="0">
-                <a:solidFill>
-                  <a:srgbClr val="BDBDBD"/>
-                </a:solidFill>
-                <a:effectLst/>
-                <a:latin typeface="Consolas" panose="020B0609020204030204" pitchFamily="49" charset="0"/>
-              </a:rPr>
-              <a:t> </a:t>
-            </a:r>
-            <a:r>
-              <a:rPr lang="en-US" sz="1400" b="0" dirty="0" err="1">
-                <a:solidFill>
-                  <a:srgbClr val="81D4FA"/>
-                </a:solidFill>
-                <a:effectLst/>
-                <a:latin typeface="Consolas" panose="020B0609020204030204" pitchFamily="49" charset="0"/>
-              </a:rPr>
-              <a:t>StringWriter</a:t>
-            </a:r>
-            <a:r>
-              <a:rPr lang="en-US" sz="1400" b="0" dirty="0">
-                <a:solidFill>
-                  <a:srgbClr val="BDBDBD"/>
-                </a:solidFill>
-                <a:effectLst/>
-                <a:latin typeface="Consolas" panose="020B0609020204030204" pitchFamily="49" charset="0"/>
-              </a:rPr>
-              <a:t>();</a:t>
-            </a:r>
-          </a:p>
-          <a:p>
-            <a:pPr marL="0" indent="0">
-              <a:buNone/>
-            </a:pPr>
-            <a:r>
-              <a:rPr lang="en-US" sz="1400" b="0" dirty="0" err="1">
-                <a:solidFill>
-                  <a:srgbClr val="81D4FA"/>
-                </a:solidFill>
-                <a:effectLst/>
-                <a:latin typeface="Consolas" panose="020B0609020204030204" pitchFamily="49" charset="0"/>
-              </a:rPr>
-              <a:t>builder</a:t>
-            </a:r>
-            <a:r>
-              <a:rPr lang="en-US" sz="1400" b="0" dirty="0" err="1">
-                <a:solidFill>
-                  <a:srgbClr val="E0E0E0"/>
-                </a:solidFill>
-                <a:effectLst/>
-                <a:latin typeface="Consolas" panose="020B0609020204030204" pitchFamily="49" charset="0"/>
-              </a:rPr>
-              <a:t>.</a:t>
-            </a:r>
-            <a:r>
-              <a:rPr lang="en-US" sz="1400" b="0" dirty="0" err="1">
-                <a:solidFill>
-                  <a:srgbClr val="81D4FA"/>
-                </a:solidFill>
-                <a:effectLst/>
-                <a:latin typeface="Consolas" panose="020B0609020204030204" pitchFamily="49" charset="0"/>
-              </a:rPr>
-              <a:t>RegisterInstance</a:t>
-            </a:r>
-            <a:r>
-              <a:rPr lang="en-US" sz="1400" b="0" dirty="0">
-                <a:solidFill>
-                  <a:srgbClr val="BDBDBD"/>
-                </a:solidFill>
-                <a:effectLst/>
-                <a:latin typeface="Consolas" panose="020B0609020204030204" pitchFamily="49" charset="0"/>
-              </a:rPr>
-              <a:t>(</a:t>
-            </a:r>
-            <a:r>
-              <a:rPr lang="en-US" sz="1400" b="0" dirty="0">
-                <a:solidFill>
-                  <a:srgbClr val="81D4FA"/>
-                </a:solidFill>
-                <a:effectLst/>
-                <a:latin typeface="Consolas" panose="020B0609020204030204" pitchFamily="49" charset="0"/>
-              </a:rPr>
-              <a:t>output</a:t>
-            </a:r>
-            <a:r>
-              <a:rPr lang="en-US" sz="1400" b="0" dirty="0">
-                <a:solidFill>
-                  <a:srgbClr val="BDBDBD"/>
-                </a:solidFill>
-                <a:effectLst/>
-                <a:latin typeface="Consolas" panose="020B0609020204030204" pitchFamily="49" charset="0"/>
-              </a:rPr>
-              <a:t>)</a:t>
-            </a:r>
-            <a:r>
-              <a:rPr lang="en-US" sz="1400" b="0" dirty="0">
-                <a:solidFill>
-                  <a:srgbClr val="E0E0E0"/>
-                </a:solidFill>
-                <a:effectLst/>
-                <a:latin typeface="Consolas" panose="020B0609020204030204" pitchFamily="49" charset="0"/>
-              </a:rPr>
-              <a:t>.</a:t>
-            </a:r>
-            <a:r>
-              <a:rPr lang="en-US" sz="1400" b="0" dirty="0">
-                <a:solidFill>
-                  <a:srgbClr val="81D4FA"/>
-                </a:solidFill>
-                <a:effectLst/>
-                <a:latin typeface="Consolas" panose="020B0609020204030204" pitchFamily="49" charset="0"/>
-              </a:rPr>
-              <a:t>As</a:t>
-            </a:r>
-            <a:r>
-              <a:rPr lang="en-US" sz="1400" b="0" dirty="0">
-                <a:solidFill>
-                  <a:srgbClr val="BDBDBD"/>
-                </a:solidFill>
-                <a:effectLst/>
-                <a:latin typeface="Consolas" panose="020B0609020204030204" pitchFamily="49" charset="0"/>
-              </a:rPr>
-              <a:t>&lt;</a:t>
-            </a:r>
-            <a:r>
-              <a:rPr lang="en-US" sz="1400" b="0" dirty="0" err="1">
-                <a:solidFill>
-                  <a:srgbClr val="81D4FA"/>
-                </a:solidFill>
-                <a:effectLst/>
-                <a:latin typeface="Consolas" panose="020B0609020204030204" pitchFamily="49" charset="0"/>
-              </a:rPr>
-              <a:t>TextWriter</a:t>
-            </a:r>
-            <a:r>
-              <a:rPr lang="en-US" sz="1400" b="0" dirty="0">
-                <a:solidFill>
-                  <a:srgbClr val="BDBDBD"/>
-                </a:solidFill>
-                <a:effectLst/>
-                <a:latin typeface="Consolas" panose="020B0609020204030204" pitchFamily="49" charset="0"/>
-              </a:rPr>
-              <a:t>&gt;();</a:t>
-            </a:r>
-          </a:p>
-          <a:p>
-            <a:pPr marL="0" indent="0">
-              <a:buNone/>
-            </a:pPr>
-            <a:br>
-              <a:rPr lang="en-US" sz="1400" b="0" dirty="0">
-                <a:solidFill>
-                  <a:srgbClr val="BDBDBD"/>
-                </a:solidFill>
-                <a:effectLst/>
-                <a:latin typeface="Consolas" panose="020B0609020204030204" pitchFamily="49" charset="0"/>
-              </a:rPr>
-            </a:br>
-            <a:r>
-              <a:rPr lang="en-US" sz="1400" b="0" dirty="0">
-                <a:solidFill>
-                  <a:srgbClr val="689F38"/>
-                </a:solidFill>
-                <a:effectLst/>
-                <a:latin typeface="Consolas" panose="020B0609020204030204" pitchFamily="49" charset="0"/>
-              </a:rPr>
-              <a:t>// Register expressions that execute to create objects...</a:t>
-            </a:r>
-            <a:endParaRPr lang="en-US" sz="1400" b="0" dirty="0">
-              <a:solidFill>
-                <a:srgbClr val="BDBDBD"/>
-              </a:solidFill>
-              <a:effectLst/>
-              <a:latin typeface="Consolas" panose="020B0609020204030204" pitchFamily="49" charset="0"/>
-            </a:endParaRPr>
-          </a:p>
-          <a:p>
-            <a:pPr marL="0" indent="0">
-              <a:buNone/>
-            </a:pPr>
-            <a:r>
-              <a:rPr lang="en-US" sz="1400" b="0" dirty="0" err="1">
-                <a:solidFill>
-                  <a:srgbClr val="81D4FA"/>
-                </a:solidFill>
-                <a:effectLst/>
-                <a:latin typeface="Consolas" panose="020B0609020204030204" pitchFamily="49" charset="0"/>
-              </a:rPr>
-              <a:t>builder</a:t>
-            </a:r>
-            <a:r>
-              <a:rPr lang="en-US" sz="1400" b="0" dirty="0" err="1">
-                <a:solidFill>
-                  <a:srgbClr val="E0E0E0"/>
-                </a:solidFill>
-                <a:effectLst/>
-                <a:latin typeface="Consolas" panose="020B0609020204030204" pitchFamily="49" charset="0"/>
-              </a:rPr>
-              <a:t>.</a:t>
-            </a:r>
-            <a:r>
-              <a:rPr lang="en-US" sz="1400" b="0" dirty="0" err="1">
-                <a:solidFill>
-                  <a:srgbClr val="81D4FA"/>
-                </a:solidFill>
-                <a:effectLst/>
-                <a:latin typeface="Consolas" panose="020B0609020204030204" pitchFamily="49" charset="0"/>
-              </a:rPr>
-              <a:t>Register</a:t>
-            </a:r>
-            <a:r>
-              <a:rPr lang="en-US" sz="1400" b="0" dirty="0">
-                <a:solidFill>
-                  <a:srgbClr val="BDBDBD"/>
-                </a:solidFill>
-                <a:effectLst/>
-                <a:latin typeface="Consolas" panose="020B0609020204030204" pitchFamily="49" charset="0"/>
-              </a:rPr>
-              <a:t>(</a:t>
-            </a:r>
-            <a:r>
-              <a:rPr lang="en-US" sz="1400" b="0" dirty="0">
-                <a:solidFill>
-                  <a:srgbClr val="81D4FA"/>
-                </a:solidFill>
-                <a:effectLst/>
-                <a:latin typeface="Consolas" panose="020B0609020204030204" pitchFamily="49" charset="0"/>
-              </a:rPr>
-              <a:t>c</a:t>
-            </a:r>
-            <a:r>
-              <a:rPr lang="en-US" sz="1400" b="0" dirty="0">
-                <a:solidFill>
-                  <a:srgbClr val="BDBDBD"/>
-                </a:solidFill>
-                <a:effectLst/>
-                <a:latin typeface="Consolas" panose="020B0609020204030204" pitchFamily="49" charset="0"/>
-              </a:rPr>
-              <a:t> </a:t>
-            </a:r>
-            <a:r>
-              <a:rPr lang="en-US" sz="1400" b="0" dirty="0">
-                <a:solidFill>
-                  <a:srgbClr val="E0E0E0"/>
-                </a:solidFill>
-                <a:effectLst/>
-                <a:latin typeface="Consolas" panose="020B0609020204030204" pitchFamily="49" charset="0"/>
-              </a:rPr>
-              <a:t>=&gt;</a:t>
-            </a:r>
-            <a:r>
-              <a:rPr lang="en-US" sz="1400" b="0" dirty="0">
-                <a:solidFill>
-                  <a:srgbClr val="BDBDBD"/>
-                </a:solidFill>
-                <a:effectLst/>
-                <a:latin typeface="Consolas" panose="020B0609020204030204" pitchFamily="49" charset="0"/>
-              </a:rPr>
-              <a:t> </a:t>
-            </a:r>
-            <a:r>
-              <a:rPr lang="en-US" sz="1400" b="0" dirty="0">
-                <a:solidFill>
-                  <a:srgbClr val="2196F3"/>
-                </a:solidFill>
-                <a:effectLst/>
-                <a:latin typeface="Consolas" panose="020B0609020204030204" pitchFamily="49" charset="0"/>
-              </a:rPr>
-              <a:t>new</a:t>
-            </a:r>
-            <a:r>
-              <a:rPr lang="en-US" sz="1400" b="0" dirty="0">
-                <a:solidFill>
-                  <a:srgbClr val="BDBDBD"/>
-                </a:solidFill>
-                <a:effectLst/>
-                <a:latin typeface="Consolas" panose="020B0609020204030204" pitchFamily="49" charset="0"/>
-              </a:rPr>
-              <a:t> </a:t>
-            </a:r>
-            <a:r>
-              <a:rPr lang="en-US" sz="1400" b="0" dirty="0" err="1">
-                <a:solidFill>
-                  <a:srgbClr val="81D4FA"/>
-                </a:solidFill>
-                <a:effectLst/>
-                <a:latin typeface="Consolas" panose="020B0609020204030204" pitchFamily="49" charset="0"/>
-              </a:rPr>
-              <a:t>ConfigReader</a:t>
-            </a:r>
-            <a:r>
-              <a:rPr lang="en-US" sz="1400" b="0" dirty="0">
-                <a:solidFill>
-                  <a:srgbClr val="BDBDBD"/>
-                </a:solidFill>
-                <a:effectLst/>
-                <a:latin typeface="Consolas" panose="020B0609020204030204" pitchFamily="49" charset="0"/>
-              </a:rPr>
-              <a:t>(</a:t>
-            </a:r>
-            <a:r>
-              <a:rPr lang="en-US" sz="1400" b="0" dirty="0">
-                <a:solidFill>
-                  <a:srgbClr val="FFAB91"/>
-                </a:solidFill>
-                <a:effectLst/>
-                <a:latin typeface="Consolas" panose="020B0609020204030204" pitchFamily="49" charset="0"/>
-              </a:rPr>
-              <a:t>"</a:t>
-            </a:r>
-            <a:r>
-              <a:rPr lang="en-US" sz="1400" b="0" dirty="0" err="1">
-                <a:solidFill>
-                  <a:srgbClr val="FFAB91"/>
-                </a:solidFill>
-                <a:effectLst/>
-                <a:latin typeface="Consolas" panose="020B0609020204030204" pitchFamily="49" charset="0"/>
-              </a:rPr>
-              <a:t>mysection</a:t>
-            </a:r>
-            <a:r>
-              <a:rPr lang="en-US" sz="1400" b="0" dirty="0">
-                <a:solidFill>
-                  <a:srgbClr val="FFAB91"/>
-                </a:solidFill>
-                <a:effectLst/>
-                <a:latin typeface="Consolas" panose="020B0609020204030204" pitchFamily="49" charset="0"/>
-              </a:rPr>
-              <a:t>"</a:t>
-            </a:r>
-            <a:r>
-              <a:rPr lang="en-US" sz="1400" b="0" dirty="0">
-                <a:solidFill>
-                  <a:srgbClr val="BDBDBD"/>
-                </a:solidFill>
-                <a:effectLst/>
-                <a:latin typeface="Consolas" panose="020B0609020204030204" pitchFamily="49" charset="0"/>
-              </a:rPr>
-              <a:t>))</a:t>
-            </a:r>
-            <a:r>
-              <a:rPr lang="en-US" sz="1400" b="0" dirty="0">
-                <a:solidFill>
-                  <a:srgbClr val="E0E0E0"/>
-                </a:solidFill>
-                <a:effectLst/>
-                <a:latin typeface="Consolas" panose="020B0609020204030204" pitchFamily="49" charset="0"/>
-              </a:rPr>
-              <a:t>.</a:t>
-            </a:r>
-            <a:r>
-              <a:rPr lang="en-US" sz="1400" b="0" dirty="0">
-                <a:solidFill>
-                  <a:srgbClr val="81D4FA"/>
-                </a:solidFill>
-                <a:effectLst/>
-                <a:latin typeface="Consolas" panose="020B0609020204030204" pitchFamily="49" charset="0"/>
-              </a:rPr>
-              <a:t>As</a:t>
-            </a:r>
-            <a:r>
-              <a:rPr lang="en-US" sz="1400" b="0" dirty="0">
-                <a:solidFill>
-                  <a:srgbClr val="BDBDBD"/>
-                </a:solidFill>
-                <a:effectLst/>
-                <a:latin typeface="Consolas" panose="020B0609020204030204" pitchFamily="49" charset="0"/>
-              </a:rPr>
-              <a:t>&lt;</a:t>
-            </a:r>
-            <a:r>
-              <a:rPr lang="en-US" sz="1400" b="0" dirty="0" err="1">
-                <a:solidFill>
-                  <a:srgbClr val="81D4FA"/>
-                </a:solidFill>
-                <a:effectLst/>
-                <a:latin typeface="Consolas" panose="020B0609020204030204" pitchFamily="49" charset="0"/>
-              </a:rPr>
-              <a:t>IConfigReader</a:t>
-            </a:r>
-            <a:r>
-              <a:rPr lang="en-US" sz="1400" b="0" dirty="0">
-                <a:solidFill>
-                  <a:srgbClr val="BDBDBD"/>
-                </a:solidFill>
-                <a:effectLst/>
-                <a:latin typeface="Consolas" panose="020B0609020204030204" pitchFamily="49" charset="0"/>
-              </a:rPr>
-              <a:t>&gt;();</a:t>
-            </a:r>
-          </a:p>
-        </p:txBody>
-      </p:sp>
-    </p:spTree>
-    <p:extLst>
-      <p:ext uri="{BB962C8B-B14F-4D97-AF65-F5344CB8AC3E}">
-        <p14:creationId xmlns:p14="http://schemas.microsoft.com/office/powerpoint/2010/main" val="4135668292"/>
-      </p:ext>
-    </p:extLst>
-  </p:cSld>
-  <p:clrMapOvr>
-    <a:masterClrMapping/>
-  </p:clrMapOvr>
-</p:sld>
-</file>
-
-<file path=ppt/slides/slide6.xml><?xml version="1.0" encoding="utf-8"?>
+<file path=ppt/slides/slide10.xml><?xml version="1.0" encoding="utf-8"?>
 <p:sld xmlns:a="http://schemas.openxmlformats.org/drawingml/2006/main" xmlns:r="http://schemas.openxmlformats.org/officeDocument/2006/relationships" xmlns:p="http://schemas.openxmlformats.org/presentationml/2006/main">
   <p:cSld>
     <p:spTree>
@@ -25352,7 +22812,7 @@
 </p:sld>
 </file>
 
-<file path=ppt/slides/slide7.xml><?xml version="1.0" encoding="utf-8"?>
+<file path=ppt/slides/slide11.xml><?xml version="1.0" encoding="utf-8"?>
 <p:sld xmlns:a="http://schemas.openxmlformats.org/drawingml/2006/main" xmlns:r="http://schemas.openxmlformats.org/officeDocument/2006/relationships" xmlns:p="http://schemas.openxmlformats.org/presentationml/2006/main">
   <p:cSld>
     <p:spTree>
@@ -25580,7 +23040,7 @@
 </p:sld>
 </file>
 
-<file path=ppt/slides/slide8.xml><?xml version="1.0" encoding="utf-8"?>
+<file path=ppt/slides/slide12.xml><?xml version="1.0" encoding="utf-8"?>
 <p:sld xmlns:a="http://schemas.openxmlformats.org/drawingml/2006/main" xmlns:r="http://schemas.openxmlformats.org/officeDocument/2006/relationships" xmlns:p="http://schemas.openxmlformats.org/presentationml/2006/main">
   <p:cSld>
     <p:spTree>
@@ -32451,7 +29911,7 @@
 </p:sld>
 </file>
 
-<file path=ppt/slides/slide9.xml><?xml version="1.0" encoding="utf-8"?>
+<file path=ppt/slides/slide13.xml><?xml version="1.0" encoding="utf-8"?>
 <p:sld xmlns:a="http://schemas.openxmlformats.org/drawingml/2006/main" xmlns:r="http://schemas.openxmlformats.org/officeDocument/2006/relationships" xmlns:p="http://schemas.openxmlformats.org/presentationml/2006/main">
   <p:cSld>
     <p:spTree>
@@ -32542,6 +30002,6902 @@
     <p:extLst>
       <p:ext uri="{BB962C8B-B14F-4D97-AF65-F5344CB8AC3E}">
         <p14:creationId xmlns:p14="http://schemas.microsoft.com/office/powerpoint/2010/main" val="2394598200"/>
+      </p:ext>
+    </p:extLst>
+  </p:cSld>
+  <p:clrMapOvr>
+    <a:masterClrMapping/>
+  </p:clrMapOvr>
+</p:sld>
+</file>
+
+<file path=ppt/slides/slide2.xml><?xml version="1.0" encoding="utf-8"?>
+<p:sld xmlns:a="http://schemas.openxmlformats.org/drawingml/2006/main" xmlns:r="http://schemas.openxmlformats.org/officeDocument/2006/relationships" xmlns:p="http://schemas.openxmlformats.org/presentationml/2006/main">
+  <p:cSld>
+    <p:spTree>
+      <p:nvGrpSpPr>
+        <p:cNvPr id="1" name=""/>
+        <p:cNvGrpSpPr/>
+        <p:nvPr/>
+      </p:nvGrpSpPr>
+      <p:grpSpPr>
+        <a:xfrm>
+          <a:off x="0" y="0"/>
+          <a:ext cx="0" cy="0"/>
+          <a:chOff x="0" y="0"/>
+          <a:chExt cx="0" cy="0"/>
+        </a:xfrm>
+      </p:grpSpPr>
+      <p:sp>
+        <p:nvSpPr>
+          <p:cNvPr id="2" name="Title 1">
+            <a:extLst>
+              <a:ext uri="{FF2B5EF4-FFF2-40B4-BE49-F238E27FC236}">
+                <a16:creationId xmlns:a16="http://schemas.microsoft.com/office/drawing/2014/main" id="{C937E30B-392D-4691-8125-129E25AAA524}"/>
+              </a:ext>
+            </a:extLst>
+          </p:cNvPr>
+          <p:cNvSpPr>
+            <a:spLocks noGrp="1"/>
+          </p:cNvSpPr>
+          <p:nvPr>
+            <p:ph type="title"/>
+          </p:nvPr>
+        </p:nvSpPr>
+        <p:spPr/>
+        <p:txBody>
+          <a:bodyPr/>
+          <a:lstStyle/>
+          <a:p>
+            <a:r>
+              <a:rPr lang="en-US" dirty="0"/>
+              <a:t>Background required</a:t>
+            </a:r>
+          </a:p>
+        </p:txBody>
+      </p:sp>
+      <p:pic>
+        <p:nvPicPr>
+          <p:cNvPr id="5" name="Graphic 4" descr="Purpose icon">
+            <a:extLst>
+              <a:ext uri="{FF2B5EF4-FFF2-40B4-BE49-F238E27FC236}">
+                <a16:creationId xmlns:a16="http://schemas.microsoft.com/office/drawing/2014/main" id="{28F7ACE2-5D39-488F-AF39-9DEDFF0FF206}"/>
+              </a:ext>
+            </a:extLst>
+          </p:cNvPr>
+          <p:cNvPicPr>
+            <a:picLocks noChangeAspect="1"/>
+          </p:cNvPicPr>
+          <p:nvPr/>
+        </p:nvPicPr>
+        <p:blipFill>
+          <a:blip r:embed="rId3">
+            <a:extLst>
+              <a:ext uri="{28A0092B-C50C-407E-A947-70E740481C1C}">
+                <a14:useLocalDpi xmlns:a14="http://schemas.microsoft.com/office/drawing/2010/main" val="0"/>
+              </a:ext>
+              <a:ext uri="{96DAC541-7B7A-43D3-8B79-37D633B846F1}">
+                <asvg:svgBlip xmlns:asvg="http://schemas.microsoft.com/office/drawing/2016/SVG/main" r:embed="rId4"/>
+              </a:ext>
+            </a:extLst>
+          </a:blip>
+          <a:stretch>
+            <a:fillRect/>
+          </a:stretch>
+        </p:blipFill>
+        <p:spPr>
+          <a:xfrm>
+            <a:off x="11003486" y="2947289"/>
+            <a:ext cx="936000" cy="936000"/>
+          </a:xfrm>
+          <a:prstGeom prst="rect">
+            <a:avLst/>
+          </a:prstGeom>
+        </p:spPr>
+      </p:pic>
+      <p:sp>
+        <p:nvSpPr>
+          <p:cNvPr id="3" name="Text Placeholder 2">
+            <a:extLst>
+              <a:ext uri="{FF2B5EF4-FFF2-40B4-BE49-F238E27FC236}">
+                <a16:creationId xmlns:a16="http://schemas.microsoft.com/office/drawing/2014/main" id="{E7C2A41D-6B6E-4DD0-A7BD-E8CA001266EE}"/>
+              </a:ext>
+            </a:extLst>
+          </p:cNvPr>
+          <p:cNvSpPr>
+            <a:spLocks noGrp="1"/>
+          </p:cNvSpPr>
+          <p:nvPr>
+            <p:ph type="body" idx="1"/>
+          </p:nvPr>
+        </p:nvSpPr>
+        <p:spPr/>
+        <p:txBody>
+          <a:bodyPr>
+            <a:normAutofit/>
+          </a:bodyPr>
+          <a:lstStyle/>
+          <a:p>
+            <a:r>
+              <a:rPr lang="en-US" sz="2400" dirty="0"/>
+              <a:t>What is the "dependency injection" and its usage?</a:t>
+            </a:r>
+          </a:p>
+          <a:p>
+            <a:endParaRPr lang="en-US" sz="2400" dirty="0"/>
+          </a:p>
+        </p:txBody>
+      </p:sp>
+    </p:spTree>
+    <p:extLst>
+      <p:ext uri="{BB962C8B-B14F-4D97-AF65-F5344CB8AC3E}">
+        <p14:creationId xmlns:p14="http://schemas.microsoft.com/office/powerpoint/2010/main" val="2745843633"/>
+      </p:ext>
+    </p:extLst>
+  </p:cSld>
+  <p:clrMapOvr>
+    <a:masterClrMapping/>
+  </p:clrMapOvr>
+</p:sld>
+</file>
+
+<file path=ppt/slides/slide3.xml><?xml version="1.0" encoding="utf-8"?>
+<p:sld xmlns:a="http://schemas.openxmlformats.org/drawingml/2006/main" xmlns:r="http://schemas.openxmlformats.org/officeDocument/2006/relationships" xmlns:p="http://schemas.openxmlformats.org/presentationml/2006/main">
+  <p:cSld>
+    <p:spTree>
+      <p:nvGrpSpPr>
+        <p:cNvPr id="1" name=""/>
+        <p:cNvGrpSpPr/>
+        <p:nvPr/>
+      </p:nvGrpSpPr>
+      <p:grpSpPr>
+        <a:xfrm>
+          <a:off x="0" y="0"/>
+          <a:ext cx="0" cy="0"/>
+          <a:chOff x="0" y="0"/>
+          <a:chExt cx="0" cy="0"/>
+        </a:xfrm>
+      </p:grpSpPr>
+      <p:sp>
+        <p:nvSpPr>
+          <p:cNvPr id="2" name="Title 1">
+            <a:extLst>
+              <a:ext uri="{FF2B5EF4-FFF2-40B4-BE49-F238E27FC236}">
+                <a16:creationId xmlns:a16="http://schemas.microsoft.com/office/drawing/2014/main" id="{D78D0989-E3E5-41DB-A78D-61E199491D89}"/>
+              </a:ext>
+            </a:extLst>
+          </p:cNvPr>
+          <p:cNvSpPr>
+            <a:spLocks noGrp="1"/>
+          </p:cNvSpPr>
+          <p:nvPr>
+            <p:ph type="title"/>
+          </p:nvPr>
+        </p:nvSpPr>
+        <p:spPr/>
+        <p:txBody>
+          <a:bodyPr/>
+          <a:lstStyle/>
+          <a:p>
+            <a:r>
+              <a:rPr lang="en-US" dirty="0"/>
+              <a:t>Comparison of key features</a:t>
+            </a:r>
+          </a:p>
+        </p:txBody>
+      </p:sp>
+      <p:pic>
+        <p:nvPicPr>
+          <p:cNvPr id="6" name="Graphic 5" descr="Learning icon">
+            <a:extLst>
+              <a:ext uri="{FF2B5EF4-FFF2-40B4-BE49-F238E27FC236}">
+                <a16:creationId xmlns:a16="http://schemas.microsoft.com/office/drawing/2014/main" id="{FE130EDC-6F0A-417B-A698-CF2C65F0A3B3}"/>
+              </a:ext>
+            </a:extLst>
+          </p:cNvPr>
+          <p:cNvPicPr>
+            <a:picLocks noChangeAspect="1"/>
+          </p:cNvPicPr>
+          <p:nvPr/>
+        </p:nvPicPr>
+        <p:blipFill>
+          <a:blip r:embed="rId3">
+            <a:extLst>
+              <a:ext uri="{28A0092B-C50C-407E-A947-70E740481C1C}">
+                <a14:useLocalDpi xmlns:a14="http://schemas.microsoft.com/office/drawing/2010/main" val="0"/>
+              </a:ext>
+              <a:ext uri="{96DAC541-7B7A-43D3-8B79-37D633B846F1}">
+                <asvg:svgBlip xmlns:asvg="http://schemas.microsoft.com/office/drawing/2016/SVG/main" r:embed="rId4"/>
+              </a:ext>
+            </a:extLst>
+          </a:blip>
+          <a:stretch>
+            <a:fillRect/>
+          </a:stretch>
+        </p:blipFill>
+        <p:spPr>
+          <a:xfrm>
+            <a:off x="118946" y="613889"/>
+            <a:ext cx="1440000" cy="1440000"/>
+          </a:xfrm>
+          <a:prstGeom prst="rect">
+            <a:avLst/>
+          </a:prstGeom>
+        </p:spPr>
+      </p:pic>
+      <p:sp>
+        <p:nvSpPr>
+          <p:cNvPr id="3" name="Content Placeholder 2">
+            <a:extLst>
+              <a:ext uri="{FF2B5EF4-FFF2-40B4-BE49-F238E27FC236}">
+                <a16:creationId xmlns:a16="http://schemas.microsoft.com/office/drawing/2014/main" id="{5DB23205-1719-4B43-A690-268E347D390E}"/>
+              </a:ext>
+            </a:extLst>
+          </p:cNvPr>
+          <p:cNvSpPr>
+            <a:spLocks noGrp="1"/>
+          </p:cNvSpPr>
+          <p:nvPr>
+            <p:ph sz="half" idx="1"/>
+          </p:nvPr>
+        </p:nvSpPr>
+        <p:spPr/>
+        <p:txBody>
+          <a:bodyPr/>
+          <a:lstStyle/>
+          <a:p>
+            <a:pPr marL="0" indent="0">
+              <a:buNone/>
+            </a:pPr>
+            <a:endParaRPr lang="en-US" dirty="0"/>
+          </a:p>
+          <a:p>
+            <a:endParaRPr lang="en-US" dirty="0"/>
+          </a:p>
+        </p:txBody>
+      </p:sp>
+      <p:sp>
+        <p:nvSpPr>
+          <p:cNvPr id="11" name="TextBox 10">
+            <a:extLst>
+              <a:ext uri="{FF2B5EF4-FFF2-40B4-BE49-F238E27FC236}">
+                <a16:creationId xmlns:a16="http://schemas.microsoft.com/office/drawing/2014/main" id="{3A0B2421-EBB8-467F-860E-866DD2BAF45F}"/>
+              </a:ext>
+            </a:extLst>
+          </p:cNvPr>
+          <p:cNvSpPr txBox="1"/>
+          <p:nvPr/>
+        </p:nvSpPr>
+        <p:spPr>
+          <a:xfrm>
+            <a:off x="1963882" y="2410691"/>
+            <a:ext cx="7065818" cy="3348481"/>
+          </a:xfrm>
+          <a:prstGeom prst="rect">
+            <a:avLst/>
+          </a:prstGeom>
+          <a:noFill/>
+        </p:spPr>
+        <p:txBody>
+          <a:bodyPr wrap="square" rtlCol="0">
+            <a:spAutoFit/>
+          </a:bodyPr>
+          <a:lstStyle/>
+          <a:p>
+            <a:pPr marL="285750" indent="-285750">
+              <a:lnSpc>
+                <a:spcPct val="150000"/>
+              </a:lnSpc>
+              <a:buFont typeface="Arial" panose="020B0604020202020204" pitchFamily="34" charset="0"/>
+              <a:buChar char="•"/>
+            </a:pPr>
+            <a:r>
+              <a:rPr lang="en-US" sz="2400" b="1" dirty="0" err="1"/>
+              <a:t>Registeration</a:t>
+            </a:r>
+            <a:endParaRPr lang="en-US" sz="2400" b="1" dirty="0"/>
+          </a:p>
+          <a:p>
+            <a:pPr marL="285750" indent="-285750">
+              <a:lnSpc>
+                <a:spcPct val="150000"/>
+              </a:lnSpc>
+              <a:buFont typeface="Arial" panose="020B0604020202020204" pitchFamily="34" charset="0"/>
+              <a:buChar char="•"/>
+            </a:pPr>
+            <a:r>
+              <a:rPr lang="en-US" sz="2400" b="1" dirty="0"/>
+              <a:t>Service lifetimes</a:t>
+            </a:r>
+          </a:p>
+          <a:p>
+            <a:pPr marL="285750" indent="-285750">
+              <a:lnSpc>
+                <a:spcPct val="150000"/>
+              </a:lnSpc>
+              <a:buFont typeface="Arial" panose="020B0604020202020204" pitchFamily="34" charset="0"/>
+              <a:buChar char="•"/>
+            </a:pPr>
+            <a:r>
+              <a:rPr lang="en-US" sz="2400" b="1" dirty="0"/>
+              <a:t>Constructor injection</a:t>
+            </a:r>
+          </a:p>
+          <a:p>
+            <a:pPr marL="285750" indent="-285750">
+              <a:lnSpc>
+                <a:spcPct val="150000"/>
+              </a:lnSpc>
+              <a:buFont typeface="Arial" panose="020B0604020202020204" pitchFamily="34" charset="0"/>
+              <a:buChar char="•"/>
+            </a:pPr>
+            <a:r>
+              <a:rPr lang="en-US" sz="2400" b="1" dirty="0"/>
+              <a:t>Action method injection</a:t>
+            </a:r>
+          </a:p>
+          <a:p>
+            <a:pPr marL="285750" indent="-285750">
+              <a:lnSpc>
+                <a:spcPct val="150000"/>
+              </a:lnSpc>
+              <a:buFont typeface="Arial" panose="020B0604020202020204" pitchFamily="34" charset="0"/>
+              <a:buChar char="•"/>
+            </a:pPr>
+            <a:r>
+              <a:rPr lang="en-US" sz="2400" b="1" dirty="0"/>
+              <a:t>Property injection</a:t>
+            </a:r>
+          </a:p>
+          <a:p>
+            <a:pPr marL="285750" indent="-285750">
+              <a:lnSpc>
+                <a:spcPct val="150000"/>
+              </a:lnSpc>
+              <a:buFont typeface="Arial" panose="020B0604020202020204" pitchFamily="34" charset="0"/>
+              <a:buChar char="•"/>
+            </a:pPr>
+            <a:r>
+              <a:rPr lang="en-US" sz="2400" b="1" dirty="0"/>
+              <a:t>Get services manually</a:t>
+            </a:r>
+          </a:p>
+        </p:txBody>
+      </p:sp>
+    </p:spTree>
+    <p:extLst>
+      <p:ext uri="{BB962C8B-B14F-4D97-AF65-F5344CB8AC3E}">
+        <p14:creationId xmlns:p14="http://schemas.microsoft.com/office/powerpoint/2010/main" val="4205207834"/>
+      </p:ext>
+    </p:extLst>
+  </p:cSld>
+  <p:clrMapOvr>
+    <a:masterClrMapping/>
+  </p:clrMapOvr>
+</p:sld>
+</file>
+
+<file path=ppt/slides/slide4.xml><?xml version="1.0" encoding="utf-8"?>
+<p:sld xmlns:a="http://schemas.openxmlformats.org/drawingml/2006/main" xmlns:r="http://schemas.openxmlformats.org/officeDocument/2006/relationships" xmlns:p="http://schemas.openxmlformats.org/presentationml/2006/main">
+  <p:cSld>
+    <p:spTree>
+      <p:nvGrpSpPr>
+        <p:cNvPr id="1" name=""/>
+        <p:cNvGrpSpPr/>
+        <p:nvPr/>
+      </p:nvGrpSpPr>
+      <p:grpSpPr>
+        <a:xfrm>
+          <a:off x="0" y="0"/>
+          <a:ext cx="0" cy="0"/>
+          <a:chOff x="0" y="0"/>
+          <a:chExt cx="0" cy="0"/>
+        </a:xfrm>
+      </p:grpSpPr>
+      <p:sp>
+        <p:nvSpPr>
+          <p:cNvPr id="5" name="Title 4">
+            <a:extLst>
+              <a:ext uri="{FF2B5EF4-FFF2-40B4-BE49-F238E27FC236}">
+                <a16:creationId xmlns:a16="http://schemas.microsoft.com/office/drawing/2014/main" id="{F4673F5B-AADC-4BED-859C-530EBEA568B8}"/>
+              </a:ext>
+            </a:extLst>
+          </p:cNvPr>
+          <p:cNvSpPr>
+            <a:spLocks noGrp="1"/>
+          </p:cNvSpPr>
+          <p:nvPr>
+            <p:ph type="title"/>
+          </p:nvPr>
+        </p:nvSpPr>
+        <p:spPr/>
+        <p:txBody>
+          <a:bodyPr/>
+          <a:lstStyle/>
+          <a:p>
+            <a:r>
+              <a:rPr lang="en-US" dirty="0" err="1"/>
+              <a:t>Registeration</a:t>
+            </a:r>
+            <a:endParaRPr lang="en-US" dirty="0"/>
+          </a:p>
+        </p:txBody>
+      </p:sp>
+      <p:sp>
+        <p:nvSpPr>
+          <p:cNvPr id="6" name="Text Placeholder 5">
+            <a:extLst>
+              <a:ext uri="{FF2B5EF4-FFF2-40B4-BE49-F238E27FC236}">
+                <a16:creationId xmlns:a16="http://schemas.microsoft.com/office/drawing/2014/main" id="{A1206317-B33C-42E7-94BE-34E9AEC2E39C}"/>
+              </a:ext>
+            </a:extLst>
+          </p:cNvPr>
+          <p:cNvSpPr>
+            <a:spLocks noGrp="1"/>
+          </p:cNvSpPr>
+          <p:nvPr>
+            <p:ph type="body" idx="1"/>
+          </p:nvPr>
+        </p:nvSpPr>
+        <p:spPr/>
+        <p:txBody>
+          <a:bodyPr/>
+          <a:lstStyle/>
+          <a:p>
+            <a:r>
+              <a:rPr lang="en-US" dirty="0"/>
+              <a:t>Microsoft DI</a:t>
+            </a:r>
+          </a:p>
+        </p:txBody>
+      </p:sp>
+      <p:sp>
+        <p:nvSpPr>
+          <p:cNvPr id="7" name="Content Placeholder 6">
+            <a:extLst>
+              <a:ext uri="{FF2B5EF4-FFF2-40B4-BE49-F238E27FC236}">
+                <a16:creationId xmlns:a16="http://schemas.microsoft.com/office/drawing/2014/main" id="{C19E30EC-6E7C-4C9E-8946-B95757FF962C}"/>
+              </a:ext>
+            </a:extLst>
+          </p:cNvPr>
+          <p:cNvSpPr>
+            <a:spLocks noGrp="1"/>
+          </p:cNvSpPr>
+          <p:nvPr>
+            <p:ph sz="half" idx="2"/>
+          </p:nvPr>
+        </p:nvSpPr>
+        <p:spPr>
+          <a:xfrm>
+            <a:off x="680322" y="3030008"/>
+            <a:ext cx="4698355" cy="3443527"/>
+          </a:xfrm>
+          <a:solidFill>
+            <a:schemeClr val="bg1">
+              <a:lumMod val="85000"/>
+              <a:lumOff val="15000"/>
+            </a:schemeClr>
+          </a:solidFill>
+        </p:spPr>
+        <p:txBody>
+          <a:bodyPr>
+            <a:normAutofit fontScale="92500" lnSpcReduction="10000"/>
+          </a:bodyPr>
+          <a:lstStyle/>
+          <a:p>
+            <a:pPr marL="0" indent="0">
+              <a:buNone/>
+            </a:pPr>
+            <a:r>
+              <a:rPr lang="en-US" sz="1800" b="0" dirty="0" err="1">
+                <a:solidFill>
+                  <a:srgbClr val="81D4FA"/>
+                </a:solidFill>
+                <a:effectLst/>
+                <a:latin typeface="Consolas" panose="020B0609020204030204" pitchFamily="49" charset="0"/>
+              </a:rPr>
+              <a:t>builder</a:t>
+            </a:r>
+            <a:r>
+              <a:rPr lang="en-US" sz="1800" b="0" dirty="0" err="1">
+                <a:solidFill>
+                  <a:srgbClr val="BDBDBD"/>
+                </a:solidFill>
+                <a:effectLst/>
+                <a:latin typeface="Consolas" panose="020B0609020204030204" pitchFamily="49" charset="0"/>
+              </a:rPr>
+              <a:t>.</a:t>
+            </a:r>
+            <a:r>
+              <a:rPr lang="en-US" sz="1800" b="0" dirty="0" err="1">
+                <a:solidFill>
+                  <a:srgbClr val="81D4FA"/>
+                </a:solidFill>
+                <a:effectLst/>
+                <a:latin typeface="Consolas" panose="020B0609020204030204" pitchFamily="49" charset="0"/>
+              </a:rPr>
+              <a:t>Services</a:t>
+            </a:r>
+            <a:endParaRPr lang="en-US" sz="1800" b="0" dirty="0">
+              <a:solidFill>
+                <a:srgbClr val="81D4FA"/>
+              </a:solidFill>
+              <a:effectLst/>
+              <a:latin typeface="Consolas" panose="020B0609020204030204" pitchFamily="49" charset="0"/>
+            </a:endParaRPr>
+          </a:p>
+          <a:p>
+            <a:pPr marL="0" indent="0">
+              <a:buNone/>
+            </a:pPr>
+            <a:r>
+              <a:rPr lang="en-US" sz="1800" b="0" dirty="0">
+                <a:solidFill>
+                  <a:srgbClr val="81D4FA"/>
+                </a:solidFill>
+                <a:effectLst/>
+                <a:latin typeface="Consolas" panose="020B0609020204030204" pitchFamily="49" charset="0"/>
+              </a:rPr>
+              <a:t>       </a:t>
+            </a:r>
+            <a:r>
+              <a:rPr lang="en-US" sz="1800" b="0" dirty="0">
+                <a:solidFill>
+                  <a:srgbClr val="BDBDBD"/>
+                </a:solidFill>
+                <a:effectLst/>
+                <a:latin typeface="Consolas" panose="020B0609020204030204" pitchFamily="49" charset="0"/>
+              </a:rPr>
+              <a:t>.</a:t>
+            </a:r>
+            <a:r>
+              <a:rPr lang="en-US" sz="1800" b="0" dirty="0" err="1">
+                <a:solidFill>
+                  <a:srgbClr val="F0F4C3"/>
+                </a:solidFill>
+                <a:effectLst/>
+                <a:latin typeface="Consolas" panose="020B0609020204030204" pitchFamily="49" charset="0"/>
+              </a:rPr>
+              <a:t>AddScoped</a:t>
+            </a:r>
+            <a:r>
+              <a:rPr lang="en-US" sz="1800" b="0" dirty="0">
+                <a:solidFill>
+                  <a:srgbClr val="BDBDBD"/>
+                </a:solidFill>
+                <a:effectLst/>
+                <a:latin typeface="Consolas" panose="020B0609020204030204" pitchFamily="49" charset="0"/>
+              </a:rPr>
+              <a:t>&lt;</a:t>
+            </a:r>
+            <a:r>
+              <a:rPr lang="en-US" sz="1800" b="0" dirty="0" err="1">
+                <a:solidFill>
+                  <a:srgbClr val="4DB6AC"/>
+                </a:solidFill>
+                <a:effectLst/>
+                <a:latin typeface="Consolas" panose="020B0609020204030204" pitchFamily="49" charset="0"/>
+              </a:rPr>
+              <a:t>IMyDependency</a:t>
+            </a:r>
+            <a:r>
+              <a:rPr lang="en-US" sz="1800" b="0" dirty="0">
+                <a:solidFill>
+                  <a:srgbClr val="BDBDBD"/>
+                </a:solidFill>
+                <a:effectLst/>
+                <a:latin typeface="Consolas" panose="020B0609020204030204" pitchFamily="49" charset="0"/>
+              </a:rPr>
+              <a:t>, 		    </a:t>
+            </a:r>
+            <a:r>
+              <a:rPr lang="en-US" sz="1800" b="0" dirty="0" err="1">
+                <a:solidFill>
+                  <a:srgbClr val="4DB6AC"/>
+                </a:solidFill>
+                <a:effectLst/>
+                <a:latin typeface="Consolas" panose="020B0609020204030204" pitchFamily="49" charset="0"/>
+              </a:rPr>
+              <a:t>MyDependency</a:t>
+            </a:r>
+            <a:r>
+              <a:rPr lang="en-US" sz="1800" b="0" dirty="0">
+                <a:solidFill>
+                  <a:srgbClr val="BDBDBD"/>
+                </a:solidFill>
+                <a:effectLst/>
+                <a:latin typeface="Consolas" panose="020B0609020204030204" pitchFamily="49" charset="0"/>
+              </a:rPr>
+              <a:t>&gt;();</a:t>
+            </a:r>
+          </a:p>
+          <a:p>
+            <a:endParaRPr lang="en-US" dirty="0"/>
+          </a:p>
+        </p:txBody>
+      </p:sp>
+      <p:sp>
+        <p:nvSpPr>
+          <p:cNvPr id="8" name="Text Placeholder 7">
+            <a:extLst>
+              <a:ext uri="{FF2B5EF4-FFF2-40B4-BE49-F238E27FC236}">
+                <a16:creationId xmlns:a16="http://schemas.microsoft.com/office/drawing/2014/main" id="{239372C0-CC99-466D-9E26-29DA1A617331}"/>
+              </a:ext>
+            </a:extLst>
+          </p:cNvPr>
+          <p:cNvSpPr>
+            <a:spLocks noGrp="1"/>
+          </p:cNvSpPr>
+          <p:nvPr>
+            <p:ph type="body" sz="quarter" idx="3"/>
+          </p:nvPr>
+        </p:nvSpPr>
+        <p:spPr/>
+        <p:txBody>
+          <a:bodyPr/>
+          <a:lstStyle/>
+          <a:p>
+            <a:r>
+              <a:rPr lang="en-US" dirty="0" err="1"/>
+              <a:t>Autofac</a:t>
+            </a:r>
+            <a:endParaRPr lang="en-US" dirty="0"/>
+          </a:p>
+        </p:txBody>
+      </p:sp>
+      <p:sp>
+        <p:nvSpPr>
+          <p:cNvPr id="11" name="Rectangle 2">
+            <a:extLst>
+              <a:ext uri="{FF2B5EF4-FFF2-40B4-BE49-F238E27FC236}">
+                <a16:creationId xmlns:a16="http://schemas.microsoft.com/office/drawing/2014/main" id="{6BEFB1AB-8AD3-4B14-B958-63C5CC53D2D6}"/>
+              </a:ext>
+            </a:extLst>
+          </p:cNvPr>
+          <p:cNvSpPr>
+            <a:spLocks noGrp="1" noChangeArrowheads="1"/>
+          </p:cNvSpPr>
+          <p:nvPr>
+            <p:ph sz="quarter" idx="4"/>
+          </p:nvPr>
+        </p:nvSpPr>
+        <p:spPr bwMode="auto">
+          <a:xfrm>
+            <a:off x="5594123" y="3028948"/>
+            <a:ext cx="5917555" cy="3444587"/>
+          </a:xfrm>
+          <a:prstGeom prst="rect">
+            <a:avLst/>
+          </a:prstGeom>
+          <a:solidFill>
+            <a:schemeClr val="bg1">
+              <a:lumMod val="85000"/>
+              <a:lumOff val="15000"/>
+            </a:schemeClr>
+          </a:solidFill>
+        </p:spPr>
+        <p:txBody>
+          <a:bodyPr vert="horz" lIns="91440" tIns="45720" rIns="91440" bIns="45720" rtlCol="0">
+            <a:normAutofit fontScale="92500" lnSpcReduction="10000"/>
+          </a:bodyPr>
+          <a:lstStyle/>
+          <a:p>
+            <a:pPr marL="0" indent="0">
+              <a:buNone/>
+            </a:pPr>
+            <a:r>
+              <a:rPr lang="en-US" sz="1400" b="0" dirty="0">
+                <a:solidFill>
+                  <a:srgbClr val="689F38"/>
+                </a:solidFill>
+                <a:effectLst/>
+                <a:latin typeface="Consolas" panose="020B0609020204030204" pitchFamily="49" charset="0"/>
+              </a:rPr>
+              <a:t>// Create the builder with which components/services are registered.</a:t>
+            </a:r>
+            <a:endParaRPr lang="en-US" sz="1400" b="0" dirty="0">
+              <a:solidFill>
+                <a:srgbClr val="BDBDBD"/>
+              </a:solidFill>
+              <a:effectLst/>
+              <a:latin typeface="Consolas" panose="020B0609020204030204" pitchFamily="49" charset="0"/>
+            </a:endParaRPr>
+          </a:p>
+          <a:p>
+            <a:pPr marL="0" indent="0">
+              <a:buNone/>
+            </a:pPr>
+            <a:r>
+              <a:rPr lang="en-US" sz="1400" b="0" dirty="0">
+                <a:solidFill>
+                  <a:srgbClr val="2196F3"/>
+                </a:solidFill>
+                <a:effectLst/>
+                <a:latin typeface="Consolas" panose="020B0609020204030204" pitchFamily="49" charset="0"/>
+              </a:rPr>
+              <a:t>var</a:t>
+            </a:r>
+            <a:r>
+              <a:rPr lang="en-US" sz="1400" b="0" dirty="0">
+                <a:solidFill>
+                  <a:srgbClr val="BDBDBD"/>
+                </a:solidFill>
+                <a:effectLst/>
+                <a:latin typeface="Consolas" panose="020B0609020204030204" pitchFamily="49" charset="0"/>
+              </a:rPr>
+              <a:t> </a:t>
+            </a:r>
+            <a:r>
+              <a:rPr lang="en-US" sz="1400" b="0" dirty="0">
+                <a:solidFill>
+                  <a:srgbClr val="81D4FA"/>
+                </a:solidFill>
+                <a:effectLst/>
+                <a:latin typeface="Consolas" panose="020B0609020204030204" pitchFamily="49" charset="0"/>
+              </a:rPr>
+              <a:t>builder</a:t>
+            </a:r>
+            <a:r>
+              <a:rPr lang="en-US" sz="1400" b="0" dirty="0">
+                <a:solidFill>
+                  <a:srgbClr val="BDBDBD"/>
+                </a:solidFill>
+                <a:effectLst/>
+                <a:latin typeface="Consolas" panose="020B0609020204030204" pitchFamily="49" charset="0"/>
+              </a:rPr>
+              <a:t> </a:t>
+            </a:r>
+            <a:r>
+              <a:rPr lang="en-US" sz="1400" b="0" dirty="0">
+                <a:solidFill>
+                  <a:srgbClr val="E0E0E0"/>
+                </a:solidFill>
+                <a:effectLst/>
+                <a:latin typeface="Consolas" panose="020B0609020204030204" pitchFamily="49" charset="0"/>
+              </a:rPr>
+              <a:t>=</a:t>
+            </a:r>
+            <a:r>
+              <a:rPr lang="en-US" sz="1400" b="0" dirty="0">
+                <a:solidFill>
+                  <a:srgbClr val="BDBDBD"/>
+                </a:solidFill>
+                <a:effectLst/>
+                <a:latin typeface="Consolas" panose="020B0609020204030204" pitchFamily="49" charset="0"/>
+              </a:rPr>
+              <a:t> </a:t>
+            </a:r>
+            <a:r>
+              <a:rPr lang="en-US" sz="1400" b="0" dirty="0">
+                <a:solidFill>
+                  <a:srgbClr val="2196F3"/>
+                </a:solidFill>
+                <a:effectLst/>
+                <a:latin typeface="Consolas" panose="020B0609020204030204" pitchFamily="49" charset="0"/>
+              </a:rPr>
+              <a:t>new</a:t>
+            </a:r>
+            <a:r>
+              <a:rPr lang="en-US" sz="1400" b="0" dirty="0">
+                <a:solidFill>
+                  <a:srgbClr val="BDBDBD"/>
+                </a:solidFill>
+                <a:effectLst/>
+                <a:latin typeface="Consolas" panose="020B0609020204030204" pitchFamily="49" charset="0"/>
+              </a:rPr>
+              <a:t> </a:t>
+            </a:r>
+            <a:r>
+              <a:rPr lang="en-US" sz="1400" b="0" dirty="0" err="1">
+                <a:solidFill>
+                  <a:srgbClr val="81D4FA"/>
+                </a:solidFill>
+                <a:effectLst/>
+                <a:latin typeface="Consolas" panose="020B0609020204030204" pitchFamily="49" charset="0"/>
+              </a:rPr>
+              <a:t>ContainerBuilder</a:t>
+            </a:r>
+            <a:r>
+              <a:rPr lang="en-US" sz="1400" b="0" dirty="0">
+                <a:solidFill>
+                  <a:srgbClr val="BDBDBD"/>
+                </a:solidFill>
+                <a:effectLst/>
+                <a:latin typeface="Consolas" panose="020B0609020204030204" pitchFamily="49" charset="0"/>
+              </a:rPr>
+              <a:t>();</a:t>
+            </a:r>
+          </a:p>
+          <a:p>
+            <a:pPr marL="0" indent="0">
+              <a:buNone/>
+            </a:pPr>
+            <a:br>
+              <a:rPr lang="en-US" sz="1400" b="0" dirty="0">
+                <a:solidFill>
+                  <a:srgbClr val="BDBDBD"/>
+                </a:solidFill>
+                <a:effectLst/>
+                <a:latin typeface="Consolas" panose="020B0609020204030204" pitchFamily="49" charset="0"/>
+              </a:rPr>
+            </a:br>
+            <a:r>
+              <a:rPr lang="en-US" sz="1400" b="0" dirty="0">
+                <a:solidFill>
+                  <a:srgbClr val="689F38"/>
+                </a:solidFill>
+                <a:effectLst/>
+                <a:latin typeface="Consolas" panose="020B0609020204030204" pitchFamily="49" charset="0"/>
+              </a:rPr>
+              <a:t>// Register types that expose interfaces...</a:t>
+            </a:r>
+            <a:endParaRPr lang="en-US" sz="1400" b="0" dirty="0">
+              <a:solidFill>
+                <a:srgbClr val="BDBDBD"/>
+              </a:solidFill>
+              <a:effectLst/>
+              <a:latin typeface="Consolas" panose="020B0609020204030204" pitchFamily="49" charset="0"/>
+            </a:endParaRPr>
+          </a:p>
+          <a:p>
+            <a:pPr marL="0" indent="0">
+              <a:buNone/>
+            </a:pPr>
+            <a:r>
+              <a:rPr lang="en-US" sz="1400" b="0" dirty="0" err="1">
+                <a:solidFill>
+                  <a:srgbClr val="81D4FA"/>
+                </a:solidFill>
+                <a:effectLst/>
+                <a:latin typeface="Consolas" panose="020B0609020204030204" pitchFamily="49" charset="0"/>
+              </a:rPr>
+              <a:t>builder</a:t>
+            </a:r>
+            <a:r>
+              <a:rPr lang="en-US" sz="1400" b="0" dirty="0" err="1">
+                <a:solidFill>
+                  <a:srgbClr val="E0E0E0"/>
+                </a:solidFill>
+                <a:effectLst/>
+                <a:latin typeface="Consolas" panose="020B0609020204030204" pitchFamily="49" charset="0"/>
+              </a:rPr>
+              <a:t>.</a:t>
+            </a:r>
+            <a:r>
+              <a:rPr lang="en-US" sz="1400" b="0" dirty="0" err="1">
+                <a:solidFill>
+                  <a:srgbClr val="81D4FA"/>
+                </a:solidFill>
+                <a:effectLst/>
+                <a:latin typeface="Consolas" panose="020B0609020204030204" pitchFamily="49" charset="0"/>
+              </a:rPr>
+              <a:t>RegisterType</a:t>
+            </a:r>
+            <a:r>
+              <a:rPr lang="en-US" sz="1400" b="0" dirty="0">
+                <a:solidFill>
+                  <a:srgbClr val="BDBDBD"/>
+                </a:solidFill>
+                <a:effectLst/>
+                <a:latin typeface="Consolas" panose="020B0609020204030204" pitchFamily="49" charset="0"/>
+              </a:rPr>
+              <a:t>&lt;</a:t>
+            </a:r>
+            <a:r>
+              <a:rPr lang="en-US" sz="1400" b="0" dirty="0" err="1">
+                <a:solidFill>
+                  <a:srgbClr val="81D4FA"/>
+                </a:solidFill>
+                <a:effectLst/>
+                <a:latin typeface="Consolas" panose="020B0609020204030204" pitchFamily="49" charset="0"/>
+              </a:rPr>
+              <a:t>ConsoleLogger</a:t>
+            </a:r>
+            <a:r>
+              <a:rPr lang="en-US" sz="1400" b="0" dirty="0">
+                <a:solidFill>
+                  <a:srgbClr val="BDBDBD"/>
+                </a:solidFill>
+                <a:effectLst/>
+                <a:latin typeface="Consolas" panose="020B0609020204030204" pitchFamily="49" charset="0"/>
+              </a:rPr>
+              <a:t>&gt;()</a:t>
+            </a:r>
+            <a:r>
+              <a:rPr lang="en-US" sz="1400" b="0" dirty="0">
+                <a:solidFill>
+                  <a:srgbClr val="E0E0E0"/>
+                </a:solidFill>
+                <a:effectLst/>
+                <a:latin typeface="Consolas" panose="020B0609020204030204" pitchFamily="49" charset="0"/>
+              </a:rPr>
+              <a:t>.</a:t>
+            </a:r>
+            <a:r>
+              <a:rPr lang="en-US" sz="1400" b="0" dirty="0">
+                <a:solidFill>
+                  <a:srgbClr val="81D4FA"/>
+                </a:solidFill>
+                <a:effectLst/>
+                <a:latin typeface="Consolas" panose="020B0609020204030204" pitchFamily="49" charset="0"/>
+              </a:rPr>
+              <a:t>As</a:t>
+            </a:r>
+            <a:r>
+              <a:rPr lang="en-US" sz="1400" b="0" dirty="0">
+                <a:solidFill>
+                  <a:srgbClr val="BDBDBD"/>
+                </a:solidFill>
+                <a:effectLst/>
+                <a:latin typeface="Consolas" panose="020B0609020204030204" pitchFamily="49" charset="0"/>
+              </a:rPr>
+              <a:t>&lt;</a:t>
+            </a:r>
+            <a:r>
+              <a:rPr lang="en-US" sz="1400" b="0" dirty="0" err="1">
+                <a:solidFill>
+                  <a:srgbClr val="81D4FA"/>
+                </a:solidFill>
+                <a:effectLst/>
+                <a:latin typeface="Consolas" panose="020B0609020204030204" pitchFamily="49" charset="0"/>
+              </a:rPr>
+              <a:t>ILogger</a:t>
+            </a:r>
+            <a:r>
+              <a:rPr lang="en-US" sz="1400" b="0" dirty="0">
+                <a:solidFill>
+                  <a:srgbClr val="BDBDBD"/>
+                </a:solidFill>
+                <a:effectLst/>
+                <a:latin typeface="Consolas" panose="020B0609020204030204" pitchFamily="49" charset="0"/>
+              </a:rPr>
+              <a:t>&gt;();</a:t>
+            </a:r>
+          </a:p>
+          <a:p>
+            <a:pPr marL="0" indent="0">
+              <a:buNone/>
+            </a:pPr>
+            <a:br>
+              <a:rPr lang="en-US" sz="1400" b="0" dirty="0">
+                <a:solidFill>
+                  <a:srgbClr val="BDBDBD"/>
+                </a:solidFill>
+                <a:effectLst/>
+                <a:latin typeface="Consolas" panose="020B0609020204030204" pitchFamily="49" charset="0"/>
+              </a:rPr>
+            </a:br>
+            <a:r>
+              <a:rPr lang="en-US" sz="1400" b="0" dirty="0">
+                <a:solidFill>
+                  <a:srgbClr val="689F38"/>
+                </a:solidFill>
+                <a:effectLst/>
+                <a:latin typeface="Consolas" panose="020B0609020204030204" pitchFamily="49" charset="0"/>
+              </a:rPr>
+              <a:t>// Register instances of objects you create...</a:t>
+            </a:r>
+            <a:endParaRPr lang="en-US" sz="1400" b="0" dirty="0">
+              <a:solidFill>
+                <a:srgbClr val="BDBDBD"/>
+              </a:solidFill>
+              <a:effectLst/>
+              <a:latin typeface="Consolas" panose="020B0609020204030204" pitchFamily="49" charset="0"/>
+            </a:endParaRPr>
+          </a:p>
+          <a:p>
+            <a:pPr marL="0" indent="0">
+              <a:buNone/>
+            </a:pPr>
+            <a:r>
+              <a:rPr lang="en-US" sz="1400" b="0" dirty="0">
+                <a:solidFill>
+                  <a:srgbClr val="2196F3"/>
+                </a:solidFill>
+                <a:effectLst/>
+                <a:latin typeface="Consolas" panose="020B0609020204030204" pitchFamily="49" charset="0"/>
+              </a:rPr>
+              <a:t>var</a:t>
+            </a:r>
+            <a:r>
+              <a:rPr lang="en-US" sz="1400" b="0" dirty="0">
+                <a:solidFill>
+                  <a:srgbClr val="BDBDBD"/>
+                </a:solidFill>
+                <a:effectLst/>
+                <a:latin typeface="Consolas" panose="020B0609020204030204" pitchFamily="49" charset="0"/>
+              </a:rPr>
+              <a:t> </a:t>
+            </a:r>
+            <a:r>
+              <a:rPr lang="en-US" sz="1400" b="0" dirty="0">
+                <a:solidFill>
+                  <a:srgbClr val="81D4FA"/>
+                </a:solidFill>
+                <a:effectLst/>
+                <a:latin typeface="Consolas" panose="020B0609020204030204" pitchFamily="49" charset="0"/>
+              </a:rPr>
+              <a:t>output</a:t>
+            </a:r>
+            <a:r>
+              <a:rPr lang="en-US" sz="1400" b="0" dirty="0">
+                <a:solidFill>
+                  <a:srgbClr val="BDBDBD"/>
+                </a:solidFill>
+                <a:effectLst/>
+                <a:latin typeface="Consolas" panose="020B0609020204030204" pitchFamily="49" charset="0"/>
+              </a:rPr>
+              <a:t> </a:t>
+            </a:r>
+            <a:r>
+              <a:rPr lang="en-US" sz="1400" b="0" dirty="0">
+                <a:solidFill>
+                  <a:srgbClr val="E0E0E0"/>
+                </a:solidFill>
+                <a:effectLst/>
+                <a:latin typeface="Consolas" panose="020B0609020204030204" pitchFamily="49" charset="0"/>
+              </a:rPr>
+              <a:t>=</a:t>
+            </a:r>
+            <a:r>
+              <a:rPr lang="en-US" sz="1400" b="0" dirty="0">
+                <a:solidFill>
+                  <a:srgbClr val="BDBDBD"/>
+                </a:solidFill>
+                <a:effectLst/>
+                <a:latin typeface="Consolas" panose="020B0609020204030204" pitchFamily="49" charset="0"/>
+              </a:rPr>
+              <a:t> </a:t>
+            </a:r>
+            <a:r>
+              <a:rPr lang="en-US" sz="1400" b="0" dirty="0">
+                <a:solidFill>
+                  <a:srgbClr val="2196F3"/>
+                </a:solidFill>
+                <a:effectLst/>
+                <a:latin typeface="Consolas" panose="020B0609020204030204" pitchFamily="49" charset="0"/>
+              </a:rPr>
+              <a:t>new</a:t>
+            </a:r>
+            <a:r>
+              <a:rPr lang="en-US" sz="1400" b="0" dirty="0">
+                <a:solidFill>
+                  <a:srgbClr val="BDBDBD"/>
+                </a:solidFill>
+                <a:effectLst/>
+                <a:latin typeface="Consolas" panose="020B0609020204030204" pitchFamily="49" charset="0"/>
+              </a:rPr>
+              <a:t> </a:t>
+            </a:r>
+            <a:r>
+              <a:rPr lang="en-US" sz="1400" b="0" dirty="0" err="1">
+                <a:solidFill>
+                  <a:srgbClr val="81D4FA"/>
+                </a:solidFill>
+                <a:effectLst/>
+                <a:latin typeface="Consolas" panose="020B0609020204030204" pitchFamily="49" charset="0"/>
+              </a:rPr>
+              <a:t>StringWriter</a:t>
+            </a:r>
+            <a:r>
+              <a:rPr lang="en-US" sz="1400" b="0" dirty="0">
+                <a:solidFill>
+                  <a:srgbClr val="BDBDBD"/>
+                </a:solidFill>
+                <a:effectLst/>
+                <a:latin typeface="Consolas" panose="020B0609020204030204" pitchFamily="49" charset="0"/>
+              </a:rPr>
+              <a:t>();</a:t>
+            </a:r>
+          </a:p>
+          <a:p>
+            <a:pPr marL="0" indent="0">
+              <a:buNone/>
+            </a:pPr>
+            <a:r>
+              <a:rPr lang="en-US" sz="1400" b="0" dirty="0" err="1">
+                <a:solidFill>
+                  <a:srgbClr val="81D4FA"/>
+                </a:solidFill>
+                <a:effectLst/>
+                <a:latin typeface="Consolas" panose="020B0609020204030204" pitchFamily="49" charset="0"/>
+              </a:rPr>
+              <a:t>builder</a:t>
+            </a:r>
+            <a:r>
+              <a:rPr lang="en-US" sz="1400" b="0" dirty="0" err="1">
+                <a:solidFill>
+                  <a:srgbClr val="E0E0E0"/>
+                </a:solidFill>
+                <a:effectLst/>
+                <a:latin typeface="Consolas" panose="020B0609020204030204" pitchFamily="49" charset="0"/>
+              </a:rPr>
+              <a:t>.</a:t>
+            </a:r>
+            <a:r>
+              <a:rPr lang="en-US" sz="1400" b="0" dirty="0" err="1">
+                <a:solidFill>
+                  <a:srgbClr val="81D4FA"/>
+                </a:solidFill>
+                <a:effectLst/>
+                <a:latin typeface="Consolas" panose="020B0609020204030204" pitchFamily="49" charset="0"/>
+              </a:rPr>
+              <a:t>RegisterInstance</a:t>
+            </a:r>
+            <a:r>
+              <a:rPr lang="en-US" sz="1400" b="0" dirty="0">
+                <a:solidFill>
+                  <a:srgbClr val="BDBDBD"/>
+                </a:solidFill>
+                <a:effectLst/>
+                <a:latin typeface="Consolas" panose="020B0609020204030204" pitchFamily="49" charset="0"/>
+              </a:rPr>
+              <a:t>(</a:t>
+            </a:r>
+            <a:r>
+              <a:rPr lang="en-US" sz="1400" b="0" dirty="0">
+                <a:solidFill>
+                  <a:srgbClr val="81D4FA"/>
+                </a:solidFill>
+                <a:effectLst/>
+                <a:latin typeface="Consolas" panose="020B0609020204030204" pitchFamily="49" charset="0"/>
+              </a:rPr>
+              <a:t>output</a:t>
+            </a:r>
+            <a:r>
+              <a:rPr lang="en-US" sz="1400" b="0" dirty="0">
+                <a:solidFill>
+                  <a:srgbClr val="BDBDBD"/>
+                </a:solidFill>
+                <a:effectLst/>
+                <a:latin typeface="Consolas" panose="020B0609020204030204" pitchFamily="49" charset="0"/>
+              </a:rPr>
+              <a:t>)</a:t>
+            </a:r>
+            <a:r>
+              <a:rPr lang="en-US" sz="1400" b="0" dirty="0">
+                <a:solidFill>
+                  <a:srgbClr val="E0E0E0"/>
+                </a:solidFill>
+                <a:effectLst/>
+                <a:latin typeface="Consolas" panose="020B0609020204030204" pitchFamily="49" charset="0"/>
+              </a:rPr>
+              <a:t>.</a:t>
+            </a:r>
+            <a:r>
+              <a:rPr lang="en-US" sz="1400" b="0" dirty="0">
+                <a:solidFill>
+                  <a:srgbClr val="81D4FA"/>
+                </a:solidFill>
+                <a:effectLst/>
+                <a:latin typeface="Consolas" panose="020B0609020204030204" pitchFamily="49" charset="0"/>
+              </a:rPr>
+              <a:t>As</a:t>
+            </a:r>
+            <a:r>
+              <a:rPr lang="en-US" sz="1400" b="0" dirty="0">
+                <a:solidFill>
+                  <a:srgbClr val="BDBDBD"/>
+                </a:solidFill>
+                <a:effectLst/>
+                <a:latin typeface="Consolas" panose="020B0609020204030204" pitchFamily="49" charset="0"/>
+              </a:rPr>
+              <a:t>&lt;</a:t>
+            </a:r>
+            <a:r>
+              <a:rPr lang="en-US" sz="1400" b="0" dirty="0" err="1">
+                <a:solidFill>
+                  <a:srgbClr val="81D4FA"/>
+                </a:solidFill>
+                <a:effectLst/>
+                <a:latin typeface="Consolas" panose="020B0609020204030204" pitchFamily="49" charset="0"/>
+              </a:rPr>
+              <a:t>TextWriter</a:t>
+            </a:r>
+            <a:r>
+              <a:rPr lang="en-US" sz="1400" b="0" dirty="0">
+                <a:solidFill>
+                  <a:srgbClr val="BDBDBD"/>
+                </a:solidFill>
+                <a:effectLst/>
+                <a:latin typeface="Consolas" panose="020B0609020204030204" pitchFamily="49" charset="0"/>
+              </a:rPr>
+              <a:t>&gt;();</a:t>
+            </a:r>
+          </a:p>
+          <a:p>
+            <a:pPr marL="0" indent="0">
+              <a:buNone/>
+            </a:pPr>
+            <a:br>
+              <a:rPr lang="en-US" sz="1400" b="0" dirty="0">
+                <a:solidFill>
+                  <a:srgbClr val="BDBDBD"/>
+                </a:solidFill>
+                <a:effectLst/>
+                <a:latin typeface="Consolas" panose="020B0609020204030204" pitchFamily="49" charset="0"/>
+              </a:rPr>
+            </a:br>
+            <a:r>
+              <a:rPr lang="en-US" sz="1400" b="0" dirty="0">
+                <a:solidFill>
+                  <a:srgbClr val="689F38"/>
+                </a:solidFill>
+                <a:effectLst/>
+                <a:latin typeface="Consolas" panose="020B0609020204030204" pitchFamily="49" charset="0"/>
+              </a:rPr>
+              <a:t>// Register expressions that execute to create objects...</a:t>
+            </a:r>
+            <a:endParaRPr lang="en-US" sz="1400" b="0" dirty="0">
+              <a:solidFill>
+                <a:srgbClr val="BDBDBD"/>
+              </a:solidFill>
+              <a:effectLst/>
+              <a:latin typeface="Consolas" panose="020B0609020204030204" pitchFamily="49" charset="0"/>
+            </a:endParaRPr>
+          </a:p>
+          <a:p>
+            <a:pPr marL="0" indent="0">
+              <a:buNone/>
+            </a:pPr>
+            <a:r>
+              <a:rPr lang="en-US" sz="1400" b="0" dirty="0" err="1">
+                <a:solidFill>
+                  <a:srgbClr val="81D4FA"/>
+                </a:solidFill>
+                <a:effectLst/>
+                <a:latin typeface="Consolas" panose="020B0609020204030204" pitchFamily="49" charset="0"/>
+              </a:rPr>
+              <a:t>builder</a:t>
+            </a:r>
+            <a:r>
+              <a:rPr lang="en-US" sz="1400" b="0" dirty="0" err="1">
+                <a:solidFill>
+                  <a:srgbClr val="E0E0E0"/>
+                </a:solidFill>
+                <a:effectLst/>
+                <a:latin typeface="Consolas" panose="020B0609020204030204" pitchFamily="49" charset="0"/>
+              </a:rPr>
+              <a:t>.</a:t>
+            </a:r>
+            <a:r>
+              <a:rPr lang="en-US" sz="1400" b="0" dirty="0" err="1">
+                <a:solidFill>
+                  <a:srgbClr val="81D4FA"/>
+                </a:solidFill>
+                <a:effectLst/>
+                <a:latin typeface="Consolas" panose="020B0609020204030204" pitchFamily="49" charset="0"/>
+              </a:rPr>
+              <a:t>Register</a:t>
+            </a:r>
+            <a:r>
+              <a:rPr lang="en-US" sz="1400" b="0" dirty="0">
+                <a:solidFill>
+                  <a:srgbClr val="BDBDBD"/>
+                </a:solidFill>
+                <a:effectLst/>
+                <a:latin typeface="Consolas" panose="020B0609020204030204" pitchFamily="49" charset="0"/>
+              </a:rPr>
+              <a:t>(</a:t>
+            </a:r>
+            <a:r>
+              <a:rPr lang="en-US" sz="1400" b="0" dirty="0">
+                <a:solidFill>
+                  <a:srgbClr val="81D4FA"/>
+                </a:solidFill>
+                <a:effectLst/>
+                <a:latin typeface="Consolas" panose="020B0609020204030204" pitchFamily="49" charset="0"/>
+              </a:rPr>
+              <a:t>c</a:t>
+            </a:r>
+            <a:r>
+              <a:rPr lang="en-US" sz="1400" b="0" dirty="0">
+                <a:solidFill>
+                  <a:srgbClr val="BDBDBD"/>
+                </a:solidFill>
+                <a:effectLst/>
+                <a:latin typeface="Consolas" panose="020B0609020204030204" pitchFamily="49" charset="0"/>
+              </a:rPr>
+              <a:t> </a:t>
+            </a:r>
+            <a:r>
+              <a:rPr lang="en-US" sz="1400" b="0" dirty="0">
+                <a:solidFill>
+                  <a:srgbClr val="E0E0E0"/>
+                </a:solidFill>
+                <a:effectLst/>
+                <a:latin typeface="Consolas" panose="020B0609020204030204" pitchFamily="49" charset="0"/>
+              </a:rPr>
+              <a:t>=&gt;</a:t>
+            </a:r>
+            <a:r>
+              <a:rPr lang="en-US" sz="1400" b="0" dirty="0">
+                <a:solidFill>
+                  <a:srgbClr val="BDBDBD"/>
+                </a:solidFill>
+                <a:effectLst/>
+                <a:latin typeface="Consolas" panose="020B0609020204030204" pitchFamily="49" charset="0"/>
+              </a:rPr>
+              <a:t> </a:t>
+            </a:r>
+            <a:r>
+              <a:rPr lang="en-US" sz="1400" b="0" dirty="0">
+                <a:solidFill>
+                  <a:srgbClr val="2196F3"/>
+                </a:solidFill>
+                <a:effectLst/>
+                <a:latin typeface="Consolas" panose="020B0609020204030204" pitchFamily="49" charset="0"/>
+              </a:rPr>
+              <a:t>new</a:t>
+            </a:r>
+            <a:r>
+              <a:rPr lang="en-US" sz="1400" b="0" dirty="0">
+                <a:solidFill>
+                  <a:srgbClr val="BDBDBD"/>
+                </a:solidFill>
+                <a:effectLst/>
+                <a:latin typeface="Consolas" panose="020B0609020204030204" pitchFamily="49" charset="0"/>
+              </a:rPr>
+              <a:t> </a:t>
+            </a:r>
+            <a:r>
+              <a:rPr lang="en-US" sz="1400" b="0" dirty="0" err="1">
+                <a:solidFill>
+                  <a:srgbClr val="81D4FA"/>
+                </a:solidFill>
+                <a:effectLst/>
+                <a:latin typeface="Consolas" panose="020B0609020204030204" pitchFamily="49" charset="0"/>
+              </a:rPr>
+              <a:t>ConfigReader</a:t>
+            </a:r>
+            <a:r>
+              <a:rPr lang="en-US" sz="1400" b="0" dirty="0">
+                <a:solidFill>
+                  <a:srgbClr val="BDBDBD"/>
+                </a:solidFill>
+                <a:effectLst/>
+                <a:latin typeface="Consolas" panose="020B0609020204030204" pitchFamily="49" charset="0"/>
+              </a:rPr>
+              <a:t>(</a:t>
+            </a:r>
+            <a:r>
+              <a:rPr lang="en-US" sz="1400" b="0" dirty="0">
+                <a:solidFill>
+                  <a:srgbClr val="FFAB91"/>
+                </a:solidFill>
+                <a:effectLst/>
+                <a:latin typeface="Consolas" panose="020B0609020204030204" pitchFamily="49" charset="0"/>
+              </a:rPr>
+              <a:t>"</a:t>
+            </a:r>
+            <a:r>
+              <a:rPr lang="en-US" sz="1400" b="0" dirty="0" err="1">
+                <a:solidFill>
+                  <a:srgbClr val="FFAB91"/>
+                </a:solidFill>
+                <a:effectLst/>
+                <a:latin typeface="Consolas" panose="020B0609020204030204" pitchFamily="49" charset="0"/>
+              </a:rPr>
+              <a:t>mysection</a:t>
+            </a:r>
+            <a:r>
+              <a:rPr lang="en-US" sz="1400" b="0" dirty="0">
+                <a:solidFill>
+                  <a:srgbClr val="FFAB91"/>
+                </a:solidFill>
+                <a:effectLst/>
+                <a:latin typeface="Consolas" panose="020B0609020204030204" pitchFamily="49" charset="0"/>
+              </a:rPr>
+              <a:t>"</a:t>
+            </a:r>
+            <a:r>
+              <a:rPr lang="en-US" sz="1400" b="0" dirty="0">
+                <a:solidFill>
+                  <a:srgbClr val="BDBDBD"/>
+                </a:solidFill>
+                <a:effectLst/>
+                <a:latin typeface="Consolas" panose="020B0609020204030204" pitchFamily="49" charset="0"/>
+              </a:rPr>
+              <a:t>))</a:t>
+            </a:r>
+            <a:r>
+              <a:rPr lang="en-US" sz="1400" b="0" dirty="0">
+                <a:solidFill>
+                  <a:srgbClr val="E0E0E0"/>
+                </a:solidFill>
+                <a:effectLst/>
+                <a:latin typeface="Consolas" panose="020B0609020204030204" pitchFamily="49" charset="0"/>
+              </a:rPr>
+              <a:t>.</a:t>
+            </a:r>
+            <a:r>
+              <a:rPr lang="en-US" sz="1400" b="0" dirty="0">
+                <a:solidFill>
+                  <a:srgbClr val="81D4FA"/>
+                </a:solidFill>
+                <a:effectLst/>
+                <a:latin typeface="Consolas" panose="020B0609020204030204" pitchFamily="49" charset="0"/>
+              </a:rPr>
+              <a:t>As</a:t>
+            </a:r>
+            <a:r>
+              <a:rPr lang="en-US" sz="1400" b="0" dirty="0">
+                <a:solidFill>
+                  <a:srgbClr val="BDBDBD"/>
+                </a:solidFill>
+                <a:effectLst/>
+                <a:latin typeface="Consolas" panose="020B0609020204030204" pitchFamily="49" charset="0"/>
+              </a:rPr>
+              <a:t>&lt;</a:t>
+            </a:r>
+            <a:r>
+              <a:rPr lang="en-US" sz="1400" b="0" dirty="0" err="1">
+                <a:solidFill>
+                  <a:srgbClr val="81D4FA"/>
+                </a:solidFill>
+                <a:effectLst/>
+                <a:latin typeface="Consolas" panose="020B0609020204030204" pitchFamily="49" charset="0"/>
+              </a:rPr>
+              <a:t>IConfigReader</a:t>
+            </a:r>
+            <a:r>
+              <a:rPr lang="en-US" sz="1400" b="0" dirty="0">
+                <a:solidFill>
+                  <a:srgbClr val="BDBDBD"/>
+                </a:solidFill>
+                <a:effectLst/>
+                <a:latin typeface="Consolas" panose="020B0609020204030204" pitchFamily="49" charset="0"/>
+              </a:rPr>
+              <a:t>&gt;();</a:t>
+            </a:r>
+          </a:p>
+        </p:txBody>
+      </p:sp>
+    </p:spTree>
+    <p:extLst>
+      <p:ext uri="{BB962C8B-B14F-4D97-AF65-F5344CB8AC3E}">
+        <p14:creationId xmlns:p14="http://schemas.microsoft.com/office/powerpoint/2010/main" val="1861097498"/>
+      </p:ext>
+    </p:extLst>
+  </p:cSld>
+  <p:clrMapOvr>
+    <a:masterClrMapping/>
+  </p:clrMapOvr>
+</p:sld>
+</file>
+
+<file path=ppt/slides/slide5.xml><?xml version="1.0" encoding="utf-8"?>
+<p:sld xmlns:a="http://schemas.openxmlformats.org/drawingml/2006/main" xmlns:r="http://schemas.openxmlformats.org/officeDocument/2006/relationships" xmlns:p="http://schemas.openxmlformats.org/presentationml/2006/main">
+  <p:cSld>
+    <p:spTree>
+      <p:nvGrpSpPr>
+        <p:cNvPr id="1" name=""/>
+        <p:cNvGrpSpPr/>
+        <p:nvPr/>
+      </p:nvGrpSpPr>
+      <p:grpSpPr>
+        <a:xfrm>
+          <a:off x="0" y="0"/>
+          <a:ext cx="0" cy="0"/>
+          <a:chOff x="0" y="0"/>
+          <a:chExt cx="0" cy="0"/>
+        </a:xfrm>
+      </p:grpSpPr>
+      <p:sp>
+        <p:nvSpPr>
+          <p:cNvPr id="5" name="Title 4">
+            <a:extLst>
+              <a:ext uri="{FF2B5EF4-FFF2-40B4-BE49-F238E27FC236}">
+                <a16:creationId xmlns:a16="http://schemas.microsoft.com/office/drawing/2014/main" id="{F4673F5B-AADC-4BED-859C-530EBEA568B8}"/>
+              </a:ext>
+            </a:extLst>
+          </p:cNvPr>
+          <p:cNvSpPr>
+            <a:spLocks noGrp="1"/>
+          </p:cNvSpPr>
+          <p:nvPr>
+            <p:ph type="title"/>
+          </p:nvPr>
+        </p:nvSpPr>
+        <p:spPr/>
+        <p:txBody>
+          <a:bodyPr/>
+          <a:lstStyle/>
+          <a:p>
+            <a:r>
+              <a:rPr lang="en-US" sz="3600" b="1" dirty="0"/>
+              <a:t>Service lifetimes</a:t>
+            </a:r>
+            <a:endParaRPr lang="en-US" dirty="0"/>
+          </a:p>
+        </p:txBody>
+      </p:sp>
+      <p:sp>
+        <p:nvSpPr>
+          <p:cNvPr id="6" name="Text Placeholder 5">
+            <a:extLst>
+              <a:ext uri="{FF2B5EF4-FFF2-40B4-BE49-F238E27FC236}">
+                <a16:creationId xmlns:a16="http://schemas.microsoft.com/office/drawing/2014/main" id="{A1206317-B33C-42E7-94BE-34E9AEC2E39C}"/>
+              </a:ext>
+            </a:extLst>
+          </p:cNvPr>
+          <p:cNvSpPr>
+            <a:spLocks noGrp="1"/>
+          </p:cNvSpPr>
+          <p:nvPr>
+            <p:ph type="body" idx="1"/>
+          </p:nvPr>
+        </p:nvSpPr>
+        <p:spPr/>
+        <p:txBody>
+          <a:bodyPr/>
+          <a:lstStyle/>
+          <a:p>
+            <a:r>
+              <a:rPr lang="en-US" dirty="0"/>
+              <a:t>Microsoft DI</a:t>
+            </a:r>
+          </a:p>
+        </p:txBody>
+      </p:sp>
+      <p:sp>
+        <p:nvSpPr>
+          <p:cNvPr id="7" name="Content Placeholder 6">
+            <a:extLst>
+              <a:ext uri="{FF2B5EF4-FFF2-40B4-BE49-F238E27FC236}">
+                <a16:creationId xmlns:a16="http://schemas.microsoft.com/office/drawing/2014/main" id="{C19E30EC-6E7C-4C9E-8946-B95757FF962C}"/>
+              </a:ext>
+            </a:extLst>
+          </p:cNvPr>
+          <p:cNvSpPr>
+            <a:spLocks noGrp="1"/>
+          </p:cNvSpPr>
+          <p:nvPr>
+            <p:ph sz="half" idx="2"/>
+          </p:nvPr>
+        </p:nvSpPr>
+        <p:spPr>
+          <a:xfrm>
+            <a:off x="680322" y="3030008"/>
+            <a:ext cx="4698355" cy="3443527"/>
+          </a:xfrm>
+          <a:solidFill>
+            <a:schemeClr val="bg1">
+              <a:lumMod val="85000"/>
+              <a:lumOff val="15000"/>
+            </a:schemeClr>
+          </a:solidFill>
+        </p:spPr>
+        <p:txBody>
+          <a:bodyPr>
+            <a:normAutofit fontScale="92500" lnSpcReduction="10000"/>
+          </a:bodyPr>
+          <a:lstStyle/>
+          <a:p>
+            <a:pPr marL="0" indent="0">
+              <a:buNone/>
+            </a:pPr>
+            <a:r>
+              <a:rPr lang="en-US" sz="1800" b="0" dirty="0" err="1">
+                <a:solidFill>
+                  <a:srgbClr val="81D4FA"/>
+                </a:solidFill>
+                <a:effectLst/>
+                <a:latin typeface="Consolas" panose="020B0609020204030204" pitchFamily="49" charset="0"/>
+              </a:rPr>
+              <a:t>builder</a:t>
+            </a:r>
+            <a:r>
+              <a:rPr lang="en-US" sz="1800" b="0" dirty="0" err="1">
+                <a:solidFill>
+                  <a:srgbClr val="BDBDBD"/>
+                </a:solidFill>
+                <a:effectLst/>
+                <a:latin typeface="Consolas" panose="020B0609020204030204" pitchFamily="49" charset="0"/>
+              </a:rPr>
+              <a:t>.</a:t>
+            </a:r>
+            <a:r>
+              <a:rPr lang="en-US" sz="1800" b="0" dirty="0" err="1">
+                <a:solidFill>
+                  <a:srgbClr val="81D4FA"/>
+                </a:solidFill>
+                <a:effectLst/>
+                <a:latin typeface="Consolas" panose="020B0609020204030204" pitchFamily="49" charset="0"/>
+              </a:rPr>
+              <a:t>Services</a:t>
+            </a:r>
+            <a:endParaRPr lang="en-US" sz="1800" b="0" dirty="0">
+              <a:solidFill>
+                <a:srgbClr val="81D4FA"/>
+              </a:solidFill>
+              <a:effectLst/>
+              <a:latin typeface="Consolas" panose="020B0609020204030204" pitchFamily="49" charset="0"/>
+            </a:endParaRPr>
+          </a:p>
+          <a:p>
+            <a:pPr marL="0" indent="0">
+              <a:buNone/>
+            </a:pPr>
+            <a:r>
+              <a:rPr lang="en-US" sz="1800" b="0" dirty="0">
+                <a:solidFill>
+                  <a:srgbClr val="81D4FA"/>
+                </a:solidFill>
+                <a:effectLst/>
+                <a:latin typeface="Consolas" panose="020B0609020204030204" pitchFamily="49" charset="0"/>
+              </a:rPr>
+              <a:t>       </a:t>
+            </a:r>
+            <a:r>
+              <a:rPr lang="en-US" sz="1800" b="0" dirty="0">
+                <a:solidFill>
+                  <a:srgbClr val="BDBDBD"/>
+                </a:solidFill>
+                <a:effectLst/>
+                <a:latin typeface="Consolas" panose="020B0609020204030204" pitchFamily="49" charset="0"/>
+              </a:rPr>
+              <a:t>.</a:t>
+            </a:r>
+            <a:r>
+              <a:rPr lang="en-US" sz="1800" b="0" dirty="0" err="1">
+                <a:solidFill>
+                  <a:srgbClr val="F0F4C3"/>
+                </a:solidFill>
+                <a:effectLst/>
+                <a:latin typeface="Consolas" panose="020B0609020204030204" pitchFamily="49" charset="0"/>
+              </a:rPr>
+              <a:t>AddScoped</a:t>
+            </a:r>
+            <a:r>
+              <a:rPr lang="en-US" sz="1800" b="0" dirty="0">
+                <a:solidFill>
+                  <a:srgbClr val="BDBDBD"/>
+                </a:solidFill>
+                <a:effectLst/>
+                <a:latin typeface="Consolas" panose="020B0609020204030204" pitchFamily="49" charset="0"/>
+              </a:rPr>
+              <a:t>&lt;</a:t>
+            </a:r>
+            <a:r>
+              <a:rPr lang="en-US" sz="1800" b="0" dirty="0" err="1">
+                <a:solidFill>
+                  <a:srgbClr val="4DB6AC"/>
+                </a:solidFill>
+                <a:effectLst/>
+                <a:latin typeface="Consolas" panose="020B0609020204030204" pitchFamily="49" charset="0"/>
+              </a:rPr>
+              <a:t>IMyDependency</a:t>
+            </a:r>
+            <a:r>
+              <a:rPr lang="en-US" sz="1800" b="0" dirty="0">
+                <a:solidFill>
+                  <a:srgbClr val="BDBDBD"/>
+                </a:solidFill>
+                <a:effectLst/>
+                <a:latin typeface="Consolas" panose="020B0609020204030204" pitchFamily="49" charset="0"/>
+              </a:rPr>
+              <a:t>, 		    </a:t>
+            </a:r>
+            <a:r>
+              <a:rPr lang="en-US" sz="1800" b="0" dirty="0" err="1">
+                <a:solidFill>
+                  <a:srgbClr val="4DB6AC"/>
+                </a:solidFill>
+                <a:effectLst/>
+                <a:latin typeface="Consolas" panose="020B0609020204030204" pitchFamily="49" charset="0"/>
+              </a:rPr>
+              <a:t>MyDependency</a:t>
+            </a:r>
+            <a:r>
+              <a:rPr lang="en-US" sz="1800" b="0" dirty="0">
+                <a:solidFill>
+                  <a:srgbClr val="BDBDBD"/>
+                </a:solidFill>
+                <a:effectLst/>
+                <a:latin typeface="Consolas" panose="020B0609020204030204" pitchFamily="49" charset="0"/>
+              </a:rPr>
+              <a:t>&gt;();</a:t>
+            </a:r>
+          </a:p>
+          <a:p>
+            <a:endParaRPr lang="en-US" dirty="0"/>
+          </a:p>
+        </p:txBody>
+      </p:sp>
+      <p:sp>
+        <p:nvSpPr>
+          <p:cNvPr id="8" name="Text Placeholder 7">
+            <a:extLst>
+              <a:ext uri="{FF2B5EF4-FFF2-40B4-BE49-F238E27FC236}">
+                <a16:creationId xmlns:a16="http://schemas.microsoft.com/office/drawing/2014/main" id="{239372C0-CC99-466D-9E26-29DA1A617331}"/>
+              </a:ext>
+            </a:extLst>
+          </p:cNvPr>
+          <p:cNvSpPr>
+            <a:spLocks noGrp="1"/>
+          </p:cNvSpPr>
+          <p:nvPr>
+            <p:ph type="body" sz="quarter" idx="3"/>
+          </p:nvPr>
+        </p:nvSpPr>
+        <p:spPr/>
+        <p:txBody>
+          <a:bodyPr/>
+          <a:lstStyle/>
+          <a:p>
+            <a:r>
+              <a:rPr lang="en-US" dirty="0" err="1"/>
+              <a:t>Autofac</a:t>
+            </a:r>
+            <a:endParaRPr lang="en-US" dirty="0"/>
+          </a:p>
+        </p:txBody>
+      </p:sp>
+      <p:sp>
+        <p:nvSpPr>
+          <p:cNvPr id="11" name="Rectangle 2">
+            <a:extLst>
+              <a:ext uri="{FF2B5EF4-FFF2-40B4-BE49-F238E27FC236}">
+                <a16:creationId xmlns:a16="http://schemas.microsoft.com/office/drawing/2014/main" id="{6BEFB1AB-8AD3-4B14-B958-63C5CC53D2D6}"/>
+              </a:ext>
+            </a:extLst>
+          </p:cNvPr>
+          <p:cNvSpPr>
+            <a:spLocks noGrp="1" noChangeArrowheads="1"/>
+          </p:cNvSpPr>
+          <p:nvPr>
+            <p:ph sz="quarter" idx="4"/>
+          </p:nvPr>
+        </p:nvSpPr>
+        <p:spPr bwMode="auto">
+          <a:xfrm>
+            <a:off x="5594123" y="3028948"/>
+            <a:ext cx="5917555" cy="3444587"/>
+          </a:xfrm>
+          <a:prstGeom prst="rect">
+            <a:avLst/>
+          </a:prstGeom>
+          <a:solidFill>
+            <a:schemeClr val="bg1">
+              <a:lumMod val="85000"/>
+              <a:lumOff val="15000"/>
+            </a:schemeClr>
+          </a:solidFill>
+        </p:spPr>
+        <p:txBody>
+          <a:bodyPr vert="horz" lIns="91440" tIns="45720" rIns="91440" bIns="45720" rtlCol="0">
+            <a:normAutofit fontScale="92500" lnSpcReduction="10000"/>
+          </a:bodyPr>
+          <a:lstStyle/>
+          <a:p>
+            <a:pPr marL="0" indent="0">
+              <a:buNone/>
+            </a:pPr>
+            <a:r>
+              <a:rPr lang="en-US" sz="1400" b="0" dirty="0">
+                <a:solidFill>
+                  <a:srgbClr val="689F38"/>
+                </a:solidFill>
+                <a:effectLst/>
+                <a:latin typeface="Consolas" panose="020B0609020204030204" pitchFamily="49" charset="0"/>
+              </a:rPr>
+              <a:t>// Create the builder with which components/services are registered.</a:t>
+            </a:r>
+            <a:endParaRPr lang="en-US" sz="1400" b="0" dirty="0">
+              <a:solidFill>
+                <a:srgbClr val="BDBDBD"/>
+              </a:solidFill>
+              <a:effectLst/>
+              <a:latin typeface="Consolas" panose="020B0609020204030204" pitchFamily="49" charset="0"/>
+            </a:endParaRPr>
+          </a:p>
+          <a:p>
+            <a:pPr marL="0" indent="0">
+              <a:buNone/>
+            </a:pPr>
+            <a:r>
+              <a:rPr lang="en-US" sz="1400" b="0" dirty="0">
+                <a:solidFill>
+                  <a:srgbClr val="2196F3"/>
+                </a:solidFill>
+                <a:effectLst/>
+                <a:latin typeface="Consolas" panose="020B0609020204030204" pitchFamily="49" charset="0"/>
+              </a:rPr>
+              <a:t>var</a:t>
+            </a:r>
+            <a:r>
+              <a:rPr lang="en-US" sz="1400" b="0" dirty="0">
+                <a:solidFill>
+                  <a:srgbClr val="BDBDBD"/>
+                </a:solidFill>
+                <a:effectLst/>
+                <a:latin typeface="Consolas" panose="020B0609020204030204" pitchFamily="49" charset="0"/>
+              </a:rPr>
+              <a:t> </a:t>
+            </a:r>
+            <a:r>
+              <a:rPr lang="en-US" sz="1400" b="0" dirty="0">
+                <a:solidFill>
+                  <a:srgbClr val="81D4FA"/>
+                </a:solidFill>
+                <a:effectLst/>
+                <a:latin typeface="Consolas" panose="020B0609020204030204" pitchFamily="49" charset="0"/>
+              </a:rPr>
+              <a:t>builder</a:t>
+            </a:r>
+            <a:r>
+              <a:rPr lang="en-US" sz="1400" b="0" dirty="0">
+                <a:solidFill>
+                  <a:srgbClr val="BDBDBD"/>
+                </a:solidFill>
+                <a:effectLst/>
+                <a:latin typeface="Consolas" panose="020B0609020204030204" pitchFamily="49" charset="0"/>
+              </a:rPr>
+              <a:t> </a:t>
+            </a:r>
+            <a:r>
+              <a:rPr lang="en-US" sz="1400" b="0" dirty="0">
+                <a:solidFill>
+                  <a:srgbClr val="E0E0E0"/>
+                </a:solidFill>
+                <a:effectLst/>
+                <a:latin typeface="Consolas" panose="020B0609020204030204" pitchFamily="49" charset="0"/>
+              </a:rPr>
+              <a:t>=</a:t>
+            </a:r>
+            <a:r>
+              <a:rPr lang="en-US" sz="1400" b="0" dirty="0">
+                <a:solidFill>
+                  <a:srgbClr val="BDBDBD"/>
+                </a:solidFill>
+                <a:effectLst/>
+                <a:latin typeface="Consolas" panose="020B0609020204030204" pitchFamily="49" charset="0"/>
+              </a:rPr>
+              <a:t> </a:t>
+            </a:r>
+            <a:r>
+              <a:rPr lang="en-US" sz="1400" b="0" dirty="0">
+                <a:solidFill>
+                  <a:srgbClr val="2196F3"/>
+                </a:solidFill>
+                <a:effectLst/>
+                <a:latin typeface="Consolas" panose="020B0609020204030204" pitchFamily="49" charset="0"/>
+              </a:rPr>
+              <a:t>new</a:t>
+            </a:r>
+            <a:r>
+              <a:rPr lang="en-US" sz="1400" b="0" dirty="0">
+                <a:solidFill>
+                  <a:srgbClr val="BDBDBD"/>
+                </a:solidFill>
+                <a:effectLst/>
+                <a:latin typeface="Consolas" panose="020B0609020204030204" pitchFamily="49" charset="0"/>
+              </a:rPr>
+              <a:t> </a:t>
+            </a:r>
+            <a:r>
+              <a:rPr lang="en-US" sz="1400" b="0" dirty="0" err="1">
+                <a:solidFill>
+                  <a:srgbClr val="81D4FA"/>
+                </a:solidFill>
+                <a:effectLst/>
+                <a:latin typeface="Consolas" panose="020B0609020204030204" pitchFamily="49" charset="0"/>
+              </a:rPr>
+              <a:t>ContainerBuilder</a:t>
+            </a:r>
+            <a:r>
+              <a:rPr lang="en-US" sz="1400" b="0" dirty="0">
+                <a:solidFill>
+                  <a:srgbClr val="BDBDBD"/>
+                </a:solidFill>
+                <a:effectLst/>
+                <a:latin typeface="Consolas" panose="020B0609020204030204" pitchFamily="49" charset="0"/>
+              </a:rPr>
+              <a:t>();</a:t>
+            </a:r>
+          </a:p>
+          <a:p>
+            <a:pPr marL="0" indent="0">
+              <a:buNone/>
+            </a:pPr>
+            <a:br>
+              <a:rPr lang="en-US" sz="1400" b="0" dirty="0">
+                <a:solidFill>
+                  <a:srgbClr val="BDBDBD"/>
+                </a:solidFill>
+                <a:effectLst/>
+                <a:latin typeface="Consolas" panose="020B0609020204030204" pitchFamily="49" charset="0"/>
+              </a:rPr>
+            </a:br>
+            <a:r>
+              <a:rPr lang="en-US" sz="1400" b="0" dirty="0">
+                <a:solidFill>
+                  <a:srgbClr val="689F38"/>
+                </a:solidFill>
+                <a:effectLst/>
+                <a:latin typeface="Consolas" panose="020B0609020204030204" pitchFamily="49" charset="0"/>
+              </a:rPr>
+              <a:t>// Register types that expose interfaces...</a:t>
+            </a:r>
+            <a:endParaRPr lang="en-US" sz="1400" b="0" dirty="0">
+              <a:solidFill>
+                <a:srgbClr val="BDBDBD"/>
+              </a:solidFill>
+              <a:effectLst/>
+              <a:latin typeface="Consolas" panose="020B0609020204030204" pitchFamily="49" charset="0"/>
+            </a:endParaRPr>
+          </a:p>
+          <a:p>
+            <a:pPr marL="0" indent="0">
+              <a:buNone/>
+            </a:pPr>
+            <a:r>
+              <a:rPr lang="en-US" sz="1400" b="0" dirty="0" err="1">
+                <a:solidFill>
+                  <a:srgbClr val="81D4FA"/>
+                </a:solidFill>
+                <a:effectLst/>
+                <a:latin typeface="Consolas" panose="020B0609020204030204" pitchFamily="49" charset="0"/>
+              </a:rPr>
+              <a:t>builder</a:t>
+            </a:r>
+            <a:r>
+              <a:rPr lang="en-US" sz="1400" b="0" dirty="0" err="1">
+                <a:solidFill>
+                  <a:srgbClr val="E0E0E0"/>
+                </a:solidFill>
+                <a:effectLst/>
+                <a:latin typeface="Consolas" panose="020B0609020204030204" pitchFamily="49" charset="0"/>
+              </a:rPr>
+              <a:t>.</a:t>
+            </a:r>
+            <a:r>
+              <a:rPr lang="en-US" sz="1400" b="0" dirty="0" err="1">
+                <a:solidFill>
+                  <a:srgbClr val="81D4FA"/>
+                </a:solidFill>
+                <a:effectLst/>
+                <a:latin typeface="Consolas" panose="020B0609020204030204" pitchFamily="49" charset="0"/>
+              </a:rPr>
+              <a:t>RegisterType</a:t>
+            </a:r>
+            <a:r>
+              <a:rPr lang="en-US" sz="1400" b="0" dirty="0">
+                <a:solidFill>
+                  <a:srgbClr val="BDBDBD"/>
+                </a:solidFill>
+                <a:effectLst/>
+                <a:latin typeface="Consolas" panose="020B0609020204030204" pitchFamily="49" charset="0"/>
+              </a:rPr>
+              <a:t>&lt;</a:t>
+            </a:r>
+            <a:r>
+              <a:rPr lang="en-US" sz="1400" b="0" dirty="0" err="1">
+                <a:solidFill>
+                  <a:srgbClr val="81D4FA"/>
+                </a:solidFill>
+                <a:effectLst/>
+                <a:latin typeface="Consolas" panose="020B0609020204030204" pitchFamily="49" charset="0"/>
+              </a:rPr>
+              <a:t>ConsoleLogger</a:t>
+            </a:r>
+            <a:r>
+              <a:rPr lang="en-US" sz="1400" b="0" dirty="0">
+                <a:solidFill>
+                  <a:srgbClr val="BDBDBD"/>
+                </a:solidFill>
+                <a:effectLst/>
+                <a:latin typeface="Consolas" panose="020B0609020204030204" pitchFamily="49" charset="0"/>
+              </a:rPr>
+              <a:t>&gt;()</a:t>
+            </a:r>
+            <a:r>
+              <a:rPr lang="en-US" sz="1400" b="0" dirty="0">
+                <a:solidFill>
+                  <a:srgbClr val="E0E0E0"/>
+                </a:solidFill>
+                <a:effectLst/>
+                <a:latin typeface="Consolas" panose="020B0609020204030204" pitchFamily="49" charset="0"/>
+              </a:rPr>
+              <a:t>.</a:t>
+            </a:r>
+            <a:r>
+              <a:rPr lang="en-US" sz="1400" b="0" dirty="0">
+                <a:solidFill>
+                  <a:srgbClr val="81D4FA"/>
+                </a:solidFill>
+                <a:effectLst/>
+                <a:latin typeface="Consolas" panose="020B0609020204030204" pitchFamily="49" charset="0"/>
+              </a:rPr>
+              <a:t>As</a:t>
+            </a:r>
+            <a:r>
+              <a:rPr lang="en-US" sz="1400" b="0" dirty="0">
+                <a:solidFill>
+                  <a:srgbClr val="BDBDBD"/>
+                </a:solidFill>
+                <a:effectLst/>
+                <a:latin typeface="Consolas" panose="020B0609020204030204" pitchFamily="49" charset="0"/>
+              </a:rPr>
+              <a:t>&lt;</a:t>
+            </a:r>
+            <a:r>
+              <a:rPr lang="en-US" sz="1400" b="0" dirty="0" err="1">
+                <a:solidFill>
+                  <a:srgbClr val="81D4FA"/>
+                </a:solidFill>
+                <a:effectLst/>
+                <a:latin typeface="Consolas" panose="020B0609020204030204" pitchFamily="49" charset="0"/>
+              </a:rPr>
+              <a:t>ILogger</a:t>
+            </a:r>
+            <a:r>
+              <a:rPr lang="en-US" sz="1400" b="0" dirty="0">
+                <a:solidFill>
+                  <a:srgbClr val="BDBDBD"/>
+                </a:solidFill>
+                <a:effectLst/>
+                <a:latin typeface="Consolas" panose="020B0609020204030204" pitchFamily="49" charset="0"/>
+              </a:rPr>
+              <a:t>&gt;();</a:t>
+            </a:r>
+          </a:p>
+          <a:p>
+            <a:pPr marL="0" indent="0">
+              <a:buNone/>
+            </a:pPr>
+            <a:br>
+              <a:rPr lang="en-US" sz="1400" b="0" dirty="0">
+                <a:solidFill>
+                  <a:srgbClr val="BDBDBD"/>
+                </a:solidFill>
+                <a:effectLst/>
+                <a:latin typeface="Consolas" panose="020B0609020204030204" pitchFamily="49" charset="0"/>
+              </a:rPr>
+            </a:br>
+            <a:r>
+              <a:rPr lang="en-US" sz="1400" b="0" dirty="0">
+                <a:solidFill>
+                  <a:srgbClr val="689F38"/>
+                </a:solidFill>
+                <a:effectLst/>
+                <a:latin typeface="Consolas" panose="020B0609020204030204" pitchFamily="49" charset="0"/>
+              </a:rPr>
+              <a:t>// Register instances of objects you create...</a:t>
+            </a:r>
+            <a:endParaRPr lang="en-US" sz="1400" b="0" dirty="0">
+              <a:solidFill>
+                <a:srgbClr val="BDBDBD"/>
+              </a:solidFill>
+              <a:effectLst/>
+              <a:latin typeface="Consolas" panose="020B0609020204030204" pitchFamily="49" charset="0"/>
+            </a:endParaRPr>
+          </a:p>
+          <a:p>
+            <a:pPr marL="0" indent="0">
+              <a:buNone/>
+            </a:pPr>
+            <a:r>
+              <a:rPr lang="en-US" sz="1400" b="0" dirty="0">
+                <a:solidFill>
+                  <a:srgbClr val="2196F3"/>
+                </a:solidFill>
+                <a:effectLst/>
+                <a:latin typeface="Consolas" panose="020B0609020204030204" pitchFamily="49" charset="0"/>
+              </a:rPr>
+              <a:t>var</a:t>
+            </a:r>
+            <a:r>
+              <a:rPr lang="en-US" sz="1400" b="0" dirty="0">
+                <a:solidFill>
+                  <a:srgbClr val="BDBDBD"/>
+                </a:solidFill>
+                <a:effectLst/>
+                <a:latin typeface="Consolas" panose="020B0609020204030204" pitchFamily="49" charset="0"/>
+              </a:rPr>
+              <a:t> </a:t>
+            </a:r>
+            <a:r>
+              <a:rPr lang="en-US" sz="1400" b="0" dirty="0">
+                <a:solidFill>
+                  <a:srgbClr val="81D4FA"/>
+                </a:solidFill>
+                <a:effectLst/>
+                <a:latin typeface="Consolas" panose="020B0609020204030204" pitchFamily="49" charset="0"/>
+              </a:rPr>
+              <a:t>output</a:t>
+            </a:r>
+            <a:r>
+              <a:rPr lang="en-US" sz="1400" b="0" dirty="0">
+                <a:solidFill>
+                  <a:srgbClr val="BDBDBD"/>
+                </a:solidFill>
+                <a:effectLst/>
+                <a:latin typeface="Consolas" panose="020B0609020204030204" pitchFamily="49" charset="0"/>
+              </a:rPr>
+              <a:t> </a:t>
+            </a:r>
+            <a:r>
+              <a:rPr lang="en-US" sz="1400" b="0" dirty="0">
+                <a:solidFill>
+                  <a:srgbClr val="E0E0E0"/>
+                </a:solidFill>
+                <a:effectLst/>
+                <a:latin typeface="Consolas" panose="020B0609020204030204" pitchFamily="49" charset="0"/>
+              </a:rPr>
+              <a:t>=</a:t>
+            </a:r>
+            <a:r>
+              <a:rPr lang="en-US" sz="1400" b="0" dirty="0">
+                <a:solidFill>
+                  <a:srgbClr val="BDBDBD"/>
+                </a:solidFill>
+                <a:effectLst/>
+                <a:latin typeface="Consolas" panose="020B0609020204030204" pitchFamily="49" charset="0"/>
+              </a:rPr>
+              <a:t> </a:t>
+            </a:r>
+            <a:r>
+              <a:rPr lang="en-US" sz="1400" b="0" dirty="0">
+                <a:solidFill>
+                  <a:srgbClr val="2196F3"/>
+                </a:solidFill>
+                <a:effectLst/>
+                <a:latin typeface="Consolas" panose="020B0609020204030204" pitchFamily="49" charset="0"/>
+              </a:rPr>
+              <a:t>new</a:t>
+            </a:r>
+            <a:r>
+              <a:rPr lang="en-US" sz="1400" b="0" dirty="0">
+                <a:solidFill>
+                  <a:srgbClr val="BDBDBD"/>
+                </a:solidFill>
+                <a:effectLst/>
+                <a:latin typeface="Consolas" panose="020B0609020204030204" pitchFamily="49" charset="0"/>
+              </a:rPr>
+              <a:t> </a:t>
+            </a:r>
+            <a:r>
+              <a:rPr lang="en-US" sz="1400" b="0" dirty="0" err="1">
+                <a:solidFill>
+                  <a:srgbClr val="81D4FA"/>
+                </a:solidFill>
+                <a:effectLst/>
+                <a:latin typeface="Consolas" panose="020B0609020204030204" pitchFamily="49" charset="0"/>
+              </a:rPr>
+              <a:t>StringWriter</a:t>
+            </a:r>
+            <a:r>
+              <a:rPr lang="en-US" sz="1400" b="0" dirty="0">
+                <a:solidFill>
+                  <a:srgbClr val="BDBDBD"/>
+                </a:solidFill>
+                <a:effectLst/>
+                <a:latin typeface="Consolas" panose="020B0609020204030204" pitchFamily="49" charset="0"/>
+              </a:rPr>
+              <a:t>();</a:t>
+            </a:r>
+          </a:p>
+          <a:p>
+            <a:pPr marL="0" indent="0">
+              <a:buNone/>
+            </a:pPr>
+            <a:r>
+              <a:rPr lang="en-US" sz="1400" b="0" dirty="0" err="1">
+                <a:solidFill>
+                  <a:srgbClr val="81D4FA"/>
+                </a:solidFill>
+                <a:effectLst/>
+                <a:latin typeface="Consolas" panose="020B0609020204030204" pitchFamily="49" charset="0"/>
+              </a:rPr>
+              <a:t>builder</a:t>
+            </a:r>
+            <a:r>
+              <a:rPr lang="en-US" sz="1400" b="0" dirty="0" err="1">
+                <a:solidFill>
+                  <a:srgbClr val="E0E0E0"/>
+                </a:solidFill>
+                <a:effectLst/>
+                <a:latin typeface="Consolas" panose="020B0609020204030204" pitchFamily="49" charset="0"/>
+              </a:rPr>
+              <a:t>.</a:t>
+            </a:r>
+            <a:r>
+              <a:rPr lang="en-US" sz="1400" b="0" dirty="0" err="1">
+                <a:solidFill>
+                  <a:srgbClr val="81D4FA"/>
+                </a:solidFill>
+                <a:effectLst/>
+                <a:latin typeface="Consolas" panose="020B0609020204030204" pitchFamily="49" charset="0"/>
+              </a:rPr>
+              <a:t>RegisterInstance</a:t>
+            </a:r>
+            <a:r>
+              <a:rPr lang="en-US" sz="1400" b="0" dirty="0">
+                <a:solidFill>
+                  <a:srgbClr val="BDBDBD"/>
+                </a:solidFill>
+                <a:effectLst/>
+                <a:latin typeface="Consolas" panose="020B0609020204030204" pitchFamily="49" charset="0"/>
+              </a:rPr>
+              <a:t>(</a:t>
+            </a:r>
+            <a:r>
+              <a:rPr lang="en-US" sz="1400" b="0" dirty="0">
+                <a:solidFill>
+                  <a:srgbClr val="81D4FA"/>
+                </a:solidFill>
+                <a:effectLst/>
+                <a:latin typeface="Consolas" panose="020B0609020204030204" pitchFamily="49" charset="0"/>
+              </a:rPr>
+              <a:t>output</a:t>
+            </a:r>
+            <a:r>
+              <a:rPr lang="en-US" sz="1400" b="0" dirty="0">
+                <a:solidFill>
+                  <a:srgbClr val="BDBDBD"/>
+                </a:solidFill>
+                <a:effectLst/>
+                <a:latin typeface="Consolas" panose="020B0609020204030204" pitchFamily="49" charset="0"/>
+              </a:rPr>
+              <a:t>)</a:t>
+            </a:r>
+            <a:r>
+              <a:rPr lang="en-US" sz="1400" b="0" dirty="0">
+                <a:solidFill>
+                  <a:srgbClr val="E0E0E0"/>
+                </a:solidFill>
+                <a:effectLst/>
+                <a:latin typeface="Consolas" panose="020B0609020204030204" pitchFamily="49" charset="0"/>
+              </a:rPr>
+              <a:t>.</a:t>
+            </a:r>
+            <a:r>
+              <a:rPr lang="en-US" sz="1400" b="0" dirty="0">
+                <a:solidFill>
+                  <a:srgbClr val="81D4FA"/>
+                </a:solidFill>
+                <a:effectLst/>
+                <a:latin typeface="Consolas" panose="020B0609020204030204" pitchFamily="49" charset="0"/>
+              </a:rPr>
+              <a:t>As</a:t>
+            </a:r>
+            <a:r>
+              <a:rPr lang="en-US" sz="1400" b="0" dirty="0">
+                <a:solidFill>
+                  <a:srgbClr val="BDBDBD"/>
+                </a:solidFill>
+                <a:effectLst/>
+                <a:latin typeface="Consolas" panose="020B0609020204030204" pitchFamily="49" charset="0"/>
+              </a:rPr>
+              <a:t>&lt;</a:t>
+            </a:r>
+            <a:r>
+              <a:rPr lang="en-US" sz="1400" b="0" dirty="0" err="1">
+                <a:solidFill>
+                  <a:srgbClr val="81D4FA"/>
+                </a:solidFill>
+                <a:effectLst/>
+                <a:latin typeface="Consolas" panose="020B0609020204030204" pitchFamily="49" charset="0"/>
+              </a:rPr>
+              <a:t>TextWriter</a:t>
+            </a:r>
+            <a:r>
+              <a:rPr lang="en-US" sz="1400" b="0" dirty="0">
+                <a:solidFill>
+                  <a:srgbClr val="BDBDBD"/>
+                </a:solidFill>
+                <a:effectLst/>
+                <a:latin typeface="Consolas" panose="020B0609020204030204" pitchFamily="49" charset="0"/>
+              </a:rPr>
+              <a:t>&gt;();</a:t>
+            </a:r>
+          </a:p>
+          <a:p>
+            <a:pPr marL="0" indent="0">
+              <a:buNone/>
+            </a:pPr>
+            <a:br>
+              <a:rPr lang="en-US" sz="1400" b="0" dirty="0">
+                <a:solidFill>
+                  <a:srgbClr val="BDBDBD"/>
+                </a:solidFill>
+                <a:effectLst/>
+                <a:latin typeface="Consolas" panose="020B0609020204030204" pitchFamily="49" charset="0"/>
+              </a:rPr>
+            </a:br>
+            <a:r>
+              <a:rPr lang="en-US" sz="1400" b="0" dirty="0">
+                <a:solidFill>
+                  <a:srgbClr val="689F38"/>
+                </a:solidFill>
+                <a:effectLst/>
+                <a:latin typeface="Consolas" panose="020B0609020204030204" pitchFamily="49" charset="0"/>
+              </a:rPr>
+              <a:t>// Register expressions that execute to create objects...</a:t>
+            </a:r>
+            <a:endParaRPr lang="en-US" sz="1400" b="0" dirty="0">
+              <a:solidFill>
+                <a:srgbClr val="BDBDBD"/>
+              </a:solidFill>
+              <a:effectLst/>
+              <a:latin typeface="Consolas" panose="020B0609020204030204" pitchFamily="49" charset="0"/>
+            </a:endParaRPr>
+          </a:p>
+          <a:p>
+            <a:pPr marL="0" indent="0">
+              <a:buNone/>
+            </a:pPr>
+            <a:r>
+              <a:rPr lang="en-US" sz="1400" b="0" dirty="0" err="1">
+                <a:solidFill>
+                  <a:srgbClr val="81D4FA"/>
+                </a:solidFill>
+                <a:effectLst/>
+                <a:latin typeface="Consolas" panose="020B0609020204030204" pitchFamily="49" charset="0"/>
+              </a:rPr>
+              <a:t>builder</a:t>
+            </a:r>
+            <a:r>
+              <a:rPr lang="en-US" sz="1400" b="0" dirty="0" err="1">
+                <a:solidFill>
+                  <a:srgbClr val="E0E0E0"/>
+                </a:solidFill>
+                <a:effectLst/>
+                <a:latin typeface="Consolas" panose="020B0609020204030204" pitchFamily="49" charset="0"/>
+              </a:rPr>
+              <a:t>.</a:t>
+            </a:r>
+            <a:r>
+              <a:rPr lang="en-US" sz="1400" b="0" dirty="0" err="1">
+                <a:solidFill>
+                  <a:srgbClr val="81D4FA"/>
+                </a:solidFill>
+                <a:effectLst/>
+                <a:latin typeface="Consolas" panose="020B0609020204030204" pitchFamily="49" charset="0"/>
+              </a:rPr>
+              <a:t>Register</a:t>
+            </a:r>
+            <a:r>
+              <a:rPr lang="en-US" sz="1400" b="0" dirty="0">
+                <a:solidFill>
+                  <a:srgbClr val="BDBDBD"/>
+                </a:solidFill>
+                <a:effectLst/>
+                <a:latin typeface="Consolas" panose="020B0609020204030204" pitchFamily="49" charset="0"/>
+              </a:rPr>
+              <a:t>(</a:t>
+            </a:r>
+            <a:r>
+              <a:rPr lang="en-US" sz="1400" b="0" dirty="0">
+                <a:solidFill>
+                  <a:srgbClr val="81D4FA"/>
+                </a:solidFill>
+                <a:effectLst/>
+                <a:latin typeface="Consolas" panose="020B0609020204030204" pitchFamily="49" charset="0"/>
+              </a:rPr>
+              <a:t>c</a:t>
+            </a:r>
+            <a:r>
+              <a:rPr lang="en-US" sz="1400" b="0" dirty="0">
+                <a:solidFill>
+                  <a:srgbClr val="BDBDBD"/>
+                </a:solidFill>
+                <a:effectLst/>
+                <a:latin typeface="Consolas" panose="020B0609020204030204" pitchFamily="49" charset="0"/>
+              </a:rPr>
+              <a:t> </a:t>
+            </a:r>
+            <a:r>
+              <a:rPr lang="en-US" sz="1400" b="0" dirty="0">
+                <a:solidFill>
+                  <a:srgbClr val="E0E0E0"/>
+                </a:solidFill>
+                <a:effectLst/>
+                <a:latin typeface="Consolas" panose="020B0609020204030204" pitchFamily="49" charset="0"/>
+              </a:rPr>
+              <a:t>=&gt;</a:t>
+            </a:r>
+            <a:r>
+              <a:rPr lang="en-US" sz="1400" b="0" dirty="0">
+                <a:solidFill>
+                  <a:srgbClr val="BDBDBD"/>
+                </a:solidFill>
+                <a:effectLst/>
+                <a:latin typeface="Consolas" panose="020B0609020204030204" pitchFamily="49" charset="0"/>
+              </a:rPr>
+              <a:t> </a:t>
+            </a:r>
+            <a:r>
+              <a:rPr lang="en-US" sz="1400" b="0" dirty="0">
+                <a:solidFill>
+                  <a:srgbClr val="2196F3"/>
+                </a:solidFill>
+                <a:effectLst/>
+                <a:latin typeface="Consolas" panose="020B0609020204030204" pitchFamily="49" charset="0"/>
+              </a:rPr>
+              <a:t>new</a:t>
+            </a:r>
+            <a:r>
+              <a:rPr lang="en-US" sz="1400" b="0" dirty="0">
+                <a:solidFill>
+                  <a:srgbClr val="BDBDBD"/>
+                </a:solidFill>
+                <a:effectLst/>
+                <a:latin typeface="Consolas" panose="020B0609020204030204" pitchFamily="49" charset="0"/>
+              </a:rPr>
+              <a:t> </a:t>
+            </a:r>
+            <a:r>
+              <a:rPr lang="en-US" sz="1400" b="0" dirty="0" err="1">
+                <a:solidFill>
+                  <a:srgbClr val="81D4FA"/>
+                </a:solidFill>
+                <a:effectLst/>
+                <a:latin typeface="Consolas" panose="020B0609020204030204" pitchFamily="49" charset="0"/>
+              </a:rPr>
+              <a:t>ConfigReader</a:t>
+            </a:r>
+            <a:r>
+              <a:rPr lang="en-US" sz="1400" b="0" dirty="0">
+                <a:solidFill>
+                  <a:srgbClr val="BDBDBD"/>
+                </a:solidFill>
+                <a:effectLst/>
+                <a:latin typeface="Consolas" panose="020B0609020204030204" pitchFamily="49" charset="0"/>
+              </a:rPr>
+              <a:t>(</a:t>
+            </a:r>
+            <a:r>
+              <a:rPr lang="en-US" sz="1400" b="0" dirty="0">
+                <a:solidFill>
+                  <a:srgbClr val="FFAB91"/>
+                </a:solidFill>
+                <a:effectLst/>
+                <a:latin typeface="Consolas" panose="020B0609020204030204" pitchFamily="49" charset="0"/>
+              </a:rPr>
+              <a:t>"</a:t>
+            </a:r>
+            <a:r>
+              <a:rPr lang="en-US" sz="1400" b="0" dirty="0" err="1">
+                <a:solidFill>
+                  <a:srgbClr val="FFAB91"/>
+                </a:solidFill>
+                <a:effectLst/>
+                <a:latin typeface="Consolas" panose="020B0609020204030204" pitchFamily="49" charset="0"/>
+              </a:rPr>
+              <a:t>mysection</a:t>
+            </a:r>
+            <a:r>
+              <a:rPr lang="en-US" sz="1400" b="0" dirty="0">
+                <a:solidFill>
+                  <a:srgbClr val="FFAB91"/>
+                </a:solidFill>
+                <a:effectLst/>
+                <a:latin typeface="Consolas" panose="020B0609020204030204" pitchFamily="49" charset="0"/>
+              </a:rPr>
+              <a:t>"</a:t>
+            </a:r>
+            <a:r>
+              <a:rPr lang="en-US" sz="1400" b="0" dirty="0">
+                <a:solidFill>
+                  <a:srgbClr val="BDBDBD"/>
+                </a:solidFill>
+                <a:effectLst/>
+                <a:latin typeface="Consolas" panose="020B0609020204030204" pitchFamily="49" charset="0"/>
+              </a:rPr>
+              <a:t>))</a:t>
+            </a:r>
+            <a:r>
+              <a:rPr lang="en-US" sz="1400" b="0" dirty="0">
+                <a:solidFill>
+                  <a:srgbClr val="E0E0E0"/>
+                </a:solidFill>
+                <a:effectLst/>
+                <a:latin typeface="Consolas" panose="020B0609020204030204" pitchFamily="49" charset="0"/>
+              </a:rPr>
+              <a:t>.</a:t>
+            </a:r>
+            <a:r>
+              <a:rPr lang="en-US" sz="1400" b="0" dirty="0">
+                <a:solidFill>
+                  <a:srgbClr val="81D4FA"/>
+                </a:solidFill>
+                <a:effectLst/>
+                <a:latin typeface="Consolas" panose="020B0609020204030204" pitchFamily="49" charset="0"/>
+              </a:rPr>
+              <a:t>As</a:t>
+            </a:r>
+            <a:r>
+              <a:rPr lang="en-US" sz="1400" b="0" dirty="0">
+                <a:solidFill>
+                  <a:srgbClr val="BDBDBD"/>
+                </a:solidFill>
+                <a:effectLst/>
+                <a:latin typeface="Consolas" panose="020B0609020204030204" pitchFamily="49" charset="0"/>
+              </a:rPr>
+              <a:t>&lt;</a:t>
+            </a:r>
+            <a:r>
+              <a:rPr lang="en-US" sz="1400" b="0" dirty="0" err="1">
+                <a:solidFill>
+                  <a:srgbClr val="81D4FA"/>
+                </a:solidFill>
+                <a:effectLst/>
+                <a:latin typeface="Consolas" panose="020B0609020204030204" pitchFamily="49" charset="0"/>
+              </a:rPr>
+              <a:t>IConfigReader</a:t>
+            </a:r>
+            <a:r>
+              <a:rPr lang="en-US" sz="1400" b="0" dirty="0">
+                <a:solidFill>
+                  <a:srgbClr val="BDBDBD"/>
+                </a:solidFill>
+                <a:effectLst/>
+                <a:latin typeface="Consolas" panose="020B0609020204030204" pitchFamily="49" charset="0"/>
+              </a:rPr>
+              <a:t>&gt;();</a:t>
+            </a:r>
+          </a:p>
+        </p:txBody>
+      </p:sp>
+    </p:spTree>
+    <p:extLst>
+      <p:ext uri="{BB962C8B-B14F-4D97-AF65-F5344CB8AC3E}">
+        <p14:creationId xmlns:p14="http://schemas.microsoft.com/office/powerpoint/2010/main" val="4135668292"/>
+      </p:ext>
+    </p:extLst>
+  </p:cSld>
+  <p:clrMapOvr>
+    <a:masterClrMapping/>
+  </p:clrMapOvr>
+</p:sld>
+</file>
+
+<file path=ppt/slides/slide6.xml><?xml version="1.0" encoding="utf-8"?>
+<p:sld xmlns:a="http://schemas.openxmlformats.org/drawingml/2006/main" xmlns:r="http://schemas.openxmlformats.org/officeDocument/2006/relationships" xmlns:p="http://schemas.openxmlformats.org/presentationml/2006/main">
+  <p:cSld>
+    <p:spTree>
+      <p:nvGrpSpPr>
+        <p:cNvPr id="1" name=""/>
+        <p:cNvGrpSpPr/>
+        <p:nvPr/>
+      </p:nvGrpSpPr>
+      <p:grpSpPr>
+        <a:xfrm>
+          <a:off x="0" y="0"/>
+          <a:ext cx="0" cy="0"/>
+          <a:chOff x="0" y="0"/>
+          <a:chExt cx="0" cy="0"/>
+        </a:xfrm>
+      </p:grpSpPr>
+      <p:sp>
+        <p:nvSpPr>
+          <p:cNvPr id="5" name="Title 4">
+            <a:extLst>
+              <a:ext uri="{FF2B5EF4-FFF2-40B4-BE49-F238E27FC236}">
+                <a16:creationId xmlns:a16="http://schemas.microsoft.com/office/drawing/2014/main" id="{F4673F5B-AADC-4BED-859C-530EBEA568B8}"/>
+              </a:ext>
+            </a:extLst>
+          </p:cNvPr>
+          <p:cNvSpPr>
+            <a:spLocks noGrp="1"/>
+          </p:cNvSpPr>
+          <p:nvPr>
+            <p:ph type="title"/>
+          </p:nvPr>
+        </p:nvSpPr>
+        <p:spPr/>
+        <p:txBody>
+          <a:bodyPr/>
+          <a:lstStyle/>
+          <a:p>
+            <a:r>
+              <a:rPr lang="en-US" sz="3600" b="1" dirty="0"/>
+              <a:t>Constructor injection</a:t>
+            </a:r>
+          </a:p>
+        </p:txBody>
+      </p:sp>
+      <p:sp>
+        <p:nvSpPr>
+          <p:cNvPr id="6" name="Text Placeholder 5">
+            <a:extLst>
+              <a:ext uri="{FF2B5EF4-FFF2-40B4-BE49-F238E27FC236}">
+                <a16:creationId xmlns:a16="http://schemas.microsoft.com/office/drawing/2014/main" id="{A1206317-B33C-42E7-94BE-34E9AEC2E39C}"/>
+              </a:ext>
+            </a:extLst>
+          </p:cNvPr>
+          <p:cNvSpPr>
+            <a:spLocks noGrp="1"/>
+          </p:cNvSpPr>
+          <p:nvPr>
+            <p:ph type="body" idx="1"/>
+          </p:nvPr>
+        </p:nvSpPr>
+        <p:spPr/>
+        <p:txBody>
+          <a:bodyPr/>
+          <a:lstStyle/>
+          <a:p>
+            <a:r>
+              <a:rPr lang="en-US" dirty="0"/>
+              <a:t>Microsoft DI</a:t>
+            </a:r>
+          </a:p>
+        </p:txBody>
+      </p:sp>
+      <p:sp>
+        <p:nvSpPr>
+          <p:cNvPr id="7" name="Content Placeholder 6">
+            <a:extLst>
+              <a:ext uri="{FF2B5EF4-FFF2-40B4-BE49-F238E27FC236}">
+                <a16:creationId xmlns:a16="http://schemas.microsoft.com/office/drawing/2014/main" id="{C19E30EC-6E7C-4C9E-8946-B95757FF962C}"/>
+              </a:ext>
+            </a:extLst>
+          </p:cNvPr>
+          <p:cNvSpPr>
+            <a:spLocks noGrp="1"/>
+          </p:cNvSpPr>
+          <p:nvPr>
+            <p:ph sz="half" idx="2"/>
+          </p:nvPr>
+        </p:nvSpPr>
+        <p:spPr>
+          <a:xfrm>
+            <a:off x="680322" y="3030008"/>
+            <a:ext cx="4698355" cy="3443527"/>
+          </a:xfrm>
+          <a:solidFill>
+            <a:schemeClr val="bg1">
+              <a:lumMod val="85000"/>
+              <a:lumOff val="15000"/>
+            </a:schemeClr>
+          </a:solidFill>
+        </p:spPr>
+        <p:txBody>
+          <a:bodyPr>
+            <a:normAutofit fontScale="92500" lnSpcReduction="10000"/>
+          </a:bodyPr>
+          <a:lstStyle/>
+          <a:p>
+            <a:pPr marL="0" indent="0">
+              <a:buNone/>
+            </a:pPr>
+            <a:r>
+              <a:rPr lang="en-US" sz="1800" b="0" dirty="0" err="1">
+                <a:solidFill>
+                  <a:srgbClr val="81D4FA"/>
+                </a:solidFill>
+                <a:effectLst/>
+                <a:latin typeface="Consolas" panose="020B0609020204030204" pitchFamily="49" charset="0"/>
+              </a:rPr>
+              <a:t>builder</a:t>
+            </a:r>
+            <a:r>
+              <a:rPr lang="en-US" sz="1800" b="0" dirty="0" err="1">
+                <a:solidFill>
+                  <a:srgbClr val="BDBDBD"/>
+                </a:solidFill>
+                <a:effectLst/>
+                <a:latin typeface="Consolas" panose="020B0609020204030204" pitchFamily="49" charset="0"/>
+              </a:rPr>
+              <a:t>.</a:t>
+            </a:r>
+            <a:r>
+              <a:rPr lang="en-US" sz="1800" b="0" dirty="0" err="1">
+                <a:solidFill>
+                  <a:srgbClr val="81D4FA"/>
+                </a:solidFill>
+                <a:effectLst/>
+                <a:latin typeface="Consolas" panose="020B0609020204030204" pitchFamily="49" charset="0"/>
+              </a:rPr>
+              <a:t>Services</a:t>
+            </a:r>
+            <a:endParaRPr lang="en-US" sz="1800" b="0" dirty="0">
+              <a:solidFill>
+                <a:srgbClr val="81D4FA"/>
+              </a:solidFill>
+              <a:effectLst/>
+              <a:latin typeface="Consolas" panose="020B0609020204030204" pitchFamily="49" charset="0"/>
+            </a:endParaRPr>
+          </a:p>
+          <a:p>
+            <a:pPr marL="0" indent="0">
+              <a:buNone/>
+            </a:pPr>
+            <a:r>
+              <a:rPr lang="en-US" sz="1800" b="0" dirty="0">
+                <a:solidFill>
+                  <a:srgbClr val="81D4FA"/>
+                </a:solidFill>
+                <a:effectLst/>
+                <a:latin typeface="Consolas" panose="020B0609020204030204" pitchFamily="49" charset="0"/>
+              </a:rPr>
+              <a:t>       </a:t>
+            </a:r>
+            <a:r>
+              <a:rPr lang="en-US" sz="1800" b="0" dirty="0">
+                <a:solidFill>
+                  <a:srgbClr val="BDBDBD"/>
+                </a:solidFill>
+                <a:effectLst/>
+                <a:latin typeface="Consolas" panose="020B0609020204030204" pitchFamily="49" charset="0"/>
+              </a:rPr>
+              <a:t>.</a:t>
+            </a:r>
+            <a:r>
+              <a:rPr lang="en-US" sz="1800" b="0" dirty="0" err="1">
+                <a:solidFill>
+                  <a:srgbClr val="F0F4C3"/>
+                </a:solidFill>
+                <a:effectLst/>
+                <a:latin typeface="Consolas" panose="020B0609020204030204" pitchFamily="49" charset="0"/>
+              </a:rPr>
+              <a:t>AddScoped</a:t>
+            </a:r>
+            <a:r>
+              <a:rPr lang="en-US" sz="1800" b="0" dirty="0">
+                <a:solidFill>
+                  <a:srgbClr val="BDBDBD"/>
+                </a:solidFill>
+                <a:effectLst/>
+                <a:latin typeface="Consolas" panose="020B0609020204030204" pitchFamily="49" charset="0"/>
+              </a:rPr>
+              <a:t>&lt;</a:t>
+            </a:r>
+            <a:r>
+              <a:rPr lang="en-US" sz="1800" b="0" dirty="0" err="1">
+                <a:solidFill>
+                  <a:srgbClr val="4DB6AC"/>
+                </a:solidFill>
+                <a:effectLst/>
+                <a:latin typeface="Consolas" panose="020B0609020204030204" pitchFamily="49" charset="0"/>
+              </a:rPr>
+              <a:t>IMyDependency</a:t>
+            </a:r>
+            <a:r>
+              <a:rPr lang="en-US" sz="1800" b="0" dirty="0">
+                <a:solidFill>
+                  <a:srgbClr val="BDBDBD"/>
+                </a:solidFill>
+                <a:effectLst/>
+                <a:latin typeface="Consolas" panose="020B0609020204030204" pitchFamily="49" charset="0"/>
+              </a:rPr>
+              <a:t>, 		    </a:t>
+            </a:r>
+            <a:r>
+              <a:rPr lang="en-US" sz="1800" b="0" dirty="0" err="1">
+                <a:solidFill>
+                  <a:srgbClr val="4DB6AC"/>
+                </a:solidFill>
+                <a:effectLst/>
+                <a:latin typeface="Consolas" panose="020B0609020204030204" pitchFamily="49" charset="0"/>
+              </a:rPr>
+              <a:t>MyDependency</a:t>
+            </a:r>
+            <a:r>
+              <a:rPr lang="en-US" sz="1800" b="0" dirty="0">
+                <a:solidFill>
+                  <a:srgbClr val="BDBDBD"/>
+                </a:solidFill>
+                <a:effectLst/>
+                <a:latin typeface="Consolas" panose="020B0609020204030204" pitchFamily="49" charset="0"/>
+              </a:rPr>
+              <a:t>&gt;();</a:t>
+            </a:r>
+          </a:p>
+          <a:p>
+            <a:endParaRPr lang="en-US" dirty="0"/>
+          </a:p>
+        </p:txBody>
+      </p:sp>
+      <p:sp>
+        <p:nvSpPr>
+          <p:cNvPr id="8" name="Text Placeholder 7">
+            <a:extLst>
+              <a:ext uri="{FF2B5EF4-FFF2-40B4-BE49-F238E27FC236}">
+                <a16:creationId xmlns:a16="http://schemas.microsoft.com/office/drawing/2014/main" id="{239372C0-CC99-466D-9E26-29DA1A617331}"/>
+              </a:ext>
+            </a:extLst>
+          </p:cNvPr>
+          <p:cNvSpPr>
+            <a:spLocks noGrp="1"/>
+          </p:cNvSpPr>
+          <p:nvPr>
+            <p:ph type="body" sz="quarter" idx="3"/>
+          </p:nvPr>
+        </p:nvSpPr>
+        <p:spPr/>
+        <p:txBody>
+          <a:bodyPr/>
+          <a:lstStyle/>
+          <a:p>
+            <a:r>
+              <a:rPr lang="en-US" dirty="0" err="1"/>
+              <a:t>Autofac</a:t>
+            </a:r>
+            <a:endParaRPr lang="en-US" dirty="0"/>
+          </a:p>
+        </p:txBody>
+      </p:sp>
+      <p:sp>
+        <p:nvSpPr>
+          <p:cNvPr id="11" name="Rectangle 2">
+            <a:extLst>
+              <a:ext uri="{FF2B5EF4-FFF2-40B4-BE49-F238E27FC236}">
+                <a16:creationId xmlns:a16="http://schemas.microsoft.com/office/drawing/2014/main" id="{6BEFB1AB-8AD3-4B14-B958-63C5CC53D2D6}"/>
+              </a:ext>
+            </a:extLst>
+          </p:cNvPr>
+          <p:cNvSpPr>
+            <a:spLocks noGrp="1" noChangeArrowheads="1"/>
+          </p:cNvSpPr>
+          <p:nvPr>
+            <p:ph sz="quarter" idx="4"/>
+          </p:nvPr>
+        </p:nvSpPr>
+        <p:spPr bwMode="auto">
+          <a:xfrm>
+            <a:off x="5594123" y="3028948"/>
+            <a:ext cx="5917555" cy="3444587"/>
+          </a:xfrm>
+          <a:prstGeom prst="rect">
+            <a:avLst/>
+          </a:prstGeom>
+          <a:solidFill>
+            <a:schemeClr val="bg1">
+              <a:lumMod val="85000"/>
+              <a:lumOff val="15000"/>
+            </a:schemeClr>
+          </a:solidFill>
+        </p:spPr>
+        <p:txBody>
+          <a:bodyPr vert="horz" lIns="91440" tIns="45720" rIns="91440" bIns="45720" rtlCol="0">
+            <a:normAutofit fontScale="92500" lnSpcReduction="10000"/>
+          </a:bodyPr>
+          <a:lstStyle/>
+          <a:p>
+            <a:pPr marL="0" indent="0">
+              <a:buNone/>
+            </a:pPr>
+            <a:r>
+              <a:rPr lang="en-US" sz="1400" b="0" dirty="0">
+                <a:solidFill>
+                  <a:srgbClr val="689F38"/>
+                </a:solidFill>
+                <a:effectLst/>
+                <a:latin typeface="Consolas" panose="020B0609020204030204" pitchFamily="49" charset="0"/>
+              </a:rPr>
+              <a:t>// Create the builder with which components/services are registered.</a:t>
+            </a:r>
+            <a:endParaRPr lang="en-US" sz="1400" b="0" dirty="0">
+              <a:solidFill>
+                <a:srgbClr val="BDBDBD"/>
+              </a:solidFill>
+              <a:effectLst/>
+              <a:latin typeface="Consolas" panose="020B0609020204030204" pitchFamily="49" charset="0"/>
+            </a:endParaRPr>
+          </a:p>
+          <a:p>
+            <a:pPr marL="0" indent="0">
+              <a:buNone/>
+            </a:pPr>
+            <a:r>
+              <a:rPr lang="en-US" sz="1400" b="0" dirty="0">
+                <a:solidFill>
+                  <a:srgbClr val="2196F3"/>
+                </a:solidFill>
+                <a:effectLst/>
+                <a:latin typeface="Consolas" panose="020B0609020204030204" pitchFamily="49" charset="0"/>
+              </a:rPr>
+              <a:t>var</a:t>
+            </a:r>
+            <a:r>
+              <a:rPr lang="en-US" sz="1400" b="0" dirty="0">
+                <a:solidFill>
+                  <a:srgbClr val="BDBDBD"/>
+                </a:solidFill>
+                <a:effectLst/>
+                <a:latin typeface="Consolas" panose="020B0609020204030204" pitchFamily="49" charset="0"/>
+              </a:rPr>
+              <a:t> </a:t>
+            </a:r>
+            <a:r>
+              <a:rPr lang="en-US" sz="1400" b="0" dirty="0">
+                <a:solidFill>
+                  <a:srgbClr val="81D4FA"/>
+                </a:solidFill>
+                <a:effectLst/>
+                <a:latin typeface="Consolas" panose="020B0609020204030204" pitchFamily="49" charset="0"/>
+              </a:rPr>
+              <a:t>builder</a:t>
+            </a:r>
+            <a:r>
+              <a:rPr lang="en-US" sz="1400" b="0" dirty="0">
+                <a:solidFill>
+                  <a:srgbClr val="BDBDBD"/>
+                </a:solidFill>
+                <a:effectLst/>
+                <a:latin typeface="Consolas" panose="020B0609020204030204" pitchFamily="49" charset="0"/>
+              </a:rPr>
+              <a:t> </a:t>
+            </a:r>
+            <a:r>
+              <a:rPr lang="en-US" sz="1400" b="0" dirty="0">
+                <a:solidFill>
+                  <a:srgbClr val="E0E0E0"/>
+                </a:solidFill>
+                <a:effectLst/>
+                <a:latin typeface="Consolas" panose="020B0609020204030204" pitchFamily="49" charset="0"/>
+              </a:rPr>
+              <a:t>=</a:t>
+            </a:r>
+            <a:r>
+              <a:rPr lang="en-US" sz="1400" b="0" dirty="0">
+                <a:solidFill>
+                  <a:srgbClr val="BDBDBD"/>
+                </a:solidFill>
+                <a:effectLst/>
+                <a:latin typeface="Consolas" panose="020B0609020204030204" pitchFamily="49" charset="0"/>
+              </a:rPr>
+              <a:t> </a:t>
+            </a:r>
+            <a:r>
+              <a:rPr lang="en-US" sz="1400" b="0" dirty="0">
+                <a:solidFill>
+                  <a:srgbClr val="2196F3"/>
+                </a:solidFill>
+                <a:effectLst/>
+                <a:latin typeface="Consolas" panose="020B0609020204030204" pitchFamily="49" charset="0"/>
+              </a:rPr>
+              <a:t>new</a:t>
+            </a:r>
+            <a:r>
+              <a:rPr lang="en-US" sz="1400" b="0" dirty="0">
+                <a:solidFill>
+                  <a:srgbClr val="BDBDBD"/>
+                </a:solidFill>
+                <a:effectLst/>
+                <a:latin typeface="Consolas" panose="020B0609020204030204" pitchFamily="49" charset="0"/>
+              </a:rPr>
+              <a:t> </a:t>
+            </a:r>
+            <a:r>
+              <a:rPr lang="en-US" sz="1400" b="0" dirty="0" err="1">
+                <a:solidFill>
+                  <a:srgbClr val="81D4FA"/>
+                </a:solidFill>
+                <a:effectLst/>
+                <a:latin typeface="Consolas" panose="020B0609020204030204" pitchFamily="49" charset="0"/>
+              </a:rPr>
+              <a:t>ContainerBuilder</a:t>
+            </a:r>
+            <a:r>
+              <a:rPr lang="en-US" sz="1400" b="0" dirty="0">
+                <a:solidFill>
+                  <a:srgbClr val="BDBDBD"/>
+                </a:solidFill>
+                <a:effectLst/>
+                <a:latin typeface="Consolas" panose="020B0609020204030204" pitchFamily="49" charset="0"/>
+              </a:rPr>
+              <a:t>();</a:t>
+            </a:r>
+          </a:p>
+          <a:p>
+            <a:pPr marL="0" indent="0">
+              <a:buNone/>
+            </a:pPr>
+            <a:br>
+              <a:rPr lang="en-US" sz="1400" b="0" dirty="0">
+                <a:solidFill>
+                  <a:srgbClr val="BDBDBD"/>
+                </a:solidFill>
+                <a:effectLst/>
+                <a:latin typeface="Consolas" panose="020B0609020204030204" pitchFamily="49" charset="0"/>
+              </a:rPr>
+            </a:br>
+            <a:r>
+              <a:rPr lang="en-US" sz="1400" b="0" dirty="0">
+                <a:solidFill>
+                  <a:srgbClr val="689F38"/>
+                </a:solidFill>
+                <a:effectLst/>
+                <a:latin typeface="Consolas" panose="020B0609020204030204" pitchFamily="49" charset="0"/>
+              </a:rPr>
+              <a:t>// Register types that expose interfaces...</a:t>
+            </a:r>
+            <a:endParaRPr lang="en-US" sz="1400" b="0" dirty="0">
+              <a:solidFill>
+                <a:srgbClr val="BDBDBD"/>
+              </a:solidFill>
+              <a:effectLst/>
+              <a:latin typeface="Consolas" panose="020B0609020204030204" pitchFamily="49" charset="0"/>
+            </a:endParaRPr>
+          </a:p>
+          <a:p>
+            <a:pPr marL="0" indent="0">
+              <a:buNone/>
+            </a:pPr>
+            <a:r>
+              <a:rPr lang="en-US" sz="1400" b="0" dirty="0" err="1">
+                <a:solidFill>
+                  <a:srgbClr val="81D4FA"/>
+                </a:solidFill>
+                <a:effectLst/>
+                <a:latin typeface="Consolas" panose="020B0609020204030204" pitchFamily="49" charset="0"/>
+              </a:rPr>
+              <a:t>builder</a:t>
+            </a:r>
+            <a:r>
+              <a:rPr lang="en-US" sz="1400" b="0" dirty="0" err="1">
+                <a:solidFill>
+                  <a:srgbClr val="E0E0E0"/>
+                </a:solidFill>
+                <a:effectLst/>
+                <a:latin typeface="Consolas" panose="020B0609020204030204" pitchFamily="49" charset="0"/>
+              </a:rPr>
+              <a:t>.</a:t>
+            </a:r>
+            <a:r>
+              <a:rPr lang="en-US" sz="1400" b="0" dirty="0" err="1">
+                <a:solidFill>
+                  <a:srgbClr val="81D4FA"/>
+                </a:solidFill>
+                <a:effectLst/>
+                <a:latin typeface="Consolas" panose="020B0609020204030204" pitchFamily="49" charset="0"/>
+              </a:rPr>
+              <a:t>RegisterType</a:t>
+            </a:r>
+            <a:r>
+              <a:rPr lang="en-US" sz="1400" b="0" dirty="0">
+                <a:solidFill>
+                  <a:srgbClr val="BDBDBD"/>
+                </a:solidFill>
+                <a:effectLst/>
+                <a:latin typeface="Consolas" panose="020B0609020204030204" pitchFamily="49" charset="0"/>
+              </a:rPr>
+              <a:t>&lt;</a:t>
+            </a:r>
+            <a:r>
+              <a:rPr lang="en-US" sz="1400" b="0" dirty="0" err="1">
+                <a:solidFill>
+                  <a:srgbClr val="81D4FA"/>
+                </a:solidFill>
+                <a:effectLst/>
+                <a:latin typeface="Consolas" panose="020B0609020204030204" pitchFamily="49" charset="0"/>
+              </a:rPr>
+              <a:t>ConsoleLogger</a:t>
+            </a:r>
+            <a:r>
+              <a:rPr lang="en-US" sz="1400" b="0" dirty="0">
+                <a:solidFill>
+                  <a:srgbClr val="BDBDBD"/>
+                </a:solidFill>
+                <a:effectLst/>
+                <a:latin typeface="Consolas" panose="020B0609020204030204" pitchFamily="49" charset="0"/>
+              </a:rPr>
+              <a:t>&gt;()</a:t>
+            </a:r>
+            <a:r>
+              <a:rPr lang="en-US" sz="1400" b="0" dirty="0">
+                <a:solidFill>
+                  <a:srgbClr val="E0E0E0"/>
+                </a:solidFill>
+                <a:effectLst/>
+                <a:latin typeface="Consolas" panose="020B0609020204030204" pitchFamily="49" charset="0"/>
+              </a:rPr>
+              <a:t>.</a:t>
+            </a:r>
+            <a:r>
+              <a:rPr lang="en-US" sz="1400" b="0" dirty="0">
+                <a:solidFill>
+                  <a:srgbClr val="81D4FA"/>
+                </a:solidFill>
+                <a:effectLst/>
+                <a:latin typeface="Consolas" panose="020B0609020204030204" pitchFamily="49" charset="0"/>
+              </a:rPr>
+              <a:t>As</a:t>
+            </a:r>
+            <a:r>
+              <a:rPr lang="en-US" sz="1400" b="0" dirty="0">
+                <a:solidFill>
+                  <a:srgbClr val="BDBDBD"/>
+                </a:solidFill>
+                <a:effectLst/>
+                <a:latin typeface="Consolas" panose="020B0609020204030204" pitchFamily="49" charset="0"/>
+              </a:rPr>
+              <a:t>&lt;</a:t>
+            </a:r>
+            <a:r>
+              <a:rPr lang="en-US" sz="1400" b="0" dirty="0" err="1">
+                <a:solidFill>
+                  <a:srgbClr val="81D4FA"/>
+                </a:solidFill>
+                <a:effectLst/>
+                <a:latin typeface="Consolas" panose="020B0609020204030204" pitchFamily="49" charset="0"/>
+              </a:rPr>
+              <a:t>ILogger</a:t>
+            </a:r>
+            <a:r>
+              <a:rPr lang="en-US" sz="1400" b="0" dirty="0">
+                <a:solidFill>
+                  <a:srgbClr val="BDBDBD"/>
+                </a:solidFill>
+                <a:effectLst/>
+                <a:latin typeface="Consolas" panose="020B0609020204030204" pitchFamily="49" charset="0"/>
+              </a:rPr>
+              <a:t>&gt;();</a:t>
+            </a:r>
+          </a:p>
+          <a:p>
+            <a:pPr marL="0" indent="0">
+              <a:buNone/>
+            </a:pPr>
+            <a:br>
+              <a:rPr lang="en-US" sz="1400" b="0" dirty="0">
+                <a:solidFill>
+                  <a:srgbClr val="BDBDBD"/>
+                </a:solidFill>
+                <a:effectLst/>
+                <a:latin typeface="Consolas" panose="020B0609020204030204" pitchFamily="49" charset="0"/>
+              </a:rPr>
+            </a:br>
+            <a:r>
+              <a:rPr lang="en-US" sz="1400" b="0" dirty="0">
+                <a:solidFill>
+                  <a:srgbClr val="689F38"/>
+                </a:solidFill>
+                <a:effectLst/>
+                <a:latin typeface="Consolas" panose="020B0609020204030204" pitchFamily="49" charset="0"/>
+              </a:rPr>
+              <a:t>// Register instances of objects you create...</a:t>
+            </a:r>
+            <a:endParaRPr lang="en-US" sz="1400" b="0" dirty="0">
+              <a:solidFill>
+                <a:srgbClr val="BDBDBD"/>
+              </a:solidFill>
+              <a:effectLst/>
+              <a:latin typeface="Consolas" panose="020B0609020204030204" pitchFamily="49" charset="0"/>
+            </a:endParaRPr>
+          </a:p>
+          <a:p>
+            <a:pPr marL="0" indent="0">
+              <a:buNone/>
+            </a:pPr>
+            <a:r>
+              <a:rPr lang="en-US" sz="1400" b="0" dirty="0">
+                <a:solidFill>
+                  <a:srgbClr val="2196F3"/>
+                </a:solidFill>
+                <a:effectLst/>
+                <a:latin typeface="Consolas" panose="020B0609020204030204" pitchFamily="49" charset="0"/>
+              </a:rPr>
+              <a:t>var</a:t>
+            </a:r>
+            <a:r>
+              <a:rPr lang="en-US" sz="1400" b="0" dirty="0">
+                <a:solidFill>
+                  <a:srgbClr val="BDBDBD"/>
+                </a:solidFill>
+                <a:effectLst/>
+                <a:latin typeface="Consolas" panose="020B0609020204030204" pitchFamily="49" charset="0"/>
+              </a:rPr>
+              <a:t> </a:t>
+            </a:r>
+            <a:r>
+              <a:rPr lang="en-US" sz="1400" b="0" dirty="0">
+                <a:solidFill>
+                  <a:srgbClr val="81D4FA"/>
+                </a:solidFill>
+                <a:effectLst/>
+                <a:latin typeface="Consolas" panose="020B0609020204030204" pitchFamily="49" charset="0"/>
+              </a:rPr>
+              <a:t>output</a:t>
+            </a:r>
+            <a:r>
+              <a:rPr lang="en-US" sz="1400" b="0" dirty="0">
+                <a:solidFill>
+                  <a:srgbClr val="BDBDBD"/>
+                </a:solidFill>
+                <a:effectLst/>
+                <a:latin typeface="Consolas" panose="020B0609020204030204" pitchFamily="49" charset="0"/>
+              </a:rPr>
+              <a:t> </a:t>
+            </a:r>
+            <a:r>
+              <a:rPr lang="en-US" sz="1400" b="0" dirty="0">
+                <a:solidFill>
+                  <a:srgbClr val="E0E0E0"/>
+                </a:solidFill>
+                <a:effectLst/>
+                <a:latin typeface="Consolas" panose="020B0609020204030204" pitchFamily="49" charset="0"/>
+              </a:rPr>
+              <a:t>=</a:t>
+            </a:r>
+            <a:r>
+              <a:rPr lang="en-US" sz="1400" b="0" dirty="0">
+                <a:solidFill>
+                  <a:srgbClr val="BDBDBD"/>
+                </a:solidFill>
+                <a:effectLst/>
+                <a:latin typeface="Consolas" panose="020B0609020204030204" pitchFamily="49" charset="0"/>
+              </a:rPr>
+              <a:t> </a:t>
+            </a:r>
+            <a:r>
+              <a:rPr lang="en-US" sz="1400" b="0" dirty="0">
+                <a:solidFill>
+                  <a:srgbClr val="2196F3"/>
+                </a:solidFill>
+                <a:effectLst/>
+                <a:latin typeface="Consolas" panose="020B0609020204030204" pitchFamily="49" charset="0"/>
+              </a:rPr>
+              <a:t>new</a:t>
+            </a:r>
+            <a:r>
+              <a:rPr lang="en-US" sz="1400" b="0" dirty="0">
+                <a:solidFill>
+                  <a:srgbClr val="BDBDBD"/>
+                </a:solidFill>
+                <a:effectLst/>
+                <a:latin typeface="Consolas" panose="020B0609020204030204" pitchFamily="49" charset="0"/>
+              </a:rPr>
+              <a:t> </a:t>
+            </a:r>
+            <a:r>
+              <a:rPr lang="en-US" sz="1400" b="0" dirty="0" err="1">
+                <a:solidFill>
+                  <a:srgbClr val="81D4FA"/>
+                </a:solidFill>
+                <a:effectLst/>
+                <a:latin typeface="Consolas" panose="020B0609020204030204" pitchFamily="49" charset="0"/>
+              </a:rPr>
+              <a:t>StringWriter</a:t>
+            </a:r>
+            <a:r>
+              <a:rPr lang="en-US" sz="1400" b="0" dirty="0">
+                <a:solidFill>
+                  <a:srgbClr val="BDBDBD"/>
+                </a:solidFill>
+                <a:effectLst/>
+                <a:latin typeface="Consolas" panose="020B0609020204030204" pitchFamily="49" charset="0"/>
+              </a:rPr>
+              <a:t>();</a:t>
+            </a:r>
+          </a:p>
+          <a:p>
+            <a:pPr marL="0" indent="0">
+              <a:buNone/>
+            </a:pPr>
+            <a:r>
+              <a:rPr lang="en-US" sz="1400" b="0" dirty="0" err="1">
+                <a:solidFill>
+                  <a:srgbClr val="81D4FA"/>
+                </a:solidFill>
+                <a:effectLst/>
+                <a:latin typeface="Consolas" panose="020B0609020204030204" pitchFamily="49" charset="0"/>
+              </a:rPr>
+              <a:t>builder</a:t>
+            </a:r>
+            <a:r>
+              <a:rPr lang="en-US" sz="1400" b="0" dirty="0" err="1">
+                <a:solidFill>
+                  <a:srgbClr val="E0E0E0"/>
+                </a:solidFill>
+                <a:effectLst/>
+                <a:latin typeface="Consolas" panose="020B0609020204030204" pitchFamily="49" charset="0"/>
+              </a:rPr>
+              <a:t>.</a:t>
+            </a:r>
+            <a:r>
+              <a:rPr lang="en-US" sz="1400" b="0" dirty="0" err="1">
+                <a:solidFill>
+                  <a:srgbClr val="81D4FA"/>
+                </a:solidFill>
+                <a:effectLst/>
+                <a:latin typeface="Consolas" panose="020B0609020204030204" pitchFamily="49" charset="0"/>
+              </a:rPr>
+              <a:t>RegisterInstance</a:t>
+            </a:r>
+            <a:r>
+              <a:rPr lang="en-US" sz="1400" b="0" dirty="0">
+                <a:solidFill>
+                  <a:srgbClr val="BDBDBD"/>
+                </a:solidFill>
+                <a:effectLst/>
+                <a:latin typeface="Consolas" panose="020B0609020204030204" pitchFamily="49" charset="0"/>
+              </a:rPr>
+              <a:t>(</a:t>
+            </a:r>
+            <a:r>
+              <a:rPr lang="en-US" sz="1400" b="0" dirty="0">
+                <a:solidFill>
+                  <a:srgbClr val="81D4FA"/>
+                </a:solidFill>
+                <a:effectLst/>
+                <a:latin typeface="Consolas" panose="020B0609020204030204" pitchFamily="49" charset="0"/>
+              </a:rPr>
+              <a:t>output</a:t>
+            </a:r>
+            <a:r>
+              <a:rPr lang="en-US" sz="1400" b="0" dirty="0">
+                <a:solidFill>
+                  <a:srgbClr val="BDBDBD"/>
+                </a:solidFill>
+                <a:effectLst/>
+                <a:latin typeface="Consolas" panose="020B0609020204030204" pitchFamily="49" charset="0"/>
+              </a:rPr>
+              <a:t>)</a:t>
+            </a:r>
+            <a:r>
+              <a:rPr lang="en-US" sz="1400" b="0" dirty="0">
+                <a:solidFill>
+                  <a:srgbClr val="E0E0E0"/>
+                </a:solidFill>
+                <a:effectLst/>
+                <a:latin typeface="Consolas" panose="020B0609020204030204" pitchFamily="49" charset="0"/>
+              </a:rPr>
+              <a:t>.</a:t>
+            </a:r>
+            <a:r>
+              <a:rPr lang="en-US" sz="1400" b="0" dirty="0">
+                <a:solidFill>
+                  <a:srgbClr val="81D4FA"/>
+                </a:solidFill>
+                <a:effectLst/>
+                <a:latin typeface="Consolas" panose="020B0609020204030204" pitchFamily="49" charset="0"/>
+              </a:rPr>
+              <a:t>As</a:t>
+            </a:r>
+            <a:r>
+              <a:rPr lang="en-US" sz="1400" b="0" dirty="0">
+                <a:solidFill>
+                  <a:srgbClr val="BDBDBD"/>
+                </a:solidFill>
+                <a:effectLst/>
+                <a:latin typeface="Consolas" panose="020B0609020204030204" pitchFamily="49" charset="0"/>
+              </a:rPr>
+              <a:t>&lt;</a:t>
+            </a:r>
+            <a:r>
+              <a:rPr lang="en-US" sz="1400" b="0" dirty="0" err="1">
+                <a:solidFill>
+                  <a:srgbClr val="81D4FA"/>
+                </a:solidFill>
+                <a:effectLst/>
+                <a:latin typeface="Consolas" panose="020B0609020204030204" pitchFamily="49" charset="0"/>
+              </a:rPr>
+              <a:t>TextWriter</a:t>
+            </a:r>
+            <a:r>
+              <a:rPr lang="en-US" sz="1400" b="0" dirty="0">
+                <a:solidFill>
+                  <a:srgbClr val="BDBDBD"/>
+                </a:solidFill>
+                <a:effectLst/>
+                <a:latin typeface="Consolas" panose="020B0609020204030204" pitchFamily="49" charset="0"/>
+              </a:rPr>
+              <a:t>&gt;();</a:t>
+            </a:r>
+          </a:p>
+          <a:p>
+            <a:pPr marL="0" indent="0">
+              <a:buNone/>
+            </a:pPr>
+            <a:br>
+              <a:rPr lang="en-US" sz="1400" b="0" dirty="0">
+                <a:solidFill>
+                  <a:srgbClr val="BDBDBD"/>
+                </a:solidFill>
+                <a:effectLst/>
+                <a:latin typeface="Consolas" panose="020B0609020204030204" pitchFamily="49" charset="0"/>
+              </a:rPr>
+            </a:br>
+            <a:r>
+              <a:rPr lang="en-US" sz="1400" b="0" dirty="0">
+                <a:solidFill>
+                  <a:srgbClr val="689F38"/>
+                </a:solidFill>
+                <a:effectLst/>
+                <a:latin typeface="Consolas" panose="020B0609020204030204" pitchFamily="49" charset="0"/>
+              </a:rPr>
+              <a:t>// Register expressions that execute to create objects...</a:t>
+            </a:r>
+            <a:endParaRPr lang="en-US" sz="1400" b="0" dirty="0">
+              <a:solidFill>
+                <a:srgbClr val="BDBDBD"/>
+              </a:solidFill>
+              <a:effectLst/>
+              <a:latin typeface="Consolas" panose="020B0609020204030204" pitchFamily="49" charset="0"/>
+            </a:endParaRPr>
+          </a:p>
+          <a:p>
+            <a:pPr marL="0" indent="0">
+              <a:buNone/>
+            </a:pPr>
+            <a:r>
+              <a:rPr lang="en-US" sz="1400" b="0" dirty="0" err="1">
+                <a:solidFill>
+                  <a:srgbClr val="81D4FA"/>
+                </a:solidFill>
+                <a:effectLst/>
+                <a:latin typeface="Consolas" panose="020B0609020204030204" pitchFamily="49" charset="0"/>
+              </a:rPr>
+              <a:t>builder</a:t>
+            </a:r>
+            <a:r>
+              <a:rPr lang="en-US" sz="1400" b="0" dirty="0" err="1">
+                <a:solidFill>
+                  <a:srgbClr val="E0E0E0"/>
+                </a:solidFill>
+                <a:effectLst/>
+                <a:latin typeface="Consolas" panose="020B0609020204030204" pitchFamily="49" charset="0"/>
+              </a:rPr>
+              <a:t>.</a:t>
+            </a:r>
+            <a:r>
+              <a:rPr lang="en-US" sz="1400" b="0" dirty="0" err="1">
+                <a:solidFill>
+                  <a:srgbClr val="81D4FA"/>
+                </a:solidFill>
+                <a:effectLst/>
+                <a:latin typeface="Consolas" panose="020B0609020204030204" pitchFamily="49" charset="0"/>
+              </a:rPr>
+              <a:t>Register</a:t>
+            </a:r>
+            <a:r>
+              <a:rPr lang="en-US" sz="1400" b="0" dirty="0">
+                <a:solidFill>
+                  <a:srgbClr val="BDBDBD"/>
+                </a:solidFill>
+                <a:effectLst/>
+                <a:latin typeface="Consolas" panose="020B0609020204030204" pitchFamily="49" charset="0"/>
+              </a:rPr>
+              <a:t>(</a:t>
+            </a:r>
+            <a:r>
+              <a:rPr lang="en-US" sz="1400" b="0" dirty="0">
+                <a:solidFill>
+                  <a:srgbClr val="81D4FA"/>
+                </a:solidFill>
+                <a:effectLst/>
+                <a:latin typeface="Consolas" panose="020B0609020204030204" pitchFamily="49" charset="0"/>
+              </a:rPr>
+              <a:t>c</a:t>
+            </a:r>
+            <a:r>
+              <a:rPr lang="en-US" sz="1400" b="0" dirty="0">
+                <a:solidFill>
+                  <a:srgbClr val="BDBDBD"/>
+                </a:solidFill>
+                <a:effectLst/>
+                <a:latin typeface="Consolas" panose="020B0609020204030204" pitchFamily="49" charset="0"/>
+              </a:rPr>
+              <a:t> </a:t>
+            </a:r>
+            <a:r>
+              <a:rPr lang="en-US" sz="1400" b="0" dirty="0">
+                <a:solidFill>
+                  <a:srgbClr val="E0E0E0"/>
+                </a:solidFill>
+                <a:effectLst/>
+                <a:latin typeface="Consolas" panose="020B0609020204030204" pitchFamily="49" charset="0"/>
+              </a:rPr>
+              <a:t>=&gt;</a:t>
+            </a:r>
+            <a:r>
+              <a:rPr lang="en-US" sz="1400" b="0" dirty="0">
+                <a:solidFill>
+                  <a:srgbClr val="BDBDBD"/>
+                </a:solidFill>
+                <a:effectLst/>
+                <a:latin typeface="Consolas" panose="020B0609020204030204" pitchFamily="49" charset="0"/>
+              </a:rPr>
+              <a:t> </a:t>
+            </a:r>
+            <a:r>
+              <a:rPr lang="en-US" sz="1400" b="0" dirty="0">
+                <a:solidFill>
+                  <a:srgbClr val="2196F3"/>
+                </a:solidFill>
+                <a:effectLst/>
+                <a:latin typeface="Consolas" panose="020B0609020204030204" pitchFamily="49" charset="0"/>
+              </a:rPr>
+              <a:t>new</a:t>
+            </a:r>
+            <a:r>
+              <a:rPr lang="en-US" sz="1400" b="0" dirty="0">
+                <a:solidFill>
+                  <a:srgbClr val="BDBDBD"/>
+                </a:solidFill>
+                <a:effectLst/>
+                <a:latin typeface="Consolas" panose="020B0609020204030204" pitchFamily="49" charset="0"/>
+              </a:rPr>
+              <a:t> </a:t>
+            </a:r>
+            <a:r>
+              <a:rPr lang="en-US" sz="1400" b="0" dirty="0" err="1">
+                <a:solidFill>
+                  <a:srgbClr val="81D4FA"/>
+                </a:solidFill>
+                <a:effectLst/>
+                <a:latin typeface="Consolas" panose="020B0609020204030204" pitchFamily="49" charset="0"/>
+              </a:rPr>
+              <a:t>ConfigReader</a:t>
+            </a:r>
+            <a:r>
+              <a:rPr lang="en-US" sz="1400" b="0" dirty="0">
+                <a:solidFill>
+                  <a:srgbClr val="BDBDBD"/>
+                </a:solidFill>
+                <a:effectLst/>
+                <a:latin typeface="Consolas" panose="020B0609020204030204" pitchFamily="49" charset="0"/>
+              </a:rPr>
+              <a:t>(</a:t>
+            </a:r>
+            <a:r>
+              <a:rPr lang="en-US" sz="1400" b="0" dirty="0">
+                <a:solidFill>
+                  <a:srgbClr val="FFAB91"/>
+                </a:solidFill>
+                <a:effectLst/>
+                <a:latin typeface="Consolas" panose="020B0609020204030204" pitchFamily="49" charset="0"/>
+              </a:rPr>
+              <a:t>"</a:t>
+            </a:r>
+            <a:r>
+              <a:rPr lang="en-US" sz="1400" b="0" dirty="0" err="1">
+                <a:solidFill>
+                  <a:srgbClr val="FFAB91"/>
+                </a:solidFill>
+                <a:effectLst/>
+                <a:latin typeface="Consolas" panose="020B0609020204030204" pitchFamily="49" charset="0"/>
+              </a:rPr>
+              <a:t>mysection</a:t>
+            </a:r>
+            <a:r>
+              <a:rPr lang="en-US" sz="1400" b="0" dirty="0">
+                <a:solidFill>
+                  <a:srgbClr val="FFAB91"/>
+                </a:solidFill>
+                <a:effectLst/>
+                <a:latin typeface="Consolas" panose="020B0609020204030204" pitchFamily="49" charset="0"/>
+              </a:rPr>
+              <a:t>"</a:t>
+            </a:r>
+            <a:r>
+              <a:rPr lang="en-US" sz="1400" b="0" dirty="0">
+                <a:solidFill>
+                  <a:srgbClr val="BDBDBD"/>
+                </a:solidFill>
+                <a:effectLst/>
+                <a:latin typeface="Consolas" panose="020B0609020204030204" pitchFamily="49" charset="0"/>
+              </a:rPr>
+              <a:t>))</a:t>
+            </a:r>
+            <a:r>
+              <a:rPr lang="en-US" sz="1400" b="0" dirty="0">
+                <a:solidFill>
+                  <a:srgbClr val="E0E0E0"/>
+                </a:solidFill>
+                <a:effectLst/>
+                <a:latin typeface="Consolas" panose="020B0609020204030204" pitchFamily="49" charset="0"/>
+              </a:rPr>
+              <a:t>.</a:t>
+            </a:r>
+            <a:r>
+              <a:rPr lang="en-US" sz="1400" b="0" dirty="0">
+                <a:solidFill>
+                  <a:srgbClr val="81D4FA"/>
+                </a:solidFill>
+                <a:effectLst/>
+                <a:latin typeface="Consolas" panose="020B0609020204030204" pitchFamily="49" charset="0"/>
+              </a:rPr>
+              <a:t>As</a:t>
+            </a:r>
+            <a:r>
+              <a:rPr lang="en-US" sz="1400" b="0" dirty="0">
+                <a:solidFill>
+                  <a:srgbClr val="BDBDBD"/>
+                </a:solidFill>
+                <a:effectLst/>
+                <a:latin typeface="Consolas" panose="020B0609020204030204" pitchFamily="49" charset="0"/>
+              </a:rPr>
+              <a:t>&lt;</a:t>
+            </a:r>
+            <a:r>
+              <a:rPr lang="en-US" sz="1400" b="0" dirty="0" err="1">
+                <a:solidFill>
+                  <a:srgbClr val="81D4FA"/>
+                </a:solidFill>
+                <a:effectLst/>
+                <a:latin typeface="Consolas" panose="020B0609020204030204" pitchFamily="49" charset="0"/>
+              </a:rPr>
+              <a:t>IConfigReader</a:t>
+            </a:r>
+            <a:r>
+              <a:rPr lang="en-US" sz="1400" b="0" dirty="0">
+                <a:solidFill>
+                  <a:srgbClr val="BDBDBD"/>
+                </a:solidFill>
+                <a:effectLst/>
+                <a:latin typeface="Consolas" panose="020B0609020204030204" pitchFamily="49" charset="0"/>
+              </a:rPr>
+              <a:t>&gt;();</a:t>
+            </a:r>
+          </a:p>
+        </p:txBody>
+      </p:sp>
+    </p:spTree>
+    <p:extLst>
+      <p:ext uri="{BB962C8B-B14F-4D97-AF65-F5344CB8AC3E}">
+        <p14:creationId xmlns:p14="http://schemas.microsoft.com/office/powerpoint/2010/main" val="2181691522"/>
+      </p:ext>
+    </p:extLst>
+  </p:cSld>
+  <p:clrMapOvr>
+    <a:masterClrMapping/>
+  </p:clrMapOvr>
+</p:sld>
+</file>
+
+<file path=ppt/slides/slide7.xml><?xml version="1.0" encoding="utf-8"?>
+<p:sld xmlns:a="http://schemas.openxmlformats.org/drawingml/2006/main" xmlns:r="http://schemas.openxmlformats.org/officeDocument/2006/relationships" xmlns:p="http://schemas.openxmlformats.org/presentationml/2006/main">
+  <p:cSld>
+    <p:spTree>
+      <p:nvGrpSpPr>
+        <p:cNvPr id="1" name=""/>
+        <p:cNvGrpSpPr/>
+        <p:nvPr/>
+      </p:nvGrpSpPr>
+      <p:grpSpPr>
+        <a:xfrm>
+          <a:off x="0" y="0"/>
+          <a:ext cx="0" cy="0"/>
+          <a:chOff x="0" y="0"/>
+          <a:chExt cx="0" cy="0"/>
+        </a:xfrm>
+      </p:grpSpPr>
+      <p:sp>
+        <p:nvSpPr>
+          <p:cNvPr id="5" name="Title 4">
+            <a:extLst>
+              <a:ext uri="{FF2B5EF4-FFF2-40B4-BE49-F238E27FC236}">
+                <a16:creationId xmlns:a16="http://schemas.microsoft.com/office/drawing/2014/main" id="{F4673F5B-AADC-4BED-859C-530EBEA568B8}"/>
+              </a:ext>
+            </a:extLst>
+          </p:cNvPr>
+          <p:cNvSpPr>
+            <a:spLocks noGrp="1"/>
+          </p:cNvSpPr>
+          <p:nvPr>
+            <p:ph type="title"/>
+          </p:nvPr>
+        </p:nvSpPr>
+        <p:spPr/>
+        <p:txBody>
+          <a:bodyPr/>
+          <a:lstStyle/>
+          <a:p>
+            <a:r>
+              <a:rPr lang="en-US" sz="3600" b="1" dirty="0"/>
+              <a:t>Action method injection</a:t>
+            </a:r>
+          </a:p>
+        </p:txBody>
+      </p:sp>
+      <p:sp>
+        <p:nvSpPr>
+          <p:cNvPr id="6" name="Text Placeholder 5">
+            <a:extLst>
+              <a:ext uri="{FF2B5EF4-FFF2-40B4-BE49-F238E27FC236}">
+                <a16:creationId xmlns:a16="http://schemas.microsoft.com/office/drawing/2014/main" id="{A1206317-B33C-42E7-94BE-34E9AEC2E39C}"/>
+              </a:ext>
+            </a:extLst>
+          </p:cNvPr>
+          <p:cNvSpPr>
+            <a:spLocks noGrp="1"/>
+          </p:cNvSpPr>
+          <p:nvPr>
+            <p:ph type="body" idx="1"/>
+          </p:nvPr>
+        </p:nvSpPr>
+        <p:spPr/>
+        <p:txBody>
+          <a:bodyPr/>
+          <a:lstStyle/>
+          <a:p>
+            <a:r>
+              <a:rPr lang="en-US" dirty="0"/>
+              <a:t>Microsoft DI</a:t>
+            </a:r>
+          </a:p>
+        </p:txBody>
+      </p:sp>
+      <p:sp>
+        <p:nvSpPr>
+          <p:cNvPr id="7" name="Content Placeholder 6">
+            <a:extLst>
+              <a:ext uri="{FF2B5EF4-FFF2-40B4-BE49-F238E27FC236}">
+                <a16:creationId xmlns:a16="http://schemas.microsoft.com/office/drawing/2014/main" id="{C19E30EC-6E7C-4C9E-8946-B95757FF962C}"/>
+              </a:ext>
+            </a:extLst>
+          </p:cNvPr>
+          <p:cNvSpPr>
+            <a:spLocks noGrp="1"/>
+          </p:cNvSpPr>
+          <p:nvPr>
+            <p:ph sz="half" idx="2"/>
+          </p:nvPr>
+        </p:nvSpPr>
+        <p:spPr>
+          <a:xfrm>
+            <a:off x="680322" y="3030008"/>
+            <a:ext cx="4698355" cy="3443527"/>
+          </a:xfrm>
+          <a:solidFill>
+            <a:schemeClr val="bg1">
+              <a:lumMod val="85000"/>
+              <a:lumOff val="15000"/>
+            </a:schemeClr>
+          </a:solidFill>
+        </p:spPr>
+        <p:txBody>
+          <a:bodyPr>
+            <a:normAutofit fontScale="92500" lnSpcReduction="10000"/>
+          </a:bodyPr>
+          <a:lstStyle/>
+          <a:p>
+            <a:pPr marL="0" indent="0">
+              <a:buNone/>
+            </a:pPr>
+            <a:r>
+              <a:rPr lang="en-US" sz="1800" b="0" dirty="0" err="1">
+                <a:solidFill>
+                  <a:srgbClr val="81D4FA"/>
+                </a:solidFill>
+                <a:effectLst/>
+                <a:latin typeface="Consolas" panose="020B0609020204030204" pitchFamily="49" charset="0"/>
+              </a:rPr>
+              <a:t>builder</a:t>
+            </a:r>
+            <a:r>
+              <a:rPr lang="en-US" sz="1800" b="0" dirty="0" err="1">
+                <a:solidFill>
+                  <a:srgbClr val="BDBDBD"/>
+                </a:solidFill>
+                <a:effectLst/>
+                <a:latin typeface="Consolas" panose="020B0609020204030204" pitchFamily="49" charset="0"/>
+              </a:rPr>
+              <a:t>.</a:t>
+            </a:r>
+            <a:r>
+              <a:rPr lang="en-US" sz="1800" b="0" dirty="0" err="1">
+                <a:solidFill>
+                  <a:srgbClr val="81D4FA"/>
+                </a:solidFill>
+                <a:effectLst/>
+                <a:latin typeface="Consolas" panose="020B0609020204030204" pitchFamily="49" charset="0"/>
+              </a:rPr>
+              <a:t>Services</a:t>
+            </a:r>
+            <a:endParaRPr lang="en-US" sz="1800" b="0" dirty="0">
+              <a:solidFill>
+                <a:srgbClr val="81D4FA"/>
+              </a:solidFill>
+              <a:effectLst/>
+              <a:latin typeface="Consolas" panose="020B0609020204030204" pitchFamily="49" charset="0"/>
+            </a:endParaRPr>
+          </a:p>
+          <a:p>
+            <a:pPr marL="0" indent="0">
+              <a:buNone/>
+            </a:pPr>
+            <a:r>
+              <a:rPr lang="en-US" sz="1800" b="0" dirty="0">
+                <a:solidFill>
+                  <a:srgbClr val="81D4FA"/>
+                </a:solidFill>
+                <a:effectLst/>
+                <a:latin typeface="Consolas" panose="020B0609020204030204" pitchFamily="49" charset="0"/>
+              </a:rPr>
+              <a:t>       </a:t>
+            </a:r>
+            <a:r>
+              <a:rPr lang="en-US" sz="1800" b="0" dirty="0">
+                <a:solidFill>
+                  <a:srgbClr val="BDBDBD"/>
+                </a:solidFill>
+                <a:effectLst/>
+                <a:latin typeface="Consolas" panose="020B0609020204030204" pitchFamily="49" charset="0"/>
+              </a:rPr>
+              <a:t>.</a:t>
+            </a:r>
+            <a:r>
+              <a:rPr lang="en-US" sz="1800" b="0" dirty="0" err="1">
+                <a:solidFill>
+                  <a:srgbClr val="F0F4C3"/>
+                </a:solidFill>
+                <a:effectLst/>
+                <a:latin typeface="Consolas" panose="020B0609020204030204" pitchFamily="49" charset="0"/>
+              </a:rPr>
+              <a:t>AddScoped</a:t>
+            </a:r>
+            <a:r>
+              <a:rPr lang="en-US" sz="1800" b="0" dirty="0">
+                <a:solidFill>
+                  <a:srgbClr val="BDBDBD"/>
+                </a:solidFill>
+                <a:effectLst/>
+                <a:latin typeface="Consolas" panose="020B0609020204030204" pitchFamily="49" charset="0"/>
+              </a:rPr>
+              <a:t>&lt;</a:t>
+            </a:r>
+            <a:r>
+              <a:rPr lang="en-US" sz="1800" b="0" dirty="0" err="1">
+                <a:solidFill>
+                  <a:srgbClr val="4DB6AC"/>
+                </a:solidFill>
+                <a:effectLst/>
+                <a:latin typeface="Consolas" panose="020B0609020204030204" pitchFamily="49" charset="0"/>
+              </a:rPr>
+              <a:t>IMyDependency</a:t>
+            </a:r>
+            <a:r>
+              <a:rPr lang="en-US" sz="1800" b="0" dirty="0">
+                <a:solidFill>
+                  <a:srgbClr val="BDBDBD"/>
+                </a:solidFill>
+                <a:effectLst/>
+                <a:latin typeface="Consolas" panose="020B0609020204030204" pitchFamily="49" charset="0"/>
+              </a:rPr>
+              <a:t>, 		    </a:t>
+            </a:r>
+            <a:r>
+              <a:rPr lang="en-US" sz="1800" b="0" dirty="0" err="1">
+                <a:solidFill>
+                  <a:srgbClr val="4DB6AC"/>
+                </a:solidFill>
+                <a:effectLst/>
+                <a:latin typeface="Consolas" panose="020B0609020204030204" pitchFamily="49" charset="0"/>
+              </a:rPr>
+              <a:t>MyDependency</a:t>
+            </a:r>
+            <a:r>
+              <a:rPr lang="en-US" sz="1800" b="0" dirty="0">
+                <a:solidFill>
+                  <a:srgbClr val="BDBDBD"/>
+                </a:solidFill>
+                <a:effectLst/>
+                <a:latin typeface="Consolas" panose="020B0609020204030204" pitchFamily="49" charset="0"/>
+              </a:rPr>
+              <a:t>&gt;();</a:t>
+            </a:r>
+          </a:p>
+          <a:p>
+            <a:endParaRPr lang="en-US" dirty="0"/>
+          </a:p>
+        </p:txBody>
+      </p:sp>
+      <p:sp>
+        <p:nvSpPr>
+          <p:cNvPr id="8" name="Text Placeholder 7">
+            <a:extLst>
+              <a:ext uri="{FF2B5EF4-FFF2-40B4-BE49-F238E27FC236}">
+                <a16:creationId xmlns:a16="http://schemas.microsoft.com/office/drawing/2014/main" id="{239372C0-CC99-466D-9E26-29DA1A617331}"/>
+              </a:ext>
+            </a:extLst>
+          </p:cNvPr>
+          <p:cNvSpPr>
+            <a:spLocks noGrp="1"/>
+          </p:cNvSpPr>
+          <p:nvPr>
+            <p:ph type="body" sz="quarter" idx="3"/>
+          </p:nvPr>
+        </p:nvSpPr>
+        <p:spPr/>
+        <p:txBody>
+          <a:bodyPr/>
+          <a:lstStyle/>
+          <a:p>
+            <a:r>
+              <a:rPr lang="en-US" dirty="0" err="1"/>
+              <a:t>Autofac</a:t>
+            </a:r>
+            <a:endParaRPr lang="en-US" dirty="0"/>
+          </a:p>
+        </p:txBody>
+      </p:sp>
+      <p:sp>
+        <p:nvSpPr>
+          <p:cNvPr id="11" name="Rectangle 2">
+            <a:extLst>
+              <a:ext uri="{FF2B5EF4-FFF2-40B4-BE49-F238E27FC236}">
+                <a16:creationId xmlns:a16="http://schemas.microsoft.com/office/drawing/2014/main" id="{6BEFB1AB-8AD3-4B14-B958-63C5CC53D2D6}"/>
+              </a:ext>
+            </a:extLst>
+          </p:cNvPr>
+          <p:cNvSpPr>
+            <a:spLocks noGrp="1" noChangeArrowheads="1"/>
+          </p:cNvSpPr>
+          <p:nvPr>
+            <p:ph sz="quarter" idx="4"/>
+          </p:nvPr>
+        </p:nvSpPr>
+        <p:spPr bwMode="auto">
+          <a:xfrm>
+            <a:off x="5594123" y="3028948"/>
+            <a:ext cx="5917555" cy="3444587"/>
+          </a:xfrm>
+          <a:prstGeom prst="rect">
+            <a:avLst/>
+          </a:prstGeom>
+          <a:solidFill>
+            <a:schemeClr val="bg1">
+              <a:lumMod val="85000"/>
+              <a:lumOff val="15000"/>
+            </a:schemeClr>
+          </a:solidFill>
+        </p:spPr>
+        <p:txBody>
+          <a:bodyPr vert="horz" lIns="91440" tIns="45720" rIns="91440" bIns="45720" rtlCol="0">
+            <a:normAutofit fontScale="92500" lnSpcReduction="10000"/>
+          </a:bodyPr>
+          <a:lstStyle/>
+          <a:p>
+            <a:pPr marL="0" indent="0">
+              <a:buNone/>
+            </a:pPr>
+            <a:r>
+              <a:rPr lang="en-US" sz="1400" b="0" dirty="0">
+                <a:solidFill>
+                  <a:srgbClr val="689F38"/>
+                </a:solidFill>
+                <a:effectLst/>
+                <a:latin typeface="Consolas" panose="020B0609020204030204" pitchFamily="49" charset="0"/>
+              </a:rPr>
+              <a:t>// Create the builder with which components/services are registered.</a:t>
+            </a:r>
+            <a:endParaRPr lang="en-US" sz="1400" b="0" dirty="0">
+              <a:solidFill>
+                <a:srgbClr val="BDBDBD"/>
+              </a:solidFill>
+              <a:effectLst/>
+              <a:latin typeface="Consolas" panose="020B0609020204030204" pitchFamily="49" charset="0"/>
+            </a:endParaRPr>
+          </a:p>
+          <a:p>
+            <a:pPr marL="0" indent="0">
+              <a:buNone/>
+            </a:pPr>
+            <a:r>
+              <a:rPr lang="en-US" sz="1400" b="0" dirty="0">
+                <a:solidFill>
+                  <a:srgbClr val="2196F3"/>
+                </a:solidFill>
+                <a:effectLst/>
+                <a:latin typeface="Consolas" panose="020B0609020204030204" pitchFamily="49" charset="0"/>
+              </a:rPr>
+              <a:t>var</a:t>
+            </a:r>
+            <a:r>
+              <a:rPr lang="en-US" sz="1400" b="0" dirty="0">
+                <a:solidFill>
+                  <a:srgbClr val="BDBDBD"/>
+                </a:solidFill>
+                <a:effectLst/>
+                <a:latin typeface="Consolas" panose="020B0609020204030204" pitchFamily="49" charset="0"/>
+              </a:rPr>
+              <a:t> </a:t>
+            </a:r>
+            <a:r>
+              <a:rPr lang="en-US" sz="1400" b="0" dirty="0">
+                <a:solidFill>
+                  <a:srgbClr val="81D4FA"/>
+                </a:solidFill>
+                <a:effectLst/>
+                <a:latin typeface="Consolas" panose="020B0609020204030204" pitchFamily="49" charset="0"/>
+              </a:rPr>
+              <a:t>builder</a:t>
+            </a:r>
+            <a:r>
+              <a:rPr lang="en-US" sz="1400" b="0" dirty="0">
+                <a:solidFill>
+                  <a:srgbClr val="BDBDBD"/>
+                </a:solidFill>
+                <a:effectLst/>
+                <a:latin typeface="Consolas" panose="020B0609020204030204" pitchFamily="49" charset="0"/>
+              </a:rPr>
+              <a:t> </a:t>
+            </a:r>
+            <a:r>
+              <a:rPr lang="en-US" sz="1400" b="0" dirty="0">
+                <a:solidFill>
+                  <a:srgbClr val="E0E0E0"/>
+                </a:solidFill>
+                <a:effectLst/>
+                <a:latin typeface="Consolas" panose="020B0609020204030204" pitchFamily="49" charset="0"/>
+              </a:rPr>
+              <a:t>=</a:t>
+            </a:r>
+            <a:r>
+              <a:rPr lang="en-US" sz="1400" b="0" dirty="0">
+                <a:solidFill>
+                  <a:srgbClr val="BDBDBD"/>
+                </a:solidFill>
+                <a:effectLst/>
+                <a:latin typeface="Consolas" panose="020B0609020204030204" pitchFamily="49" charset="0"/>
+              </a:rPr>
+              <a:t> </a:t>
+            </a:r>
+            <a:r>
+              <a:rPr lang="en-US" sz="1400" b="0" dirty="0">
+                <a:solidFill>
+                  <a:srgbClr val="2196F3"/>
+                </a:solidFill>
+                <a:effectLst/>
+                <a:latin typeface="Consolas" panose="020B0609020204030204" pitchFamily="49" charset="0"/>
+              </a:rPr>
+              <a:t>new</a:t>
+            </a:r>
+            <a:r>
+              <a:rPr lang="en-US" sz="1400" b="0" dirty="0">
+                <a:solidFill>
+                  <a:srgbClr val="BDBDBD"/>
+                </a:solidFill>
+                <a:effectLst/>
+                <a:latin typeface="Consolas" panose="020B0609020204030204" pitchFamily="49" charset="0"/>
+              </a:rPr>
+              <a:t> </a:t>
+            </a:r>
+            <a:r>
+              <a:rPr lang="en-US" sz="1400" b="0" dirty="0" err="1">
+                <a:solidFill>
+                  <a:srgbClr val="81D4FA"/>
+                </a:solidFill>
+                <a:effectLst/>
+                <a:latin typeface="Consolas" panose="020B0609020204030204" pitchFamily="49" charset="0"/>
+              </a:rPr>
+              <a:t>ContainerBuilder</a:t>
+            </a:r>
+            <a:r>
+              <a:rPr lang="en-US" sz="1400" b="0" dirty="0">
+                <a:solidFill>
+                  <a:srgbClr val="BDBDBD"/>
+                </a:solidFill>
+                <a:effectLst/>
+                <a:latin typeface="Consolas" panose="020B0609020204030204" pitchFamily="49" charset="0"/>
+              </a:rPr>
+              <a:t>();</a:t>
+            </a:r>
+          </a:p>
+          <a:p>
+            <a:pPr marL="0" indent="0">
+              <a:buNone/>
+            </a:pPr>
+            <a:br>
+              <a:rPr lang="en-US" sz="1400" b="0" dirty="0">
+                <a:solidFill>
+                  <a:srgbClr val="BDBDBD"/>
+                </a:solidFill>
+                <a:effectLst/>
+                <a:latin typeface="Consolas" panose="020B0609020204030204" pitchFamily="49" charset="0"/>
+              </a:rPr>
+            </a:br>
+            <a:r>
+              <a:rPr lang="en-US" sz="1400" b="0" dirty="0">
+                <a:solidFill>
+                  <a:srgbClr val="689F38"/>
+                </a:solidFill>
+                <a:effectLst/>
+                <a:latin typeface="Consolas" panose="020B0609020204030204" pitchFamily="49" charset="0"/>
+              </a:rPr>
+              <a:t>// Register types that expose interfaces...</a:t>
+            </a:r>
+            <a:endParaRPr lang="en-US" sz="1400" b="0" dirty="0">
+              <a:solidFill>
+                <a:srgbClr val="BDBDBD"/>
+              </a:solidFill>
+              <a:effectLst/>
+              <a:latin typeface="Consolas" panose="020B0609020204030204" pitchFamily="49" charset="0"/>
+            </a:endParaRPr>
+          </a:p>
+          <a:p>
+            <a:pPr marL="0" indent="0">
+              <a:buNone/>
+            </a:pPr>
+            <a:r>
+              <a:rPr lang="en-US" sz="1400" b="0" dirty="0" err="1">
+                <a:solidFill>
+                  <a:srgbClr val="81D4FA"/>
+                </a:solidFill>
+                <a:effectLst/>
+                <a:latin typeface="Consolas" panose="020B0609020204030204" pitchFamily="49" charset="0"/>
+              </a:rPr>
+              <a:t>builder</a:t>
+            </a:r>
+            <a:r>
+              <a:rPr lang="en-US" sz="1400" b="0" dirty="0" err="1">
+                <a:solidFill>
+                  <a:srgbClr val="E0E0E0"/>
+                </a:solidFill>
+                <a:effectLst/>
+                <a:latin typeface="Consolas" panose="020B0609020204030204" pitchFamily="49" charset="0"/>
+              </a:rPr>
+              <a:t>.</a:t>
+            </a:r>
+            <a:r>
+              <a:rPr lang="en-US" sz="1400" b="0" dirty="0" err="1">
+                <a:solidFill>
+                  <a:srgbClr val="81D4FA"/>
+                </a:solidFill>
+                <a:effectLst/>
+                <a:latin typeface="Consolas" panose="020B0609020204030204" pitchFamily="49" charset="0"/>
+              </a:rPr>
+              <a:t>RegisterType</a:t>
+            </a:r>
+            <a:r>
+              <a:rPr lang="en-US" sz="1400" b="0" dirty="0">
+                <a:solidFill>
+                  <a:srgbClr val="BDBDBD"/>
+                </a:solidFill>
+                <a:effectLst/>
+                <a:latin typeface="Consolas" panose="020B0609020204030204" pitchFamily="49" charset="0"/>
+              </a:rPr>
+              <a:t>&lt;</a:t>
+            </a:r>
+            <a:r>
+              <a:rPr lang="en-US" sz="1400" b="0" dirty="0" err="1">
+                <a:solidFill>
+                  <a:srgbClr val="81D4FA"/>
+                </a:solidFill>
+                <a:effectLst/>
+                <a:latin typeface="Consolas" panose="020B0609020204030204" pitchFamily="49" charset="0"/>
+              </a:rPr>
+              <a:t>ConsoleLogger</a:t>
+            </a:r>
+            <a:r>
+              <a:rPr lang="en-US" sz="1400" b="0" dirty="0">
+                <a:solidFill>
+                  <a:srgbClr val="BDBDBD"/>
+                </a:solidFill>
+                <a:effectLst/>
+                <a:latin typeface="Consolas" panose="020B0609020204030204" pitchFamily="49" charset="0"/>
+              </a:rPr>
+              <a:t>&gt;()</a:t>
+            </a:r>
+            <a:r>
+              <a:rPr lang="en-US" sz="1400" b="0" dirty="0">
+                <a:solidFill>
+                  <a:srgbClr val="E0E0E0"/>
+                </a:solidFill>
+                <a:effectLst/>
+                <a:latin typeface="Consolas" panose="020B0609020204030204" pitchFamily="49" charset="0"/>
+              </a:rPr>
+              <a:t>.</a:t>
+            </a:r>
+            <a:r>
+              <a:rPr lang="en-US" sz="1400" b="0" dirty="0">
+                <a:solidFill>
+                  <a:srgbClr val="81D4FA"/>
+                </a:solidFill>
+                <a:effectLst/>
+                <a:latin typeface="Consolas" panose="020B0609020204030204" pitchFamily="49" charset="0"/>
+              </a:rPr>
+              <a:t>As</a:t>
+            </a:r>
+            <a:r>
+              <a:rPr lang="en-US" sz="1400" b="0" dirty="0">
+                <a:solidFill>
+                  <a:srgbClr val="BDBDBD"/>
+                </a:solidFill>
+                <a:effectLst/>
+                <a:latin typeface="Consolas" panose="020B0609020204030204" pitchFamily="49" charset="0"/>
+              </a:rPr>
+              <a:t>&lt;</a:t>
+            </a:r>
+            <a:r>
+              <a:rPr lang="en-US" sz="1400" b="0" dirty="0" err="1">
+                <a:solidFill>
+                  <a:srgbClr val="81D4FA"/>
+                </a:solidFill>
+                <a:effectLst/>
+                <a:latin typeface="Consolas" panose="020B0609020204030204" pitchFamily="49" charset="0"/>
+              </a:rPr>
+              <a:t>ILogger</a:t>
+            </a:r>
+            <a:r>
+              <a:rPr lang="en-US" sz="1400" b="0" dirty="0">
+                <a:solidFill>
+                  <a:srgbClr val="BDBDBD"/>
+                </a:solidFill>
+                <a:effectLst/>
+                <a:latin typeface="Consolas" panose="020B0609020204030204" pitchFamily="49" charset="0"/>
+              </a:rPr>
+              <a:t>&gt;();</a:t>
+            </a:r>
+          </a:p>
+          <a:p>
+            <a:pPr marL="0" indent="0">
+              <a:buNone/>
+            </a:pPr>
+            <a:br>
+              <a:rPr lang="en-US" sz="1400" b="0" dirty="0">
+                <a:solidFill>
+                  <a:srgbClr val="BDBDBD"/>
+                </a:solidFill>
+                <a:effectLst/>
+                <a:latin typeface="Consolas" panose="020B0609020204030204" pitchFamily="49" charset="0"/>
+              </a:rPr>
+            </a:br>
+            <a:r>
+              <a:rPr lang="en-US" sz="1400" b="0" dirty="0">
+                <a:solidFill>
+                  <a:srgbClr val="689F38"/>
+                </a:solidFill>
+                <a:effectLst/>
+                <a:latin typeface="Consolas" panose="020B0609020204030204" pitchFamily="49" charset="0"/>
+              </a:rPr>
+              <a:t>// Register instances of objects you create...</a:t>
+            </a:r>
+            <a:endParaRPr lang="en-US" sz="1400" b="0" dirty="0">
+              <a:solidFill>
+                <a:srgbClr val="BDBDBD"/>
+              </a:solidFill>
+              <a:effectLst/>
+              <a:latin typeface="Consolas" panose="020B0609020204030204" pitchFamily="49" charset="0"/>
+            </a:endParaRPr>
+          </a:p>
+          <a:p>
+            <a:pPr marL="0" indent="0">
+              <a:buNone/>
+            </a:pPr>
+            <a:r>
+              <a:rPr lang="en-US" sz="1400" b="0" dirty="0">
+                <a:solidFill>
+                  <a:srgbClr val="2196F3"/>
+                </a:solidFill>
+                <a:effectLst/>
+                <a:latin typeface="Consolas" panose="020B0609020204030204" pitchFamily="49" charset="0"/>
+              </a:rPr>
+              <a:t>var</a:t>
+            </a:r>
+            <a:r>
+              <a:rPr lang="en-US" sz="1400" b="0" dirty="0">
+                <a:solidFill>
+                  <a:srgbClr val="BDBDBD"/>
+                </a:solidFill>
+                <a:effectLst/>
+                <a:latin typeface="Consolas" panose="020B0609020204030204" pitchFamily="49" charset="0"/>
+              </a:rPr>
+              <a:t> </a:t>
+            </a:r>
+            <a:r>
+              <a:rPr lang="en-US" sz="1400" b="0" dirty="0">
+                <a:solidFill>
+                  <a:srgbClr val="81D4FA"/>
+                </a:solidFill>
+                <a:effectLst/>
+                <a:latin typeface="Consolas" panose="020B0609020204030204" pitchFamily="49" charset="0"/>
+              </a:rPr>
+              <a:t>output</a:t>
+            </a:r>
+            <a:r>
+              <a:rPr lang="en-US" sz="1400" b="0" dirty="0">
+                <a:solidFill>
+                  <a:srgbClr val="BDBDBD"/>
+                </a:solidFill>
+                <a:effectLst/>
+                <a:latin typeface="Consolas" panose="020B0609020204030204" pitchFamily="49" charset="0"/>
+              </a:rPr>
+              <a:t> </a:t>
+            </a:r>
+            <a:r>
+              <a:rPr lang="en-US" sz="1400" b="0" dirty="0">
+                <a:solidFill>
+                  <a:srgbClr val="E0E0E0"/>
+                </a:solidFill>
+                <a:effectLst/>
+                <a:latin typeface="Consolas" panose="020B0609020204030204" pitchFamily="49" charset="0"/>
+              </a:rPr>
+              <a:t>=</a:t>
+            </a:r>
+            <a:r>
+              <a:rPr lang="en-US" sz="1400" b="0" dirty="0">
+                <a:solidFill>
+                  <a:srgbClr val="BDBDBD"/>
+                </a:solidFill>
+                <a:effectLst/>
+                <a:latin typeface="Consolas" panose="020B0609020204030204" pitchFamily="49" charset="0"/>
+              </a:rPr>
+              <a:t> </a:t>
+            </a:r>
+            <a:r>
+              <a:rPr lang="en-US" sz="1400" b="0" dirty="0">
+                <a:solidFill>
+                  <a:srgbClr val="2196F3"/>
+                </a:solidFill>
+                <a:effectLst/>
+                <a:latin typeface="Consolas" panose="020B0609020204030204" pitchFamily="49" charset="0"/>
+              </a:rPr>
+              <a:t>new</a:t>
+            </a:r>
+            <a:r>
+              <a:rPr lang="en-US" sz="1400" b="0" dirty="0">
+                <a:solidFill>
+                  <a:srgbClr val="BDBDBD"/>
+                </a:solidFill>
+                <a:effectLst/>
+                <a:latin typeface="Consolas" panose="020B0609020204030204" pitchFamily="49" charset="0"/>
+              </a:rPr>
+              <a:t> </a:t>
+            </a:r>
+            <a:r>
+              <a:rPr lang="en-US" sz="1400" b="0" dirty="0" err="1">
+                <a:solidFill>
+                  <a:srgbClr val="81D4FA"/>
+                </a:solidFill>
+                <a:effectLst/>
+                <a:latin typeface="Consolas" panose="020B0609020204030204" pitchFamily="49" charset="0"/>
+              </a:rPr>
+              <a:t>StringWriter</a:t>
+            </a:r>
+            <a:r>
+              <a:rPr lang="en-US" sz="1400" b="0" dirty="0">
+                <a:solidFill>
+                  <a:srgbClr val="BDBDBD"/>
+                </a:solidFill>
+                <a:effectLst/>
+                <a:latin typeface="Consolas" panose="020B0609020204030204" pitchFamily="49" charset="0"/>
+              </a:rPr>
+              <a:t>();</a:t>
+            </a:r>
+          </a:p>
+          <a:p>
+            <a:pPr marL="0" indent="0">
+              <a:buNone/>
+            </a:pPr>
+            <a:r>
+              <a:rPr lang="en-US" sz="1400" b="0" dirty="0" err="1">
+                <a:solidFill>
+                  <a:srgbClr val="81D4FA"/>
+                </a:solidFill>
+                <a:effectLst/>
+                <a:latin typeface="Consolas" panose="020B0609020204030204" pitchFamily="49" charset="0"/>
+              </a:rPr>
+              <a:t>builder</a:t>
+            </a:r>
+            <a:r>
+              <a:rPr lang="en-US" sz="1400" b="0" dirty="0" err="1">
+                <a:solidFill>
+                  <a:srgbClr val="E0E0E0"/>
+                </a:solidFill>
+                <a:effectLst/>
+                <a:latin typeface="Consolas" panose="020B0609020204030204" pitchFamily="49" charset="0"/>
+              </a:rPr>
+              <a:t>.</a:t>
+            </a:r>
+            <a:r>
+              <a:rPr lang="en-US" sz="1400" b="0" dirty="0" err="1">
+                <a:solidFill>
+                  <a:srgbClr val="81D4FA"/>
+                </a:solidFill>
+                <a:effectLst/>
+                <a:latin typeface="Consolas" panose="020B0609020204030204" pitchFamily="49" charset="0"/>
+              </a:rPr>
+              <a:t>RegisterInstance</a:t>
+            </a:r>
+            <a:r>
+              <a:rPr lang="en-US" sz="1400" b="0" dirty="0">
+                <a:solidFill>
+                  <a:srgbClr val="BDBDBD"/>
+                </a:solidFill>
+                <a:effectLst/>
+                <a:latin typeface="Consolas" panose="020B0609020204030204" pitchFamily="49" charset="0"/>
+              </a:rPr>
+              <a:t>(</a:t>
+            </a:r>
+            <a:r>
+              <a:rPr lang="en-US" sz="1400" b="0" dirty="0">
+                <a:solidFill>
+                  <a:srgbClr val="81D4FA"/>
+                </a:solidFill>
+                <a:effectLst/>
+                <a:latin typeface="Consolas" panose="020B0609020204030204" pitchFamily="49" charset="0"/>
+              </a:rPr>
+              <a:t>output</a:t>
+            </a:r>
+            <a:r>
+              <a:rPr lang="en-US" sz="1400" b="0" dirty="0">
+                <a:solidFill>
+                  <a:srgbClr val="BDBDBD"/>
+                </a:solidFill>
+                <a:effectLst/>
+                <a:latin typeface="Consolas" panose="020B0609020204030204" pitchFamily="49" charset="0"/>
+              </a:rPr>
+              <a:t>)</a:t>
+            </a:r>
+            <a:r>
+              <a:rPr lang="en-US" sz="1400" b="0" dirty="0">
+                <a:solidFill>
+                  <a:srgbClr val="E0E0E0"/>
+                </a:solidFill>
+                <a:effectLst/>
+                <a:latin typeface="Consolas" panose="020B0609020204030204" pitchFamily="49" charset="0"/>
+              </a:rPr>
+              <a:t>.</a:t>
+            </a:r>
+            <a:r>
+              <a:rPr lang="en-US" sz="1400" b="0" dirty="0">
+                <a:solidFill>
+                  <a:srgbClr val="81D4FA"/>
+                </a:solidFill>
+                <a:effectLst/>
+                <a:latin typeface="Consolas" panose="020B0609020204030204" pitchFamily="49" charset="0"/>
+              </a:rPr>
+              <a:t>As</a:t>
+            </a:r>
+            <a:r>
+              <a:rPr lang="en-US" sz="1400" b="0" dirty="0">
+                <a:solidFill>
+                  <a:srgbClr val="BDBDBD"/>
+                </a:solidFill>
+                <a:effectLst/>
+                <a:latin typeface="Consolas" panose="020B0609020204030204" pitchFamily="49" charset="0"/>
+              </a:rPr>
+              <a:t>&lt;</a:t>
+            </a:r>
+            <a:r>
+              <a:rPr lang="en-US" sz="1400" b="0" dirty="0" err="1">
+                <a:solidFill>
+                  <a:srgbClr val="81D4FA"/>
+                </a:solidFill>
+                <a:effectLst/>
+                <a:latin typeface="Consolas" panose="020B0609020204030204" pitchFamily="49" charset="0"/>
+              </a:rPr>
+              <a:t>TextWriter</a:t>
+            </a:r>
+            <a:r>
+              <a:rPr lang="en-US" sz="1400" b="0" dirty="0">
+                <a:solidFill>
+                  <a:srgbClr val="BDBDBD"/>
+                </a:solidFill>
+                <a:effectLst/>
+                <a:latin typeface="Consolas" panose="020B0609020204030204" pitchFamily="49" charset="0"/>
+              </a:rPr>
+              <a:t>&gt;();</a:t>
+            </a:r>
+          </a:p>
+          <a:p>
+            <a:pPr marL="0" indent="0">
+              <a:buNone/>
+            </a:pPr>
+            <a:br>
+              <a:rPr lang="en-US" sz="1400" b="0" dirty="0">
+                <a:solidFill>
+                  <a:srgbClr val="BDBDBD"/>
+                </a:solidFill>
+                <a:effectLst/>
+                <a:latin typeface="Consolas" panose="020B0609020204030204" pitchFamily="49" charset="0"/>
+              </a:rPr>
+            </a:br>
+            <a:r>
+              <a:rPr lang="en-US" sz="1400" b="0" dirty="0">
+                <a:solidFill>
+                  <a:srgbClr val="689F38"/>
+                </a:solidFill>
+                <a:effectLst/>
+                <a:latin typeface="Consolas" panose="020B0609020204030204" pitchFamily="49" charset="0"/>
+              </a:rPr>
+              <a:t>// Register expressions that execute to create objects...</a:t>
+            </a:r>
+            <a:endParaRPr lang="en-US" sz="1400" b="0" dirty="0">
+              <a:solidFill>
+                <a:srgbClr val="BDBDBD"/>
+              </a:solidFill>
+              <a:effectLst/>
+              <a:latin typeface="Consolas" panose="020B0609020204030204" pitchFamily="49" charset="0"/>
+            </a:endParaRPr>
+          </a:p>
+          <a:p>
+            <a:pPr marL="0" indent="0">
+              <a:buNone/>
+            </a:pPr>
+            <a:r>
+              <a:rPr lang="en-US" sz="1400" b="0" dirty="0" err="1">
+                <a:solidFill>
+                  <a:srgbClr val="81D4FA"/>
+                </a:solidFill>
+                <a:effectLst/>
+                <a:latin typeface="Consolas" panose="020B0609020204030204" pitchFamily="49" charset="0"/>
+              </a:rPr>
+              <a:t>builder</a:t>
+            </a:r>
+            <a:r>
+              <a:rPr lang="en-US" sz="1400" b="0" dirty="0" err="1">
+                <a:solidFill>
+                  <a:srgbClr val="E0E0E0"/>
+                </a:solidFill>
+                <a:effectLst/>
+                <a:latin typeface="Consolas" panose="020B0609020204030204" pitchFamily="49" charset="0"/>
+              </a:rPr>
+              <a:t>.</a:t>
+            </a:r>
+            <a:r>
+              <a:rPr lang="en-US" sz="1400" b="0" dirty="0" err="1">
+                <a:solidFill>
+                  <a:srgbClr val="81D4FA"/>
+                </a:solidFill>
+                <a:effectLst/>
+                <a:latin typeface="Consolas" panose="020B0609020204030204" pitchFamily="49" charset="0"/>
+              </a:rPr>
+              <a:t>Register</a:t>
+            </a:r>
+            <a:r>
+              <a:rPr lang="en-US" sz="1400" b="0" dirty="0">
+                <a:solidFill>
+                  <a:srgbClr val="BDBDBD"/>
+                </a:solidFill>
+                <a:effectLst/>
+                <a:latin typeface="Consolas" panose="020B0609020204030204" pitchFamily="49" charset="0"/>
+              </a:rPr>
+              <a:t>(</a:t>
+            </a:r>
+            <a:r>
+              <a:rPr lang="en-US" sz="1400" b="0" dirty="0">
+                <a:solidFill>
+                  <a:srgbClr val="81D4FA"/>
+                </a:solidFill>
+                <a:effectLst/>
+                <a:latin typeface="Consolas" panose="020B0609020204030204" pitchFamily="49" charset="0"/>
+              </a:rPr>
+              <a:t>c</a:t>
+            </a:r>
+            <a:r>
+              <a:rPr lang="en-US" sz="1400" b="0" dirty="0">
+                <a:solidFill>
+                  <a:srgbClr val="BDBDBD"/>
+                </a:solidFill>
+                <a:effectLst/>
+                <a:latin typeface="Consolas" panose="020B0609020204030204" pitchFamily="49" charset="0"/>
+              </a:rPr>
+              <a:t> </a:t>
+            </a:r>
+            <a:r>
+              <a:rPr lang="en-US" sz="1400" b="0" dirty="0">
+                <a:solidFill>
+                  <a:srgbClr val="E0E0E0"/>
+                </a:solidFill>
+                <a:effectLst/>
+                <a:latin typeface="Consolas" panose="020B0609020204030204" pitchFamily="49" charset="0"/>
+              </a:rPr>
+              <a:t>=&gt;</a:t>
+            </a:r>
+            <a:r>
+              <a:rPr lang="en-US" sz="1400" b="0" dirty="0">
+                <a:solidFill>
+                  <a:srgbClr val="BDBDBD"/>
+                </a:solidFill>
+                <a:effectLst/>
+                <a:latin typeface="Consolas" panose="020B0609020204030204" pitchFamily="49" charset="0"/>
+              </a:rPr>
+              <a:t> </a:t>
+            </a:r>
+            <a:r>
+              <a:rPr lang="en-US" sz="1400" b="0" dirty="0">
+                <a:solidFill>
+                  <a:srgbClr val="2196F3"/>
+                </a:solidFill>
+                <a:effectLst/>
+                <a:latin typeface="Consolas" panose="020B0609020204030204" pitchFamily="49" charset="0"/>
+              </a:rPr>
+              <a:t>new</a:t>
+            </a:r>
+            <a:r>
+              <a:rPr lang="en-US" sz="1400" b="0" dirty="0">
+                <a:solidFill>
+                  <a:srgbClr val="BDBDBD"/>
+                </a:solidFill>
+                <a:effectLst/>
+                <a:latin typeface="Consolas" panose="020B0609020204030204" pitchFamily="49" charset="0"/>
+              </a:rPr>
+              <a:t> </a:t>
+            </a:r>
+            <a:r>
+              <a:rPr lang="en-US" sz="1400" b="0" dirty="0" err="1">
+                <a:solidFill>
+                  <a:srgbClr val="81D4FA"/>
+                </a:solidFill>
+                <a:effectLst/>
+                <a:latin typeface="Consolas" panose="020B0609020204030204" pitchFamily="49" charset="0"/>
+              </a:rPr>
+              <a:t>ConfigReader</a:t>
+            </a:r>
+            <a:r>
+              <a:rPr lang="en-US" sz="1400" b="0" dirty="0">
+                <a:solidFill>
+                  <a:srgbClr val="BDBDBD"/>
+                </a:solidFill>
+                <a:effectLst/>
+                <a:latin typeface="Consolas" panose="020B0609020204030204" pitchFamily="49" charset="0"/>
+              </a:rPr>
+              <a:t>(</a:t>
+            </a:r>
+            <a:r>
+              <a:rPr lang="en-US" sz="1400" b="0" dirty="0">
+                <a:solidFill>
+                  <a:srgbClr val="FFAB91"/>
+                </a:solidFill>
+                <a:effectLst/>
+                <a:latin typeface="Consolas" panose="020B0609020204030204" pitchFamily="49" charset="0"/>
+              </a:rPr>
+              <a:t>"</a:t>
+            </a:r>
+            <a:r>
+              <a:rPr lang="en-US" sz="1400" b="0" dirty="0" err="1">
+                <a:solidFill>
+                  <a:srgbClr val="FFAB91"/>
+                </a:solidFill>
+                <a:effectLst/>
+                <a:latin typeface="Consolas" panose="020B0609020204030204" pitchFamily="49" charset="0"/>
+              </a:rPr>
+              <a:t>mysection</a:t>
+            </a:r>
+            <a:r>
+              <a:rPr lang="en-US" sz="1400" b="0" dirty="0">
+                <a:solidFill>
+                  <a:srgbClr val="FFAB91"/>
+                </a:solidFill>
+                <a:effectLst/>
+                <a:latin typeface="Consolas" panose="020B0609020204030204" pitchFamily="49" charset="0"/>
+              </a:rPr>
+              <a:t>"</a:t>
+            </a:r>
+            <a:r>
+              <a:rPr lang="en-US" sz="1400" b="0" dirty="0">
+                <a:solidFill>
+                  <a:srgbClr val="BDBDBD"/>
+                </a:solidFill>
+                <a:effectLst/>
+                <a:latin typeface="Consolas" panose="020B0609020204030204" pitchFamily="49" charset="0"/>
+              </a:rPr>
+              <a:t>))</a:t>
+            </a:r>
+            <a:r>
+              <a:rPr lang="en-US" sz="1400" b="0" dirty="0">
+                <a:solidFill>
+                  <a:srgbClr val="E0E0E0"/>
+                </a:solidFill>
+                <a:effectLst/>
+                <a:latin typeface="Consolas" panose="020B0609020204030204" pitchFamily="49" charset="0"/>
+              </a:rPr>
+              <a:t>.</a:t>
+            </a:r>
+            <a:r>
+              <a:rPr lang="en-US" sz="1400" b="0" dirty="0">
+                <a:solidFill>
+                  <a:srgbClr val="81D4FA"/>
+                </a:solidFill>
+                <a:effectLst/>
+                <a:latin typeface="Consolas" panose="020B0609020204030204" pitchFamily="49" charset="0"/>
+              </a:rPr>
+              <a:t>As</a:t>
+            </a:r>
+            <a:r>
+              <a:rPr lang="en-US" sz="1400" b="0" dirty="0">
+                <a:solidFill>
+                  <a:srgbClr val="BDBDBD"/>
+                </a:solidFill>
+                <a:effectLst/>
+                <a:latin typeface="Consolas" panose="020B0609020204030204" pitchFamily="49" charset="0"/>
+              </a:rPr>
+              <a:t>&lt;</a:t>
+            </a:r>
+            <a:r>
+              <a:rPr lang="en-US" sz="1400" b="0" dirty="0" err="1">
+                <a:solidFill>
+                  <a:srgbClr val="81D4FA"/>
+                </a:solidFill>
+                <a:effectLst/>
+                <a:latin typeface="Consolas" panose="020B0609020204030204" pitchFamily="49" charset="0"/>
+              </a:rPr>
+              <a:t>IConfigReader</a:t>
+            </a:r>
+            <a:r>
+              <a:rPr lang="en-US" sz="1400" b="0" dirty="0">
+                <a:solidFill>
+                  <a:srgbClr val="BDBDBD"/>
+                </a:solidFill>
+                <a:effectLst/>
+                <a:latin typeface="Consolas" panose="020B0609020204030204" pitchFamily="49" charset="0"/>
+              </a:rPr>
+              <a:t>&gt;();</a:t>
+            </a:r>
+          </a:p>
+        </p:txBody>
+      </p:sp>
+    </p:spTree>
+    <p:extLst>
+      <p:ext uri="{BB962C8B-B14F-4D97-AF65-F5344CB8AC3E}">
+        <p14:creationId xmlns:p14="http://schemas.microsoft.com/office/powerpoint/2010/main" val="2567491620"/>
+      </p:ext>
+    </p:extLst>
+  </p:cSld>
+  <p:clrMapOvr>
+    <a:masterClrMapping/>
+  </p:clrMapOvr>
+</p:sld>
+</file>
+
+<file path=ppt/slides/slide8.xml><?xml version="1.0" encoding="utf-8"?>
+<p:sld xmlns:a="http://schemas.openxmlformats.org/drawingml/2006/main" xmlns:r="http://schemas.openxmlformats.org/officeDocument/2006/relationships" xmlns:p="http://schemas.openxmlformats.org/presentationml/2006/main">
+  <p:cSld>
+    <p:spTree>
+      <p:nvGrpSpPr>
+        <p:cNvPr id="1" name=""/>
+        <p:cNvGrpSpPr/>
+        <p:nvPr/>
+      </p:nvGrpSpPr>
+      <p:grpSpPr>
+        <a:xfrm>
+          <a:off x="0" y="0"/>
+          <a:ext cx="0" cy="0"/>
+          <a:chOff x="0" y="0"/>
+          <a:chExt cx="0" cy="0"/>
+        </a:xfrm>
+      </p:grpSpPr>
+      <p:sp>
+        <p:nvSpPr>
+          <p:cNvPr id="5" name="Title 4">
+            <a:extLst>
+              <a:ext uri="{FF2B5EF4-FFF2-40B4-BE49-F238E27FC236}">
+                <a16:creationId xmlns:a16="http://schemas.microsoft.com/office/drawing/2014/main" id="{F4673F5B-AADC-4BED-859C-530EBEA568B8}"/>
+              </a:ext>
+            </a:extLst>
+          </p:cNvPr>
+          <p:cNvSpPr>
+            <a:spLocks noGrp="1"/>
+          </p:cNvSpPr>
+          <p:nvPr>
+            <p:ph type="title"/>
+          </p:nvPr>
+        </p:nvSpPr>
+        <p:spPr/>
+        <p:txBody>
+          <a:bodyPr/>
+          <a:lstStyle/>
+          <a:p>
+            <a:r>
+              <a:rPr lang="en-US" sz="3600" b="1" dirty="0"/>
+              <a:t>Property injection</a:t>
+            </a:r>
+          </a:p>
+        </p:txBody>
+      </p:sp>
+      <p:sp>
+        <p:nvSpPr>
+          <p:cNvPr id="6" name="Text Placeholder 5">
+            <a:extLst>
+              <a:ext uri="{FF2B5EF4-FFF2-40B4-BE49-F238E27FC236}">
+                <a16:creationId xmlns:a16="http://schemas.microsoft.com/office/drawing/2014/main" id="{A1206317-B33C-42E7-94BE-34E9AEC2E39C}"/>
+              </a:ext>
+            </a:extLst>
+          </p:cNvPr>
+          <p:cNvSpPr>
+            <a:spLocks noGrp="1"/>
+          </p:cNvSpPr>
+          <p:nvPr>
+            <p:ph type="body" idx="1"/>
+          </p:nvPr>
+        </p:nvSpPr>
+        <p:spPr/>
+        <p:txBody>
+          <a:bodyPr/>
+          <a:lstStyle/>
+          <a:p>
+            <a:r>
+              <a:rPr lang="en-US" dirty="0"/>
+              <a:t>Microsoft DI</a:t>
+            </a:r>
+          </a:p>
+        </p:txBody>
+      </p:sp>
+      <p:sp>
+        <p:nvSpPr>
+          <p:cNvPr id="7" name="Content Placeholder 6">
+            <a:extLst>
+              <a:ext uri="{FF2B5EF4-FFF2-40B4-BE49-F238E27FC236}">
+                <a16:creationId xmlns:a16="http://schemas.microsoft.com/office/drawing/2014/main" id="{C19E30EC-6E7C-4C9E-8946-B95757FF962C}"/>
+              </a:ext>
+            </a:extLst>
+          </p:cNvPr>
+          <p:cNvSpPr>
+            <a:spLocks noGrp="1"/>
+          </p:cNvSpPr>
+          <p:nvPr>
+            <p:ph sz="half" idx="2"/>
+          </p:nvPr>
+        </p:nvSpPr>
+        <p:spPr>
+          <a:xfrm>
+            <a:off x="680322" y="3030008"/>
+            <a:ext cx="4698355" cy="3443527"/>
+          </a:xfrm>
+          <a:solidFill>
+            <a:schemeClr val="bg1">
+              <a:lumMod val="85000"/>
+              <a:lumOff val="15000"/>
+            </a:schemeClr>
+          </a:solidFill>
+        </p:spPr>
+        <p:txBody>
+          <a:bodyPr>
+            <a:normAutofit fontScale="92500" lnSpcReduction="10000"/>
+          </a:bodyPr>
+          <a:lstStyle/>
+          <a:p>
+            <a:pPr marL="0" indent="0">
+              <a:buNone/>
+            </a:pPr>
+            <a:r>
+              <a:rPr lang="en-US" sz="1800" b="0" dirty="0" err="1">
+                <a:solidFill>
+                  <a:srgbClr val="81D4FA"/>
+                </a:solidFill>
+                <a:effectLst/>
+                <a:latin typeface="Consolas" panose="020B0609020204030204" pitchFamily="49" charset="0"/>
+              </a:rPr>
+              <a:t>builder</a:t>
+            </a:r>
+            <a:r>
+              <a:rPr lang="en-US" sz="1800" b="0" dirty="0" err="1">
+                <a:solidFill>
+                  <a:srgbClr val="BDBDBD"/>
+                </a:solidFill>
+                <a:effectLst/>
+                <a:latin typeface="Consolas" panose="020B0609020204030204" pitchFamily="49" charset="0"/>
+              </a:rPr>
+              <a:t>.</a:t>
+            </a:r>
+            <a:r>
+              <a:rPr lang="en-US" sz="1800" b="0" dirty="0" err="1">
+                <a:solidFill>
+                  <a:srgbClr val="81D4FA"/>
+                </a:solidFill>
+                <a:effectLst/>
+                <a:latin typeface="Consolas" panose="020B0609020204030204" pitchFamily="49" charset="0"/>
+              </a:rPr>
+              <a:t>Services</a:t>
+            </a:r>
+            <a:endParaRPr lang="en-US" sz="1800" b="0" dirty="0">
+              <a:solidFill>
+                <a:srgbClr val="81D4FA"/>
+              </a:solidFill>
+              <a:effectLst/>
+              <a:latin typeface="Consolas" panose="020B0609020204030204" pitchFamily="49" charset="0"/>
+            </a:endParaRPr>
+          </a:p>
+          <a:p>
+            <a:pPr marL="0" indent="0">
+              <a:buNone/>
+            </a:pPr>
+            <a:r>
+              <a:rPr lang="en-US" sz="1800" b="0" dirty="0">
+                <a:solidFill>
+                  <a:srgbClr val="81D4FA"/>
+                </a:solidFill>
+                <a:effectLst/>
+                <a:latin typeface="Consolas" panose="020B0609020204030204" pitchFamily="49" charset="0"/>
+              </a:rPr>
+              <a:t>       </a:t>
+            </a:r>
+            <a:r>
+              <a:rPr lang="en-US" sz="1800" b="0" dirty="0">
+                <a:solidFill>
+                  <a:srgbClr val="BDBDBD"/>
+                </a:solidFill>
+                <a:effectLst/>
+                <a:latin typeface="Consolas" panose="020B0609020204030204" pitchFamily="49" charset="0"/>
+              </a:rPr>
+              <a:t>.</a:t>
+            </a:r>
+            <a:r>
+              <a:rPr lang="en-US" sz="1800" b="0" dirty="0" err="1">
+                <a:solidFill>
+                  <a:srgbClr val="F0F4C3"/>
+                </a:solidFill>
+                <a:effectLst/>
+                <a:latin typeface="Consolas" panose="020B0609020204030204" pitchFamily="49" charset="0"/>
+              </a:rPr>
+              <a:t>AddScoped</a:t>
+            </a:r>
+            <a:r>
+              <a:rPr lang="en-US" sz="1800" b="0" dirty="0">
+                <a:solidFill>
+                  <a:srgbClr val="BDBDBD"/>
+                </a:solidFill>
+                <a:effectLst/>
+                <a:latin typeface="Consolas" panose="020B0609020204030204" pitchFamily="49" charset="0"/>
+              </a:rPr>
+              <a:t>&lt;</a:t>
+            </a:r>
+            <a:r>
+              <a:rPr lang="en-US" sz="1800" b="0" dirty="0" err="1">
+                <a:solidFill>
+                  <a:srgbClr val="4DB6AC"/>
+                </a:solidFill>
+                <a:effectLst/>
+                <a:latin typeface="Consolas" panose="020B0609020204030204" pitchFamily="49" charset="0"/>
+              </a:rPr>
+              <a:t>IMyDependency</a:t>
+            </a:r>
+            <a:r>
+              <a:rPr lang="en-US" sz="1800" b="0" dirty="0">
+                <a:solidFill>
+                  <a:srgbClr val="BDBDBD"/>
+                </a:solidFill>
+                <a:effectLst/>
+                <a:latin typeface="Consolas" panose="020B0609020204030204" pitchFamily="49" charset="0"/>
+              </a:rPr>
+              <a:t>, 		    </a:t>
+            </a:r>
+            <a:r>
+              <a:rPr lang="en-US" sz="1800" b="0" dirty="0" err="1">
+                <a:solidFill>
+                  <a:srgbClr val="4DB6AC"/>
+                </a:solidFill>
+                <a:effectLst/>
+                <a:latin typeface="Consolas" panose="020B0609020204030204" pitchFamily="49" charset="0"/>
+              </a:rPr>
+              <a:t>MyDependency</a:t>
+            </a:r>
+            <a:r>
+              <a:rPr lang="en-US" sz="1800" b="0" dirty="0">
+                <a:solidFill>
+                  <a:srgbClr val="BDBDBD"/>
+                </a:solidFill>
+                <a:effectLst/>
+                <a:latin typeface="Consolas" panose="020B0609020204030204" pitchFamily="49" charset="0"/>
+              </a:rPr>
+              <a:t>&gt;();</a:t>
+            </a:r>
+          </a:p>
+          <a:p>
+            <a:endParaRPr lang="en-US" dirty="0"/>
+          </a:p>
+        </p:txBody>
+      </p:sp>
+      <p:sp>
+        <p:nvSpPr>
+          <p:cNvPr id="8" name="Text Placeholder 7">
+            <a:extLst>
+              <a:ext uri="{FF2B5EF4-FFF2-40B4-BE49-F238E27FC236}">
+                <a16:creationId xmlns:a16="http://schemas.microsoft.com/office/drawing/2014/main" id="{239372C0-CC99-466D-9E26-29DA1A617331}"/>
+              </a:ext>
+            </a:extLst>
+          </p:cNvPr>
+          <p:cNvSpPr>
+            <a:spLocks noGrp="1"/>
+          </p:cNvSpPr>
+          <p:nvPr>
+            <p:ph type="body" sz="quarter" idx="3"/>
+          </p:nvPr>
+        </p:nvSpPr>
+        <p:spPr/>
+        <p:txBody>
+          <a:bodyPr/>
+          <a:lstStyle/>
+          <a:p>
+            <a:r>
+              <a:rPr lang="en-US" dirty="0" err="1"/>
+              <a:t>Autofac</a:t>
+            </a:r>
+            <a:endParaRPr lang="en-US" dirty="0"/>
+          </a:p>
+        </p:txBody>
+      </p:sp>
+      <p:sp>
+        <p:nvSpPr>
+          <p:cNvPr id="11" name="Rectangle 2">
+            <a:extLst>
+              <a:ext uri="{FF2B5EF4-FFF2-40B4-BE49-F238E27FC236}">
+                <a16:creationId xmlns:a16="http://schemas.microsoft.com/office/drawing/2014/main" id="{6BEFB1AB-8AD3-4B14-B958-63C5CC53D2D6}"/>
+              </a:ext>
+            </a:extLst>
+          </p:cNvPr>
+          <p:cNvSpPr>
+            <a:spLocks noGrp="1" noChangeArrowheads="1"/>
+          </p:cNvSpPr>
+          <p:nvPr>
+            <p:ph sz="quarter" idx="4"/>
+          </p:nvPr>
+        </p:nvSpPr>
+        <p:spPr bwMode="auto">
+          <a:xfrm>
+            <a:off x="5594123" y="3028948"/>
+            <a:ext cx="5917555" cy="3444587"/>
+          </a:xfrm>
+          <a:prstGeom prst="rect">
+            <a:avLst/>
+          </a:prstGeom>
+          <a:solidFill>
+            <a:schemeClr val="bg1">
+              <a:lumMod val="85000"/>
+              <a:lumOff val="15000"/>
+            </a:schemeClr>
+          </a:solidFill>
+        </p:spPr>
+        <p:txBody>
+          <a:bodyPr vert="horz" lIns="91440" tIns="45720" rIns="91440" bIns="45720" rtlCol="0">
+            <a:normAutofit fontScale="92500" lnSpcReduction="10000"/>
+          </a:bodyPr>
+          <a:lstStyle/>
+          <a:p>
+            <a:pPr marL="0" indent="0">
+              <a:buNone/>
+            </a:pPr>
+            <a:r>
+              <a:rPr lang="en-US" sz="1400" b="0" dirty="0">
+                <a:solidFill>
+                  <a:srgbClr val="689F38"/>
+                </a:solidFill>
+                <a:effectLst/>
+                <a:latin typeface="Consolas" panose="020B0609020204030204" pitchFamily="49" charset="0"/>
+              </a:rPr>
+              <a:t>// Create the builder with which components/services are registered.</a:t>
+            </a:r>
+            <a:endParaRPr lang="en-US" sz="1400" b="0" dirty="0">
+              <a:solidFill>
+                <a:srgbClr val="BDBDBD"/>
+              </a:solidFill>
+              <a:effectLst/>
+              <a:latin typeface="Consolas" panose="020B0609020204030204" pitchFamily="49" charset="0"/>
+            </a:endParaRPr>
+          </a:p>
+          <a:p>
+            <a:pPr marL="0" indent="0">
+              <a:buNone/>
+            </a:pPr>
+            <a:r>
+              <a:rPr lang="en-US" sz="1400" b="0" dirty="0">
+                <a:solidFill>
+                  <a:srgbClr val="2196F3"/>
+                </a:solidFill>
+                <a:effectLst/>
+                <a:latin typeface="Consolas" panose="020B0609020204030204" pitchFamily="49" charset="0"/>
+              </a:rPr>
+              <a:t>var</a:t>
+            </a:r>
+            <a:r>
+              <a:rPr lang="en-US" sz="1400" b="0" dirty="0">
+                <a:solidFill>
+                  <a:srgbClr val="BDBDBD"/>
+                </a:solidFill>
+                <a:effectLst/>
+                <a:latin typeface="Consolas" panose="020B0609020204030204" pitchFamily="49" charset="0"/>
+              </a:rPr>
+              <a:t> </a:t>
+            </a:r>
+            <a:r>
+              <a:rPr lang="en-US" sz="1400" b="0" dirty="0">
+                <a:solidFill>
+                  <a:srgbClr val="81D4FA"/>
+                </a:solidFill>
+                <a:effectLst/>
+                <a:latin typeface="Consolas" panose="020B0609020204030204" pitchFamily="49" charset="0"/>
+              </a:rPr>
+              <a:t>builder</a:t>
+            </a:r>
+            <a:r>
+              <a:rPr lang="en-US" sz="1400" b="0" dirty="0">
+                <a:solidFill>
+                  <a:srgbClr val="BDBDBD"/>
+                </a:solidFill>
+                <a:effectLst/>
+                <a:latin typeface="Consolas" panose="020B0609020204030204" pitchFamily="49" charset="0"/>
+              </a:rPr>
+              <a:t> </a:t>
+            </a:r>
+            <a:r>
+              <a:rPr lang="en-US" sz="1400" b="0" dirty="0">
+                <a:solidFill>
+                  <a:srgbClr val="E0E0E0"/>
+                </a:solidFill>
+                <a:effectLst/>
+                <a:latin typeface="Consolas" panose="020B0609020204030204" pitchFamily="49" charset="0"/>
+              </a:rPr>
+              <a:t>=</a:t>
+            </a:r>
+            <a:r>
+              <a:rPr lang="en-US" sz="1400" b="0" dirty="0">
+                <a:solidFill>
+                  <a:srgbClr val="BDBDBD"/>
+                </a:solidFill>
+                <a:effectLst/>
+                <a:latin typeface="Consolas" panose="020B0609020204030204" pitchFamily="49" charset="0"/>
+              </a:rPr>
+              <a:t> </a:t>
+            </a:r>
+            <a:r>
+              <a:rPr lang="en-US" sz="1400" b="0" dirty="0">
+                <a:solidFill>
+                  <a:srgbClr val="2196F3"/>
+                </a:solidFill>
+                <a:effectLst/>
+                <a:latin typeface="Consolas" panose="020B0609020204030204" pitchFamily="49" charset="0"/>
+              </a:rPr>
+              <a:t>new</a:t>
+            </a:r>
+            <a:r>
+              <a:rPr lang="en-US" sz="1400" b="0" dirty="0">
+                <a:solidFill>
+                  <a:srgbClr val="BDBDBD"/>
+                </a:solidFill>
+                <a:effectLst/>
+                <a:latin typeface="Consolas" panose="020B0609020204030204" pitchFamily="49" charset="0"/>
+              </a:rPr>
+              <a:t> </a:t>
+            </a:r>
+            <a:r>
+              <a:rPr lang="en-US" sz="1400" b="0" dirty="0" err="1">
+                <a:solidFill>
+                  <a:srgbClr val="81D4FA"/>
+                </a:solidFill>
+                <a:effectLst/>
+                <a:latin typeface="Consolas" panose="020B0609020204030204" pitchFamily="49" charset="0"/>
+              </a:rPr>
+              <a:t>ContainerBuilder</a:t>
+            </a:r>
+            <a:r>
+              <a:rPr lang="en-US" sz="1400" b="0" dirty="0">
+                <a:solidFill>
+                  <a:srgbClr val="BDBDBD"/>
+                </a:solidFill>
+                <a:effectLst/>
+                <a:latin typeface="Consolas" panose="020B0609020204030204" pitchFamily="49" charset="0"/>
+              </a:rPr>
+              <a:t>();</a:t>
+            </a:r>
+          </a:p>
+          <a:p>
+            <a:pPr marL="0" indent="0">
+              <a:buNone/>
+            </a:pPr>
+            <a:br>
+              <a:rPr lang="en-US" sz="1400" b="0" dirty="0">
+                <a:solidFill>
+                  <a:srgbClr val="BDBDBD"/>
+                </a:solidFill>
+                <a:effectLst/>
+                <a:latin typeface="Consolas" panose="020B0609020204030204" pitchFamily="49" charset="0"/>
+              </a:rPr>
+            </a:br>
+            <a:r>
+              <a:rPr lang="en-US" sz="1400" b="0" dirty="0">
+                <a:solidFill>
+                  <a:srgbClr val="689F38"/>
+                </a:solidFill>
+                <a:effectLst/>
+                <a:latin typeface="Consolas" panose="020B0609020204030204" pitchFamily="49" charset="0"/>
+              </a:rPr>
+              <a:t>// Register types that expose interfaces...</a:t>
+            </a:r>
+            <a:endParaRPr lang="en-US" sz="1400" b="0" dirty="0">
+              <a:solidFill>
+                <a:srgbClr val="BDBDBD"/>
+              </a:solidFill>
+              <a:effectLst/>
+              <a:latin typeface="Consolas" panose="020B0609020204030204" pitchFamily="49" charset="0"/>
+            </a:endParaRPr>
+          </a:p>
+          <a:p>
+            <a:pPr marL="0" indent="0">
+              <a:buNone/>
+            </a:pPr>
+            <a:r>
+              <a:rPr lang="en-US" sz="1400" b="0" dirty="0" err="1">
+                <a:solidFill>
+                  <a:srgbClr val="81D4FA"/>
+                </a:solidFill>
+                <a:effectLst/>
+                <a:latin typeface="Consolas" panose="020B0609020204030204" pitchFamily="49" charset="0"/>
+              </a:rPr>
+              <a:t>builder</a:t>
+            </a:r>
+            <a:r>
+              <a:rPr lang="en-US" sz="1400" b="0" dirty="0" err="1">
+                <a:solidFill>
+                  <a:srgbClr val="E0E0E0"/>
+                </a:solidFill>
+                <a:effectLst/>
+                <a:latin typeface="Consolas" panose="020B0609020204030204" pitchFamily="49" charset="0"/>
+              </a:rPr>
+              <a:t>.</a:t>
+            </a:r>
+            <a:r>
+              <a:rPr lang="en-US" sz="1400" b="0" dirty="0" err="1">
+                <a:solidFill>
+                  <a:srgbClr val="81D4FA"/>
+                </a:solidFill>
+                <a:effectLst/>
+                <a:latin typeface="Consolas" panose="020B0609020204030204" pitchFamily="49" charset="0"/>
+              </a:rPr>
+              <a:t>RegisterType</a:t>
+            </a:r>
+            <a:r>
+              <a:rPr lang="en-US" sz="1400" b="0" dirty="0">
+                <a:solidFill>
+                  <a:srgbClr val="BDBDBD"/>
+                </a:solidFill>
+                <a:effectLst/>
+                <a:latin typeface="Consolas" panose="020B0609020204030204" pitchFamily="49" charset="0"/>
+              </a:rPr>
+              <a:t>&lt;</a:t>
+            </a:r>
+            <a:r>
+              <a:rPr lang="en-US" sz="1400" b="0" dirty="0" err="1">
+                <a:solidFill>
+                  <a:srgbClr val="81D4FA"/>
+                </a:solidFill>
+                <a:effectLst/>
+                <a:latin typeface="Consolas" panose="020B0609020204030204" pitchFamily="49" charset="0"/>
+              </a:rPr>
+              <a:t>ConsoleLogger</a:t>
+            </a:r>
+            <a:r>
+              <a:rPr lang="en-US" sz="1400" b="0" dirty="0">
+                <a:solidFill>
+                  <a:srgbClr val="BDBDBD"/>
+                </a:solidFill>
+                <a:effectLst/>
+                <a:latin typeface="Consolas" panose="020B0609020204030204" pitchFamily="49" charset="0"/>
+              </a:rPr>
+              <a:t>&gt;()</a:t>
+            </a:r>
+            <a:r>
+              <a:rPr lang="en-US" sz="1400" b="0" dirty="0">
+                <a:solidFill>
+                  <a:srgbClr val="E0E0E0"/>
+                </a:solidFill>
+                <a:effectLst/>
+                <a:latin typeface="Consolas" panose="020B0609020204030204" pitchFamily="49" charset="0"/>
+              </a:rPr>
+              <a:t>.</a:t>
+            </a:r>
+            <a:r>
+              <a:rPr lang="en-US" sz="1400" b="0" dirty="0">
+                <a:solidFill>
+                  <a:srgbClr val="81D4FA"/>
+                </a:solidFill>
+                <a:effectLst/>
+                <a:latin typeface="Consolas" panose="020B0609020204030204" pitchFamily="49" charset="0"/>
+              </a:rPr>
+              <a:t>As</a:t>
+            </a:r>
+            <a:r>
+              <a:rPr lang="en-US" sz="1400" b="0" dirty="0">
+                <a:solidFill>
+                  <a:srgbClr val="BDBDBD"/>
+                </a:solidFill>
+                <a:effectLst/>
+                <a:latin typeface="Consolas" panose="020B0609020204030204" pitchFamily="49" charset="0"/>
+              </a:rPr>
+              <a:t>&lt;</a:t>
+            </a:r>
+            <a:r>
+              <a:rPr lang="en-US" sz="1400" b="0" dirty="0" err="1">
+                <a:solidFill>
+                  <a:srgbClr val="81D4FA"/>
+                </a:solidFill>
+                <a:effectLst/>
+                <a:latin typeface="Consolas" panose="020B0609020204030204" pitchFamily="49" charset="0"/>
+              </a:rPr>
+              <a:t>ILogger</a:t>
+            </a:r>
+            <a:r>
+              <a:rPr lang="en-US" sz="1400" b="0" dirty="0">
+                <a:solidFill>
+                  <a:srgbClr val="BDBDBD"/>
+                </a:solidFill>
+                <a:effectLst/>
+                <a:latin typeface="Consolas" panose="020B0609020204030204" pitchFamily="49" charset="0"/>
+              </a:rPr>
+              <a:t>&gt;();</a:t>
+            </a:r>
+          </a:p>
+          <a:p>
+            <a:pPr marL="0" indent="0">
+              <a:buNone/>
+            </a:pPr>
+            <a:br>
+              <a:rPr lang="en-US" sz="1400" b="0" dirty="0">
+                <a:solidFill>
+                  <a:srgbClr val="BDBDBD"/>
+                </a:solidFill>
+                <a:effectLst/>
+                <a:latin typeface="Consolas" panose="020B0609020204030204" pitchFamily="49" charset="0"/>
+              </a:rPr>
+            </a:br>
+            <a:r>
+              <a:rPr lang="en-US" sz="1400" b="0" dirty="0">
+                <a:solidFill>
+                  <a:srgbClr val="689F38"/>
+                </a:solidFill>
+                <a:effectLst/>
+                <a:latin typeface="Consolas" panose="020B0609020204030204" pitchFamily="49" charset="0"/>
+              </a:rPr>
+              <a:t>// Register instances of objects you create...</a:t>
+            </a:r>
+            <a:endParaRPr lang="en-US" sz="1400" b="0" dirty="0">
+              <a:solidFill>
+                <a:srgbClr val="BDBDBD"/>
+              </a:solidFill>
+              <a:effectLst/>
+              <a:latin typeface="Consolas" panose="020B0609020204030204" pitchFamily="49" charset="0"/>
+            </a:endParaRPr>
+          </a:p>
+          <a:p>
+            <a:pPr marL="0" indent="0">
+              <a:buNone/>
+            </a:pPr>
+            <a:r>
+              <a:rPr lang="en-US" sz="1400" b="0" dirty="0">
+                <a:solidFill>
+                  <a:srgbClr val="2196F3"/>
+                </a:solidFill>
+                <a:effectLst/>
+                <a:latin typeface="Consolas" panose="020B0609020204030204" pitchFamily="49" charset="0"/>
+              </a:rPr>
+              <a:t>var</a:t>
+            </a:r>
+            <a:r>
+              <a:rPr lang="en-US" sz="1400" b="0" dirty="0">
+                <a:solidFill>
+                  <a:srgbClr val="BDBDBD"/>
+                </a:solidFill>
+                <a:effectLst/>
+                <a:latin typeface="Consolas" panose="020B0609020204030204" pitchFamily="49" charset="0"/>
+              </a:rPr>
+              <a:t> </a:t>
+            </a:r>
+            <a:r>
+              <a:rPr lang="en-US" sz="1400" b="0" dirty="0">
+                <a:solidFill>
+                  <a:srgbClr val="81D4FA"/>
+                </a:solidFill>
+                <a:effectLst/>
+                <a:latin typeface="Consolas" panose="020B0609020204030204" pitchFamily="49" charset="0"/>
+              </a:rPr>
+              <a:t>output</a:t>
+            </a:r>
+            <a:r>
+              <a:rPr lang="en-US" sz="1400" b="0" dirty="0">
+                <a:solidFill>
+                  <a:srgbClr val="BDBDBD"/>
+                </a:solidFill>
+                <a:effectLst/>
+                <a:latin typeface="Consolas" panose="020B0609020204030204" pitchFamily="49" charset="0"/>
+              </a:rPr>
+              <a:t> </a:t>
+            </a:r>
+            <a:r>
+              <a:rPr lang="en-US" sz="1400" b="0" dirty="0">
+                <a:solidFill>
+                  <a:srgbClr val="E0E0E0"/>
+                </a:solidFill>
+                <a:effectLst/>
+                <a:latin typeface="Consolas" panose="020B0609020204030204" pitchFamily="49" charset="0"/>
+              </a:rPr>
+              <a:t>=</a:t>
+            </a:r>
+            <a:r>
+              <a:rPr lang="en-US" sz="1400" b="0" dirty="0">
+                <a:solidFill>
+                  <a:srgbClr val="BDBDBD"/>
+                </a:solidFill>
+                <a:effectLst/>
+                <a:latin typeface="Consolas" panose="020B0609020204030204" pitchFamily="49" charset="0"/>
+              </a:rPr>
+              <a:t> </a:t>
+            </a:r>
+            <a:r>
+              <a:rPr lang="en-US" sz="1400" b="0" dirty="0">
+                <a:solidFill>
+                  <a:srgbClr val="2196F3"/>
+                </a:solidFill>
+                <a:effectLst/>
+                <a:latin typeface="Consolas" panose="020B0609020204030204" pitchFamily="49" charset="0"/>
+              </a:rPr>
+              <a:t>new</a:t>
+            </a:r>
+            <a:r>
+              <a:rPr lang="en-US" sz="1400" b="0" dirty="0">
+                <a:solidFill>
+                  <a:srgbClr val="BDBDBD"/>
+                </a:solidFill>
+                <a:effectLst/>
+                <a:latin typeface="Consolas" panose="020B0609020204030204" pitchFamily="49" charset="0"/>
+              </a:rPr>
+              <a:t> </a:t>
+            </a:r>
+            <a:r>
+              <a:rPr lang="en-US" sz="1400" b="0" dirty="0" err="1">
+                <a:solidFill>
+                  <a:srgbClr val="81D4FA"/>
+                </a:solidFill>
+                <a:effectLst/>
+                <a:latin typeface="Consolas" panose="020B0609020204030204" pitchFamily="49" charset="0"/>
+              </a:rPr>
+              <a:t>StringWriter</a:t>
+            </a:r>
+            <a:r>
+              <a:rPr lang="en-US" sz="1400" b="0" dirty="0">
+                <a:solidFill>
+                  <a:srgbClr val="BDBDBD"/>
+                </a:solidFill>
+                <a:effectLst/>
+                <a:latin typeface="Consolas" panose="020B0609020204030204" pitchFamily="49" charset="0"/>
+              </a:rPr>
+              <a:t>();</a:t>
+            </a:r>
+          </a:p>
+          <a:p>
+            <a:pPr marL="0" indent="0">
+              <a:buNone/>
+            </a:pPr>
+            <a:r>
+              <a:rPr lang="en-US" sz="1400" b="0" dirty="0" err="1">
+                <a:solidFill>
+                  <a:srgbClr val="81D4FA"/>
+                </a:solidFill>
+                <a:effectLst/>
+                <a:latin typeface="Consolas" panose="020B0609020204030204" pitchFamily="49" charset="0"/>
+              </a:rPr>
+              <a:t>builder</a:t>
+            </a:r>
+            <a:r>
+              <a:rPr lang="en-US" sz="1400" b="0" dirty="0" err="1">
+                <a:solidFill>
+                  <a:srgbClr val="E0E0E0"/>
+                </a:solidFill>
+                <a:effectLst/>
+                <a:latin typeface="Consolas" panose="020B0609020204030204" pitchFamily="49" charset="0"/>
+              </a:rPr>
+              <a:t>.</a:t>
+            </a:r>
+            <a:r>
+              <a:rPr lang="en-US" sz="1400" b="0" dirty="0" err="1">
+                <a:solidFill>
+                  <a:srgbClr val="81D4FA"/>
+                </a:solidFill>
+                <a:effectLst/>
+                <a:latin typeface="Consolas" panose="020B0609020204030204" pitchFamily="49" charset="0"/>
+              </a:rPr>
+              <a:t>RegisterInstance</a:t>
+            </a:r>
+            <a:r>
+              <a:rPr lang="en-US" sz="1400" b="0" dirty="0">
+                <a:solidFill>
+                  <a:srgbClr val="BDBDBD"/>
+                </a:solidFill>
+                <a:effectLst/>
+                <a:latin typeface="Consolas" panose="020B0609020204030204" pitchFamily="49" charset="0"/>
+              </a:rPr>
+              <a:t>(</a:t>
+            </a:r>
+            <a:r>
+              <a:rPr lang="en-US" sz="1400" b="0" dirty="0">
+                <a:solidFill>
+                  <a:srgbClr val="81D4FA"/>
+                </a:solidFill>
+                <a:effectLst/>
+                <a:latin typeface="Consolas" panose="020B0609020204030204" pitchFamily="49" charset="0"/>
+              </a:rPr>
+              <a:t>output</a:t>
+            </a:r>
+            <a:r>
+              <a:rPr lang="en-US" sz="1400" b="0" dirty="0">
+                <a:solidFill>
+                  <a:srgbClr val="BDBDBD"/>
+                </a:solidFill>
+                <a:effectLst/>
+                <a:latin typeface="Consolas" panose="020B0609020204030204" pitchFamily="49" charset="0"/>
+              </a:rPr>
+              <a:t>)</a:t>
+            </a:r>
+            <a:r>
+              <a:rPr lang="en-US" sz="1400" b="0" dirty="0">
+                <a:solidFill>
+                  <a:srgbClr val="E0E0E0"/>
+                </a:solidFill>
+                <a:effectLst/>
+                <a:latin typeface="Consolas" panose="020B0609020204030204" pitchFamily="49" charset="0"/>
+              </a:rPr>
+              <a:t>.</a:t>
+            </a:r>
+            <a:r>
+              <a:rPr lang="en-US" sz="1400" b="0" dirty="0">
+                <a:solidFill>
+                  <a:srgbClr val="81D4FA"/>
+                </a:solidFill>
+                <a:effectLst/>
+                <a:latin typeface="Consolas" panose="020B0609020204030204" pitchFamily="49" charset="0"/>
+              </a:rPr>
+              <a:t>As</a:t>
+            </a:r>
+            <a:r>
+              <a:rPr lang="en-US" sz="1400" b="0" dirty="0">
+                <a:solidFill>
+                  <a:srgbClr val="BDBDBD"/>
+                </a:solidFill>
+                <a:effectLst/>
+                <a:latin typeface="Consolas" panose="020B0609020204030204" pitchFamily="49" charset="0"/>
+              </a:rPr>
+              <a:t>&lt;</a:t>
+            </a:r>
+            <a:r>
+              <a:rPr lang="en-US" sz="1400" b="0" dirty="0" err="1">
+                <a:solidFill>
+                  <a:srgbClr val="81D4FA"/>
+                </a:solidFill>
+                <a:effectLst/>
+                <a:latin typeface="Consolas" panose="020B0609020204030204" pitchFamily="49" charset="0"/>
+              </a:rPr>
+              <a:t>TextWriter</a:t>
+            </a:r>
+            <a:r>
+              <a:rPr lang="en-US" sz="1400" b="0" dirty="0">
+                <a:solidFill>
+                  <a:srgbClr val="BDBDBD"/>
+                </a:solidFill>
+                <a:effectLst/>
+                <a:latin typeface="Consolas" panose="020B0609020204030204" pitchFamily="49" charset="0"/>
+              </a:rPr>
+              <a:t>&gt;();</a:t>
+            </a:r>
+          </a:p>
+          <a:p>
+            <a:pPr marL="0" indent="0">
+              <a:buNone/>
+            </a:pPr>
+            <a:br>
+              <a:rPr lang="en-US" sz="1400" b="0" dirty="0">
+                <a:solidFill>
+                  <a:srgbClr val="BDBDBD"/>
+                </a:solidFill>
+                <a:effectLst/>
+                <a:latin typeface="Consolas" panose="020B0609020204030204" pitchFamily="49" charset="0"/>
+              </a:rPr>
+            </a:br>
+            <a:r>
+              <a:rPr lang="en-US" sz="1400" b="0" dirty="0">
+                <a:solidFill>
+                  <a:srgbClr val="689F38"/>
+                </a:solidFill>
+                <a:effectLst/>
+                <a:latin typeface="Consolas" panose="020B0609020204030204" pitchFamily="49" charset="0"/>
+              </a:rPr>
+              <a:t>// Register expressions that execute to create objects...</a:t>
+            </a:r>
+            <a:endParaRPr lang="en-US" sz="1400" b="0" dirty="0">
+              <a:solidFill>
+                <a:srgbClr val="BDBDBD"/>
+              </a:solidFill>
+              <a:effectLst/>
+              <a:latin typeface="Consolas" panose="020B0609020204030204" pitchFamily="49" charset="0"/>
+            </a:endParaRPr>
+          </a:p>
+          <a:p>
+            <a:pPr marL="0" indent="0">
+              <a:buNone/>
+            </a:pPr>
+            <a:r>
+              <a:rPr lang="en-US" sz="1400" b="0" dirty="0" err="1">
+                <a:solidFill>
+                  <a:srgbClr val="81D4FA"/>
+                </a:solidFill>
+                <a:effectLst/>
+                <a:latin typeface="Consolas" panose="020B0609020204030204" pitchFamily="49" charset="0"/>
+              </a:rPr>
+              <a:t>builder</a:t>
+            </a:r>
+            <a:r>
+              <a:rPr lang="en-US" sz="1400" b="0" dirty="0" err="1">
+                <a:solidFill>
+                  <a:srgbClr val="E0E0E0"/>
+                </a:solidFill>
+                <a:effectLst/>
+                <a:latin typeface="Consolas" panose="020B0609020204030204" pitchFamily="49" charset="0"/>
+              </a:rPr>
+              <a:t>.</a:t>
+            </a:r>
+            <a:r>
+              <a:rPr lang="en-US" sz="1400" b="0" dirty="0" err="1">
+                <a:solidFill>
+                  <a:srgbClr val="81D4FA"/>
+                </a:solidFill>
+                <a:effectLst/>
+                <a:latin typeface="Consolas" panose="020B0609020204030204" pitchFamily="49" charset="0"/>
+              </a:rPr>
+              <a:t>Register</a:t>
+            </a:r>
+            <a:r>
+              <a:rPr lang="en-US" sz="1400" b="0" dirty="0">
+                <a:solidFill>
+                  <a:srgbClr val="BDBDBD"/>
+                </a:solidFill>
+                <a:effectLst/>
+                <a:latin typeface="Consolas" panose="020B0609020204030204" pitchFamily="49" charset="0"/>
+              </a:rPr>
+              <a:t>(</a:t>
+            </a:r>
+            <a:r>
+              <a:rPr lang="en-US" sz="1400" b="0" dirty="0">
+                <a:solidFill>
+                  <a:srgbClr val="81D4FA"/>
+                </a:solidFill>
+                <a:effectLst/>
+                <a:latin typeface="Consolas" panose="020B0609020204030204" pitchFamily="49" charset="0"/>
+              </a:rPr>
+              <a:t>c</a:t>
+            </a:r>
+            <a:r>
+              <a:rPr lang="en-US" sz="1400" b="0" dirty="0">
+                <a:solidFill>
+                  <a:srgbClr val="BDBDBD"/>
+                </a:solidFill>
+                <a:effectLst/>
+                <a:latin typeface="Consolas" panose="020B0609020204030204" pitchFamily="49" charset="0"/>
+              </a:rPr>
+              <a:t> </a:t>
+            </a:r>
+            <a:r>
+              <a:rPr lang="en-US" sz="1400" b="0" dirty="0">
+                <a:solidFill>
+                  <a:srgbClr val="E0E0E0"/>
+                </a:solidFill>
+                <a:effectLst/>
+                <a:latin typeface="Consolas" panose="020B0609020204030204" pitchFamily="49" charset="0"/>
+              </a:rPr>
+              <a:t>=&gt;</a:t>
+            </a:r>
+            <a:r>
+              <a:rPr lang="en-US" sz="1400" b="0" dirty="0">
+                <a:solidFill>
+                  <a:srgbClr val="BDBDBD"/>
+                </a:solidFill>
+                <a:effectLst/>
+                <a:latin typeface="Consolas" panose="020B0609020204030204" pitchFamily="49" charset="0"/>
+              </a:rPr>
+              <a:t> </a:t>
+            </a:r>
+            <a:r>
+              <a:rPr lang="en-US" sz="1400" b="0" dirty="0">
+                <a:solidFill>
+                  <a:srgbClr val="2196F3"/>
+                </a:solidFill>
+                <a:effectLst/>
+                <a:latin typeface="Consolas" panose="020B0609020204030204" pitchFamily="49" charset="0"/>
+              </a:rPr>
+              <a:t>new</a:t>
+            </a:r>
+            <a:r>
+              <a:rPr lang="en-US" sz="1400" b="0" dirty="0">
+                <a:solidFill>
+                  <a:srgbClr val="BDBDBD"/>
+                </a:solidFill>
+                <a:effectLst/>
+                <a:latin typeface="Consolas" panose="020B0609020204030204" pitchFamily="49" charset="0"/>
+              </a:rPr>
+              <a:t> </a:t>
+            </a:r>
+            <a:r>
+              <a:rPr lang="en-US" sz="1400" b="0" dirty="0" err="1">
+                <a:solidFill>
+                  <a:srgbClr val="81D4FA"/>
+                </a:solidFill>
+                <a:effectLst/>
+                <a:latin typeface="Consolas" panose="020B0609020204030204" pitchFamily="49" charset="0"/>
+              </a:rPr>
+              <a:t>ConfigReader</a:t>
+            </a:r>
+            <a:r>
+              <a:rPr lang="en-US" sz="1400" b="0" dirty="0">
+                <a:solidFill>
+                  <a:srgbClr val="BDBDBD"/>
+                </a:solidFill>
+                <a:effectLst/>
+                <a:latin typeface="Consolas" panose="020B0609020204030204" pitchFamily="49" charset="0"/>
+              </a:rPr>
+              <a:t>(</a:t>
+            </a:r>
+            <a:r>
+              <a:rPr lang="en-US" sz="1400" b="0" dirty="0">
+                <a:solidFill>
+                  <a:srgbClr val="FFAB91"/>
+                </a:solidFill>
+                <a:effectLst/>
+                <a:latin typeface="Consolas" panose="020B0609020204030204" pitchFamily="49" charset="0"/>
+              </a:rPr>
+              <a:t>"</a:t>
+            </a:r>
+            <a:r>
+              <a:rPr lang="en-US" sz="1400" b="0" dirty="0" err="1">
+                <a:solidFill>
+                  <a:srgbClr val="FFAB91"/>
+                </a:solidFill>
+                <a:effectLst/>
+                <a:latin typeface="Consolas" panose="020B0609020204030204" pitchFamily="49" charset="0"/>
+              </a:rPr>
+              <a:t>mysection</a:t>
+            </a:r>
+            <a:r>
+              <a:rPr lang="en-US" sz="1400" b="0" dirty="0">
+                <a:solidFill>
+                  <a:srgbClr val="FFAB91"/>
+                </a:solidFill>
+                <a:effectLst/>
+                <a:latin typeface="Consolas" panose="020B0609020204030204" pitchFamily="49" charset="0"/>
+              </a:rPr>
+              <a:t>"</a:t>
+            </a:r>
+            <a:r>
+              <a:rPr lang="en-US" sz="1400" b="0" dirty="0">
+                <a:solidFill>
+                  <a:srgbClr val="BDBDBD"/>
+                </a:solidFill>
+                <a:effectLst/>
+                <a:latin typeface="Consolas" panose="020B0609020204030204" pitchFamily="49" charset="0"/>
+              </a:rPr>
+              <a:t>))</a:t>
+            </a:r>
+            <a:r>
+              <a:rPr lang="en-US" sz="1400" b="0" dirty="0">
+                <a:solidFill>
+                  <a:srgbClr val="E0E0E0"/>
+                </a:solidFill>
+                <a:effectLst/>
+                <a:latin typeface="Consolas" panose="020B0609020204030204" pitchFamily="49" charset="0"/>
+              </a:rPr>
+              <a:t>.</a:t>
+            </a:r>
+            <a:r>
+              <a:rPr lang="en-US" sz="1400" b="0" dirty="0">
+                <a:solidFill>
+                  <a:srgbClr val="81D4FA"/>
+                </a:solidFill>
+                <a:effectLst/>
+                <a:latin typeface="Consolas" panose="020B0609020204030204" pitchFamily="49" charset="0"/>
+              </a:rPr>
+              <a:t>As</a:t>
+            </a:r>
+            <a:r>
+              <a:rPr lang="en-US" sz="1400" b="0" dirty="0">
+                <a:solidFill>
+                  <a:srgbClr val="BDBDBD"/>
+                </a:solidFill>
+                <a:effectLst/>
+                <a:latin typeface="Consolas" panose="020B0609020204030204" pitchFamily="49" charset="0"/>
+              </a:rPr>
+              <a:t>&lt;</a:t>
+            </a:r>
+            <a:r>
+              <a:rPr lang="en-US" sz="1400" b="0" dirty="0" err="1">
+                <a:solidFill>
+                  <a:srgbClr val="81D4FA"/>
+                </a:solidFill>
+                <a:effectLst/>
+                <a:latin typeface="Consolas" panose="020B0609020204030204" pitchFamily="49" charset="0"/>
+              </a:rPr>
+              <a:t>IConfigReader</a:t>
+            </a:r>
+            <a:r>
+              <a:rPr lang="en-US" sz="1400" b="0" dirty="0">
+                <a:solidFill>
+                  <a:srgbClr val="BDBDBD"/>
+                </a:solidFill>
+                <a:effectLst/>
+                <a:latin typeface="Consolas" panose="020B0609020204030204" pitchFamily="49" charset="0"/>
+              </a:rPr>
+              <a:t>&gt;();</a:t>
+            </a:r>
+          </a:p>
+        </p:txBody>
+      </p:sp>
+    </p:spTree>
+    <p:extLst>
+      <p:ext uri="{BB962C8B-B14F-4D97-AF65-F5344CB8AC3E}">
+        <p14:creationId xmlns:p14="http://schemas.microsoft.com/office/powerpoint/2010/main" val="2044545122"/>
+      </p:ext>
+    </p:extLst>
+  </p:cSld>
+  <p:clrMapOvr>
+    <a:masterClrMapping/>
+  </p:clrMapOvr>
+</p:sld>
+</file>
+
+<file path=ppt/slides/slide9.xml><?xml version="1.0" encoding="utf-8"?>
+<p:sld xmlns:a="http://schemas.openxmlformats.org/drawingml/2006/main" xmlns:r="http://schemas.openxmlformats.org/officeDocument/2006/relationships" xmlns:p="http://schemas.openxmlformats.org/presentationml/2006/main">
+  <p:cSld>
+    <p:spTree>
+      <p:nvGrpSpPr>
+        <p:cNvPr id="1" name=""/>
+        <p:cNvGrpSpPr/>
+        <p:nvPr/>
+      </p:nvGrpSpPr>
+      <p:grpSpPr>
+        <a:xfrm>
+          <a:off x="0" y="0"/>
+          <a:ext cx="0" cy="0"/>
+          <a:chOff x="0" y="0"/>
+          <a:chExt cx="0" cy="0"/>
+        </a:xfrm>
+      </p:grpSpPr>
+      <p:sp>
+        <p:nvSpPr>
+          <p:cNvPr id="5" name="Title 4">
+            <a:extLst>
+              <a:ext uri="{FF2B5EF4-FFF2-40B4-BE49-F238E27FC236}">
+                <a16:creationId xmlns:a16="http://schemas.microsoft.com/office/drawing/2014/main" id="{F4673F5B-AADC-4BED-859C-530EBEA568B8}"/>
+              </a:ext>
+            </a:extLst>
+          </p:cNvPr>
+          <p:cNvSpPr>
+            <a:spLocks noGrp="1"/>
+          </p:cNvSpPr>
+          <p:nvPr>
+            <p:ph type="title"/>
+          </p:nvPr>
+        </p:nvSpPr>
+        <p:spPr/>
+        <p:txBody>
+          <a:bodyPr/>
+          <a:lstStyle/>
+          <a:p>
+            <a:r>
+              <a:rPr lang="en-US" sz="3600" b="1" dirty="0"/>
+              <a:t>Get services manually</a:t>
+            </a:r>
+          </a:p>
+        </p:txBody>
+      </p:sp>
+      <p:sp>
+        <p:nvSpPr>
+          <p:cNvPr id="6" name="Text Placeholder 5">
+            <a:extLst>
+              <a:ext uri="{FF2B5EF4-FFF2-40B4-BE49-F238E27FC236}">
+                <a16:creationId xmlns:a16="http://schemas.microsoft.com/office/drawing/2014/main" id="{A1206317-B33C-42E7-94BE-34E9AEC2E39C}"/>
+              </a:ext>
+            </a:extLst>
+          </p:cNvPr>
+          <p:cNvSpPr>
+            <a:spLocks noGrp="1"/>
+          </p:cNvSpPr>
+          <p:nvPr>
+            <p:ph type="body" idx="1"/>
+          </p:nvPr>
+        </p:nvSpPr>
+        <p:spPr/>
+        <p:txBody>
+          <a:bodyPr/>
+          <a:lstStyle/>
+          <a:p>
+            <a:r>
+              <a:rPr lang="en-US" dirty="0"/>
+              <a:t>Microsoft DI</a:t>
+            </a:r>
+          </a:p>
+        </p:txBody>
+      </p:sp>
+      <p:sp>
+        <p:nvSpPr>
+          <p:cNvPr id="7" name="Content Placeholder 6">
+            <a:extLst>
+              <a:ext uri="{FF2B5EF4-FFF2-40B4-BE49-F238E27FC236}">
+                <a16:creationId xmlns:a16="http://schemas.microsoft.com/office/drawing/2014/main" id="{C19E30EC-6E7C-4C9E-8946-B95757FF962C}"/>
+              </a:ext>
+            </a:extLst>
+          </p:cNvPr>
+          <p:cNvSpPr>
+            <a:spLocks noGrp="1"/>
+          </p:cNvSpPr>
+          <p:nvPr>
+            <p:ph sz="half" idx="2"/>
+          </p:nvPr>
+        </p:nvSpPr>
+        <p:spPr>
+          <a:xfrm>
+            <a:off x="680322" y="3030008"/>
+            <a:ext cx="4698355" cy="3443527"/>
+          </a:xfrm>
+          <a:solidFill>
+            <a:schemeClr val="bg1">
+              <a:lumMod val="85000"/>
+              <a:lumOff val="15000"/>
+            </a:schemeClr>
+          </a:solidFill>
+        </p:spPr>
+        <p:txBody>
+          <a:bodyPr>
+            <a:normAutofit fontScale="92500" lnSpcReduction="10000"/>
+          </a:bodyPr>
+          <a:lstStyle/>
+          <a:p>
+            <a:pPr marL="0" indent="0">
+              <a:buNone/>
+            </a:pPr>
+            <a:r>
+              <a:rPr lang="en-US" sz="1800" b="0" dirty="0" err="1">
+                <a:solidFill>
+                  <a:srgbClr val="81D4FA"/>
+                </a:solidFill>
+                <a:effectLst/>
+                <a:latin typeface="Consolas" panose="020B0609020204030204" pitchFamily="49" charset="0"/>
+              </a:rPr>
+              <a:t>builder</a:t>
+            </a:r>
+            <a:r>
+              <a:rPr lang="en-US" sz="1800" b="0" dirty="0" err="1">
+                <a:solidFill>
+                  <a:srgbClr val="BDBDBD"/>
+                </a:solidFill>
+                <a:effectLst/>
+                <a:latin typeface="Consolas" panose="020B0609020204030204" pitchFamily="49" charset="0"/>
+              </a:rPr>
+              <a:t>.</a:t>
+            </a:r>
+            <a:r>
+              <a:rPr lang="en-US" sz="1800" b="0" dirty="0" err="1">
+                <a:solidFill>
+                  <a:srgbClr val="81D4FA"/>
+                </a:solidFill>
+                <a:effectLst/>
+                <a:latin typeface="Consolas" panose="020B0609020204030204" pitchFamily="49" charset="0"/>
+              </a:rPr>
+              <a:t>Services</a:t>
+            </a:r>
+            <a:endParaRPr lang="en-US" sz="1800" b="0" dirty="0">
+              <a:solidFill>
+                <a:srgbClr val="81D4FA"/>
+              </a:solidFill>
+              <a:effectLst/>
+              <a:latin typeface="Consolas" panose="020B0609020204030204" pitchFamily="49" charset="0"/>
+            </a:endParaRPr>
+          </a:p>
+          <a:p>
+            <a:pPr marL="0" indent="0">
+              <a:buNone/>
+            </a:pPr>
+            <a:r>
+              <a:rPr lang="en-US" sz="1800" b="0" dirty="0">
+                <a:solidFill>
+                  <a:srgbClr val="81D4FA"/>
+                </a:solidFill>
+                <a:effectLst/>
+                <a:latin typeface="Consolas" panose="020B0609020204030204" pitchFamily="49" charset="0"/>
+              </a:rPr>
+              <a:t>       </a:t>
+            </a:r>
+            <a:r>
+              <a:rPr lang="en-US" sz="1800" b="0" dirty="0">
+                <a:solidFill>
+                  <a:srgbClr val="BDBDBD"/>
+                </a:solidFill>
+                <a:effectLst/>
+                <a:latin typeface="Consolas" panose="020B0609020204030204" pitchFamily="49" charset="0"/>
+              </a:rPr>
+              <a:t>.</a:t>
+            </a:r>
+            <a:r>
+              <a:rPr lang="en-US" sz="1800" b="0" dirty="0" err="1">
+                <a:solidFill>
+                  <a:srgbClr val="F0F4C3"/>
+                </a:solidFill>
+                <a:effectLst/>
+                <a:latin typeface="Consolas" panose="020B0609020204030204" pitchFamily="49" charset="0"/>
+              </a:rPr>
+              <a:t>AddScoped</a:t>
+            </a:r>
+            <a:r>
+              <a:rPr lang="en-US" sz="1800" b="0" dirty="0">
+                <a:solidFill>
+                  <a:srgbClr val="BDBDBD"/>
+                </a:solidFill>
+                <a:effectLst/>
+                <a:latin typeface="Consolas" panose="020B0609020204030204" pitchFamily="49" charset="0"/>
+              </a:rPr>
+              <a:t>&lt;</a:t>
+            </a:r>
+            <a:r>
+              <a:rPr lang="en-US" sz="1800" b="0" dirty="0" err="1">
+                <a:solidFill>
+                  <a:srgbClr val="4DB6AC"/>
+                </a:solidFill>
+                <a:effectLst/>
+                <a:latin typeface="Consolas" panose="020B0609020204030204" pitchFamily="49" charset="0"/>
+              </a:rPr>
+              <a:t>IMyDependency</a:t>
+            </a:r>
+            <a:r>
+              <a:rPr lang="en-US" sz="1800" b="0" dirty="0">
+                <a:solidFill>
+                  <a:srgbClr val="BDBDBD"/>
+                </a:solidFill>
+                <a:effectLst/>
+                <a:latin typeface="Consolas" panose="020B0609020204030204" pitchFamily="49" charset="0"/>
+              </a:rPr>
+              <a:t>, 		    </a:t>
+            </a:r>
+            <a:r>
+              <a:rPr lang="en-US" sz="1800" b="0" dirty="0" err="1">
+                <a:solidFill>
+                  <a:srgbClr val="4DB6AC"/>
+                </a:solidFill>
+                <a:effectLst/>
+                <a:latin typeface="Consolas" panose="020B0609020204030204" pitchFamily="49" charset="0"/>
+              </a:rPr>
+              <a:t>MyDependency</a:t>
+            </a:r>
+            <a:r>
+              <a:rPr lang="en-US" sz="1800" b="0" dirty="0">
+                <a:solidFill>
+                  <a:srgbClr val="BDBDBD"/>
+                </a:solidFill>
+                <a:effectLst/>
+                <a:latin typeface="Consolas" panose="020B0609020204030204" pitchFamily="49" charset="0"/>
+              </a:rPr>
+              <a:t>&gt;();</a:t>
+            </a:r>
+          </a:p>
+          <a:p>
+            <a:endParaRPr lang="en-US" dirty="0"/>
+          </a:p>
+        </p:txBody>
+      </p:sp>
+      <p:sp>
+        <p:nvSpPr>
+          <p:cNvPr id="8" name="Text Placeholder 7">
+            <a:extLst>
+              <a:ext uri="{FF2B5EF4-FFF2-40B4-BE49-F238E27FC236}">
+                <a16:creationId xmlns:a16="http://schemas.microsoft.com/office/drawing/2014/main" id="{239372C0-CC99-466D-9E26-29DA1A617331}"/>
+              </a:ext>
+            </a:extLst>
+          </p:cNvPr>
+          <p:cNvSpPr>
+            <a:spLocks noGrp="1"/>
+          </p:cNvSpPr>
+          <p:nvPr>
+            <p:ph type="body" sz="quarter" idx="3"/>
+          </p:nvPr>
+        </p:nvSpPr>
+        <p:spPr/>
+        <p:txBody>
+          <a:bodyPr/>
+          <a:lstStyle/>
+          <a:p>
+            <a:r>
+              <a:rPr lang="en-US" dirty="0" err="1"/>
+              <a:t>Autofac</a:t>
+            </a:r>
+            <a:endParaRPr lang="en-US" dirty="0"/>
+          </a:p>
+        </p:txBody>
+      </p:sp>
+      <p:sp>
+        <p:nvSpPr>
+          <p:cNvPr id="11" name="Rectangle 2">
+            <a:extLst>
+              <a:ext uri="{FF2B5EF4-FFF2-40B4-BE49-F238E27FC236}">
+                <a16:creationId xmlns:a16="http://schemas.microsoft.com/office/drawing/2014/main" id="{6BEFB1AB-8AD3-4B14-B958-63C5CC53D2D6}"/>
+              </a:ext>
+            </a:extLst>
+          </p:cNvPr>
+          <p:cNvSpPr>
+            <a:spLocks noGrp="1" noChangeArrowheads="1"/>
+          </p:cNvSpPr>
+          <p:nvPr>
+            <p:ph sz="quarter" idx="4"/>
+          </p:nvPr>
+        </p:nvSpPr>
+        <p:spPr bwMode="auto">
+          <a:xfrm>
+            <a:off x="5594123" y="3028948"/>
+            <a:ext cx="5917555" cy="3444587"/>
+          </a:xfrm>
+          <a:prstGeom prst="rect">
+            <a:avLst/>
+          </a:prstGeom>
+          <a:solidFill>
+            <a:schemeClr val="bg1">
+              <a:lumMod val="85000"/>
+              <a:lumOff val="15000"/>
+            </a:schemeClr>
+          </a:solidFill>
+        </p:spPr>
+        <p:txBody>
+          <a:bodyPr vert="horz" lIns="91440" tIns="45720" rIns="91440" bIns="45720" rtlCol="0">
+            <a:normAutofit fontScale="92500" lnSpcReduction="10000"/>
+          </a:bodyPr>
+          <a:lstStyle/>
+          <a:p>
+            <a:pPr marL="0" indent="0">
+              <a:buNone/>
+            </a:pPr>
+            <a:r>
+              <a:rPr lang="en-US" sz="1400" b="0" dirty="0">
+                <a:solidFill>
+                  <a:srgbClr val="689F38"/>
+                </a:solidFill>
+                <a:effectLst/>
+                <a:latin typeface="Consolas" panose="020B0609020204030204" pitchFamily="49" charset="0"/>
+              </a:rPr>
+              <a:t>// Create the builder with which components/services are registered.</a:t>
+            </a:r>
+            <a:endParaRPr lang="en-US" sz="1400" b="0" dirty="0">
+              <a:solidFill>
+                <a:srgbClr val="BDBDBD"/>
+              </a:solidFill>
+              <a:effectLst/>
+              <a:latin typeface="Consolas" panose="020B0609020204030204" pitchFamily="49" charset="0"/>
+            </a:endParaRPr>
+          </a:p>
+          <a:p>
+            <a:pPr marL="0" indent="0">
+              <a:buNone/>
+            </a:pPr>
+            <a:r>
+              <a:rPr lang="en-US" sz="1400" b="0" dirty="0">
+                <a:solidFill>
+                  <a:srgbClr val="2196F3"/>
+                </a:solidFill>
+                <a:effectLst/>
+                <a:latin typeface="Consolas" panose="020B0609020204030204" pitchFamily="49" charset="0"/>
+              </a:rPr>
+              <a:t>var</a:t>
+            </a:r>
+            <a:r>
+              <a:rPr lang="en-US" sz="1400" b="0" dirty="0">
+                <a:solidFill>
+                  <a:srgbClr val="BDBDBD"/>
+                </a:solidFill>
+                <a:effectLst/>
+                <a:latin typeface="Consolas" panose="020B0609020204030204" pitchFamily="49" charset="0"/>
+              </a:rPr>
+              <a:t> </a:t>
+            </a:r>
+            <a:r>
+              <a:rPr lang="en-US" sz="1400" b="0" dirty="0">
+                <a:solidFill>
+                  <a:srgbClr val="81D4FA"/>
+                </a:solidFill>
+                <a:effectLst/>
+                <a:latin typeface="Consolas" panose="020B0609020204030204" pitchFamily="49" charset="0"/>
+              </a:rPr>
+              <a:t>builder</a:t>
+            </a:r>
+            <a:r>
+              <a:rPr lang="en-US" sz="1400" b="0" dirty="0">
+                <a:solidFill>
+                  <a:srgbClr val="BDBDBD"/>
+                </a:solidFill>
+                <a:effectLst/>
+                <a:latin typeface="Consolas" panose="020B0609020204030204" pitchFamily="49" charset="0"/>
+              </a:rPr>
+              <a:t> </a:t>
+            </a:r>
+            <a:r>
+              <a:rPr lang="en-US" sz="1400" b="0" dirty="0">
+                <a:solidFill>
+                  <a:srgbClr val="E0E0E0"/>
+                </a:solidFill>
+                <a:effectLst/>
+                <a:latin typeface="Consolas" panose="020B0609020204030204" pitchFamily="49" charset="0"/>
+              </a:rPr>
+              <a:t>=</a:t>
+            </a:r>
+            <a:r>
+              <a:rPr lang="en-US" sz="1400" b="0" dirty="0">
+                <a:solidFill>
+                  <a:srgbClr val="BDBDBD"/>
+                </a:solidFill>
+                <a:effectLst/>
+                <a:latin typeface="Consolas" panose="020B0609020204030204" pitchFamily="49" charset="0"/>
+              </a:rPr>
+              <a:t> </a:t>
+            </a:r>
+            <a:r>
+              <a:rPr lang="en-US" sz="1400" b="0" dirty="0">
+                <a:solidFill>
+                  <a:srgbClr val="2196F3"/>
+                </a:solidFill>
+                <a:effectLst/>
+                <a:latin typeface="Consolas" panose="020B0609020204030204" pitchFamily="49" charset="0"/>
+              </a:rPr>
+              <a:t>new</a:t>
+            </a:r>
+            <a:r>
+              <a:rPr lang="en-US" sz="1400" b="0" dirty="0">
+                <a:solidFill>
+                  <a:srgbClr val="BDBDBD"/>
+                </a:solidFill>
+                <a:effectLst/>
+                <a:latin typeface="Consolas" panose="020B0609020204030204" pitchFamily="49" charset="0"/>
+              </a:rPr>
+              <a:t> </a:t>
+            </a:r>
+            <a:r>
+              <a:rPr lang="en-US" sz="1400" b="0" dirty="0" err="1">
+                <a:solidFill>
+                  <a:srgbClr val="81D4FA"/>
+                </a:solidFill>
+                <a:effectLst/>
+                <a:latin typeface="Consolas" panose="020B0609020204030204" pitchFamily="49" charset="0"/>
+              </a:rPr>
+              <a:t>ContainerBuilder</a:t>
+            </a:r>
+            <a:r>
+              <a:rPr lang="en-US" sz="1400" b="0" dirty="0">
+                <a:solidFill>
+                  <a:srgbClr val="BDBDBD"/>
+                </a:solidFill>
+                <a:effectLst/>
+                <a:latin typeface="Consolas" panose="020B0609020204030204" pitchFamily="49" charset="0"/>
+              </a:rPr>
+              <a:t>();</a:t>
+            </a:r>
+          </a:p>
+          <a:p>
+            <a:pPr marL="0" indent="0">
+              <a:buNone/>
+            </a:pPr>
+            <a:br>
+              <a:rPr lang="en-US" sz="1400" b="0" dirty="0">
+                <a:solidFill>
+                  <a:srgbClr val="BDBDBD"/>
+                </a:solidFill>
+                <a:effectLst/>
+                <a:latin typeface="Consolas" panose="020B0609020204030204" pitchFamily="49" charset="0"/>
+              </a:rPr>
+            </a:br>
+            <a:r>
+              <a:rPr lang="en-US" sz="1400" b="0" dirty="0">
+                <a:solidFill>
+                  <a:srgbClr val="689F38"/>
+                </a:solidFill>
+                <a:effectLst/>
+                <a:latin typeface="Consolas" panose="020B0609020204030204" pitchFamily="49" charset="0"/>
+              </a:rPr>
+              <a:t>// Register types that expose interfaces...</a:t>
+            </a:r>
+            <a:endParaRPr lang="en-US" sz="1400" b="0" dirty="0">
+              <a:solidFill>
+                <a:srgbClr val="BDBDBD"/>
+              </a:solidFill>
+              <a:effectLst/>
+              <a:latin typeface="Consolas" panose="020B0609020204030204" pitchFamily="49" charset="0"/>
+            </a:endParaRPr>
+          </a:p>
+          <a:p>
+            <a:pPr marL="0" indent="0">
+              <a:buNone/>
+            </a:pPr>
+            <a:r>
+              <a:rPr lang="en-US" sz="1400" b="0" dirty="0" err="1">
+                <a:solidFill>
+                  <a:srgbClr val="81D4FA"/>
+                </a:solidFill>
+                <a:effectLst/>
+                <a:latin typeface="Consolas" panose="020B0609020204030204" pitchFamily="49" charset="0"/>
+              </a:rPr>
+              <a:t>builder</a:t>
+            </a:r>
+            <a:r>
+              <a:rPr lang="en-US" sz="1400" b="0" dirty="0" err="1">
+                <a:solidFill>
+                  <a:srgbClr val="E0E0E0"/>
+                </a:solidFill>
+                <a:effectLst/>
+                <a:latin typeface="Consolas" panose="020B0609020204030204" pitchFamily="49" charset="0"/>
+              </a:rPr>
+              <a:t>.</a:t>
+            </a:r>
+            <a:r>
+              <a:rPr lang="en-US" sz="1400" b="0" dirty="0" err="1">
+                <a:solidFill>
+                  <a:srgbClr val="81D4FA"/>
+                </a:solidFill>
+                <a:effectLst/>
+                <a:latin typeface="Consolas" panose="020B0609020204030204" pitchFamily="49" charset="0"/>
+              </a:rPr>
+              <a:t>RegisterType</a:t>
+            </a:r>
+            <a:r>
+              <a:rPr lang="en-US" sz="1400" b="0" dirty="0">
+                <a:solidFill>
+                  <a:srgbClr val="BDBDBD"/>
+                </a:solidFill>
+                <a:effectLst/>
+                <a:latin typeface="Consolas" panose="020B0609020204030204" pitchFamily="49" charset="0"/>
+              </a:rPr>
+              <a:t>&lt;</a:t>
+            </a:r>
+            <a:r>
+              <a:rPr lang="en-US" sz="1400" b="0" dirty="0" err="1">
+                <a:solidFill>
+                  <a:srgbClr val="81D4FA"/>
+                </a:solidFill>
+                <a:effectLst/>
+                <a:latin typeface="Consolas" panose="020B0609020204030204" pitchFamily="49" charset="0"/>
+              </a:rPr>
+              <a:t>ConsoleLogger</a:t>
+            </a:r>
+            <a:r>
+              <a:rPr lang="en-US" sz="1400" b="0" dirty="0">
+                <a:solidFill>
+                  <a:srgbClr val="BDBDBD"/>
+                </a:solidFill>
+                <a:effectLst/>
+                <a:latin typeface="Consolas" panose="020B0609020204030204" pitchFamily="49" charset="0"/>
+              </a:rPr>
+              <a:t>&gt;()</a:t>
+            </a:r>
+            <a:r>
+              <a:rPr lang="en-US" sz="1400" b="0" dirty="0">
+                <a:solidFill>
+                  <a:srgbClr val="E0E0E0"/>
+                </a:solidFill>
+                <a:effectLst/>
+                <a:latin typeface="Consolas" panose="020B0609020204030204" pitchFamily="49" charset="0"/>
+              </a:rPr>
+              <a:t>.</a:t>
+            </a:r>
+            <a:r>
+              <a:rPr lang="en-US" sz="1400" b="0" dirty="0">
+                <a:solidFill>
+                  <a:srgbClr val="81D4FA"/>
+                </a:solidFill>
+                <a:effectLst/>
+                <a:latin typeface="Consolas" panose="020B0609020204030204" pitchFamily="49" charset="0"/>
+              </a:rPr>
+              <a:t>As</a:t>
+            </a:r>
+            <a:r>
+              <a:rPr lang="en-US" sz="1400" b="0" dirty="0">
+                <a:solidFill>
+                  <a:srgbClr val="BDBDBD"/>
+                </a:solidFill>
+                <a:effectLst/>
+                <a:latin typeface="Consolas" panose="020B0609020204030204" pitchFamily="49" charset="0"/>
+              </a:rPr>
+              <a:t>&lt;</a:t>
+            </a:r>
+            <a:r>
+              <a:rPr lang="en-US" sz="1400" b="0" dirty="0" err="1">
+                <a:solidFill>
+                  <a:srgbClr val="81D4FA"/>
+                </a:solidFill>
+                <a:effectLst/>
+                <a:latin typeface="Consolas" panose="020B0609020204030204" pitchFamily="49" charset="0"/>
+              </a:rPr>
+              <a:t>ILogger</a:t>
+            </a:r>
+            <a:r>
+              <a:rPr lang="en-US" sz="1400" b="0" dirty="0">
+                <a:solidFill>
+                  <a:srgbClr val="BDBDBD"/>
+                </a:solidFill>
+                <a:effectLst/>
+                <a:latin typeface="Consolas" panose="020B0609020204030204" pitchFamily="49" charset="0"/>
+              </a:rPr>
+              <a:t>&gt;();</a:t>
+            </a:r>
+          </a:p>
+          <a:p>
+            <a:pPr marL="0" indent="0">
+              <a:buNone/>
+            </a:pPr>
+            <a:br>
+              <a:rPr lang="en-US" sz="1400" b="0" dirty="0">
+                <a:solidFill>
+                  <a:srgbClr val="BDBDBD"/>
+                </a:solidFill>
+                <a:effectLst/>
+                <a:latin typeface="Consolas" panose="020B0609020204030204" pitchFamily="49" charset="0"/>
+              </a:rPr>
+            </a:br>
+            <a:r>
+              <a:rPr lang="en-US" sz="1400" b="0" dirty="0">
+                <a:solidFill>
+                  <a:srgbClr val="689F38"/>
+                </a:solidFill>
+                <a:effectLst/>
+                <a:latin typeface="Consolas" panose="020B0609020204030204" pitchFamily="49" charset="0"/>
+              </a:rPr>
+              <a:t>// Register instances of objects you create...</a:t>
+            </a:r>
+            <a:endParaRPr lang="en-US" sz="1400" b="0" dirty="0">
+              <a:solidFill>
+                <a:srgbClr val="BDBDBD"/>
+              </a:solidFill>
+              <a:effectLst/>
+              <a:latin typeface="Consolas" panose="020B0609020204030204" pitchFamily="49" charset="0"/>
+            </a:endParaRPr>
+          </a:p>
+          <a:p>
+            <a:pPr marL="0" indent="0">
+              <a:buNone/>
+            </a:pPr>
+            <a:r>
+              <a:rPr lang="en-US" sz="1400" b="0" dirty="0">
+                <a:solidFill>
+                  <a:srgbClr val="2196F3"/>
+                </a:solidFill>
+                <a:effectLst/>
+                <a:latin typeface="Consolas" panose="020B0609020204030204" pitchFamily="49" charset="0"/>
+              </a:rPr>
+              <a:t>var</a:t>
+            </a:r>
+            <a:r>
+              <a:rPr lang="en-US" sz="1400" b="0" dirty="0">
+                <a:solidFill>
+                  <a:srgbClr val="BDBDBD"/>
+                </a:solidFill>
+                <a:effectLst/>
+                <a:latin typeface="Consolas" panose="020B0609020204030204" pitchFamily="49" charset="0"/>
+              </a:rPr>
+              <a:t> </a:t>
+            </a:r>
+            <a:r>
+              <a:rPr lang="en-US" sz="1400" b="0" dirty="0">
+                <a:solidFill>
+                  <a:srgbClr val="81D4FA"/>
+                </a:solidFill>
+                <a:effectLst/>
+                <a:latin typeface="Consolas" panose="020B0609020204030204" pitchFamily="49" charset="0"/>
+              </a:rPr>
+              <a:t>output</a:t>
+            </a:r>
+            <a:r>
+              <a:rPr lang="en-US" sz="1400" b="0" dirty="0">
+                <a:solidFill>
+                  <a:srgbClr val="BDBDBD"/>
+                </a:solidFill>
+                <a:effectLst/>
+                <a:latin typeface="Consolas" panose="020B0609020204030204" pitchFamily="49" charset="0"/>
+              </a:rPr>
+              <a:t> </a:t>
+            </a:r>
+            <a:r>
+              <a:rPr lang="en-US" sz="1400" b="0" dirty="0">
+                <a:solidFill>
+                  <a:srgbClr val="E0E0E0"/>
+                </a:solidFill>
+                <a:effectLst/>
+                <a:latin typeface="Consolas" panose="020B0609020204030204" pitchFamily="49" charset="0"/>
+              </a:rPr>
+              <a:t>=</a:t>
+            </a:r>
+            <a:r>
+              <a:rPr lang="en-US" sz="1400" b="0" dirty="0">
+                <a:solidFill>
+                  <a:srgbClr val="BDBDBD"/>
+                </a:solidFill>
+                <a:effectLst/>
+                <a:latin typeface="Consolas" panose="020B0609020204030204" pitchFamily="49" charset="0"/>
+              </a:rPr>
+              <a:t> </a:t>
+            </a:r>
+            <a:r>
+              <a:rPr lang="en-US" sz="1400" b="0" dirty="0">
+                <a:solidFill>
+                  <a:srgbClr val="2196F3"/>
+                </a:solidFill>
+                <a:effectLst/>
+                <a:latin typeface="Consolas" panose="020B0609020204030204" pitchFamily="49" charset="0"/>
+              </a:rPr>
+              <a:t>new</a:t>
+            </a:r>
+            <a:r>
+              <a:rPr lang="en-US" sz="1400" b="0" dirty="0">
+                <a:solidFill>
+                  <a:srgbClr val="BDBDBD"/>
+                </a:solidFill>
+                <a:effectLst/>
+                <a:latin typeface="Consolas" panose="020B0609020204030204" pitchFamily="49" charset="0"/>
+              </a:rPr>
+              <a:t> </a:t>
+            </a:r>
+            <a:r>
+              <a:rPr lang="en-US" sz="1400" b="0" dirty="0" err="1">
+                <a:solidFill>
+                  <a:srgbClr val="81D4FA"/>
+                </a:solidFill>
+                <a:effectLst/>
+                <a:latin typeface="Consolas" panose="020B0609020204030204" pitchFamily="49" charset="0"/>
+              </a:rPr>
+              <a:t>StringWriter</a:t>
+            </a:r>
+            <a:r>
+              <a:rPr lang="en-US" sz="1400" b="0" dirty="0">
+                <a:solidFill>
+                  <a:srgbClr val="BDBDBD"/>
+                </a:solidFill>
+                <a:effectLst/>
+                <a:latin typeface="Consolas" panose="020B0609020204030204" pitchFamily="49" charset="0"/>
+              </a:rPr>
+              <a:t>();</a:t>
+            </a:r>
+          </a:p>
+          <a:p>
+            <a:pPr marL="0" indent="0">
+              <a:buNone/>
+            </a:pPr>
+            <a:r>
+              <a:rPr lang="en-US" sz="1400" b="0" dirty="0" err="1">
+                <a:solidFill>
+                  <a:srgbClr val="81D4FA"/>
+                </a:solidFill>
+                <a:effectLst/>
+                <a:latin typeface="Consolas" panose="020B0609020204030204" pitchFamily="49" charset="0"/>
+              </a:rPr>
+              <a:t>builder</a:t>
+            </a:r>
+            <a:r>
+              <a:rPr lang="en-US" sz="1400" b="0" dirty="0" err="1">
+                <a:solidFill>
+                  <a:srgbClr val="E0E0E0"/>
+                </a:solidFill>
+                <a:effectLst/>
+                <a:latin typeface="Consolas" panose="020B0609020204030204" pitchFamily="49" charset="0"/>
+              </a:rPr>
+              <a:t>.</a:t>
+            </a:r>
+            <a:r>
+              <a:rPr lang="en-US" sz="1400" b="0" dirty="0" err="1">
+                <a:solidFill>
+                  <a:srgbClr val="81D4FA"/>
+                </a:solidFill>
+                <a:effectLst/>
+                <a:latin typeface="Consolas" panose="020B0609020204030204" pitchFamily="49" charset="0"/>
+              </a:rPr>
+              <a:t>RegisterInstance</a:t>
+            </a:r>
+            <a:r>
+              <a:rPr lang="en-US" sz="1400" b="0" dirty="0">
+                <a:solidFill>
+                  <a:srgbClr val="BDBDBD"/>
+                </a:solidFill>
+                <a:effectLst/>
+                <a:latin typeface="Consolas" panose="020B0609020204030204" pitchFamily="49" charset="0"/>
+              </a:rPr>
+              <a:t>(</a:t>
+            </a:r>
+            <a:r>
+              <a:rPr lang="en-US" sz="1400" b="0" dirty="0">
+                <a:solidFill>
+                  <a:srgbClr val="81D4FA"/>
+                </a:solidFill>
+                <a:effectLst/>
+                <a:latin typeface="Consolas" panose="020B0609020204030204" pitchFamily="49" charset="0"/>
+              </a:rPr>
+              <a:t>output</a:t>
+            </a:r>
+            <a:r>
+              <a:rPr lang="en-US" sz="1400" b="0" dirty="0">
+                <a:solidFill>
+                  <a:srgbClr val="BDBDBD"/>
+                </a:solidFill>
+                <a:effectLst/>
+                <a:latin typeface="Consolas" panose="020B0609020204030204" pitchFamily="49" charset="0"/>
+              </a:rPr>
+              <a:t>)</a:t>
+            </a:r>
+            <a:r>
+              <a:rPr lang="en-US" sz="1400" b="0" dirty="0">
+                <a:solidFill>
+                  <a:srgbClr val="E0E0E0"/>
+                </a:solidFill>
+                <a:effectLst/>
+                <a:latin typeface="Consolas" panose="020B0609020204030204" pitchFamily="49" charset="0"/>
+              </a:rPr>
+              <a:t>.</a:t>
+            </a:r>
+            <a:r>
+              <a:rPr lang="en-US" sz="1400" b="0" dirty="0">
+                <a:solidFill>
+                  <a:srgbClr val="81D4FA"/>
+                </a:solidFill>
+                <a:effectLst/>
+                <a:latin typeface="Consolas" panose="020B0609020204030204" pitchFamily="49" charset="0"/>
+              </a:rPr>
+              <a:t>As</a:t>
+            </a:r>
+            <a:r>
+              <a:rPr lang="en-US" sz="1400" b="0" dirty="0">
+                <a:solidFill>
+                  <a:srgbClr val="BDBDBD"/>
+                </a:solidFill>
+                <a:effectLst/>
+                <a:latin typeface="Consolas" panose="020B0609020204030204" pitchFamily="49" charset="0"/>
+              </a:rPr>
+              <a:t>&lt;</a:t>
+            </a:r>
+            <a:r>
+              <a:rPr lang="en-US" sz="1400" b="0" dirty="0" err="1">
+                <a:solidFill>
+                  <a:srgbClr val="81D4FA"/>
+                </a:solidFill>
+                <a:effectLst/>
+                <a:latin typeface="Consolas" panose="020B0609020204030204" pitchFamily="49" charset="0"/>
+              </a:rPr>
+              <a:t>TextWriter</a:t>
+            </a:r>
+            <a:r>
+              <a:rPr lang="en-US" sz="1400" b="0" dirty="0">
+                <a:solidFill>
+                  <a:srgbClr val="BDBDBD"/>
+                </a:solidFill>
+                <a:effectLst/>
+                <a:latin typeface="Consolas" panose="020B0609020204030204" pitchFamily="49" charset="0"/>
+              </a:rPr>
+              <a:t>&gt;();</a:t>
+            </a:r>
+          </a:p>
+          <a:p>
+            <a:pPr marL="0" indent="0">
+              <a:buNone/>
+            </a:pPr>
+            <a:br>
+              <a:rPr lang="en-US" sz="1400" b="0" dirty="0">
+                <a:solidFill>
+                  <a:srgbClr val="BDBDBD"/>
+                </a:solidFill>
+                <a:effectLst/>
+                <a:latin typeface="Consolas" panose="020B0609020204030204" pitchFamily="49" charset="0"/>
+              </a:rPr>
+            </a:br>
+            <a:r>
+              <a:rPr lang="en-US" sz="1400" b="0" dirty="0">
+                <a:solidFill>
+                  <a:srgbClr val="689F38"/>
+                </a:solidFill>
+                <a:effectLst/>
+                <a:latin typeface="Consolas" panose="020B0609020204030204" pitchFamily="49" charset="0"/>
+              </a:rPr>
+              <a:t>// Register expressions that execute to create objects...</a:t>
+            </a:r>
+            <a:endParaRPr lang="en-US" sz="1400" b="0" dirty="0">
+              <a:solidFill>
+                <a:srgbClr val="BDBDBD"/>
+              </a:solidFill>
+              <a:effectLst/>
+              <a:latin typeface="Consolas" panose="020B0609020204030204" pitchFamily="49" charset="0"/>
+            </a:endParaRPr>
+          </a:p>
+          <a:p>
+            <a:pPr marL="0" indent="0">
+              <a:buNone/>
+            </a:pPr>
+            <a:r>
+              <a:rPr lang="en-US" sz="1400" b="0" dirty="0" err="1">
+                <a:solidFill>
+                  <a:srgbClr val="81D4FA"/>
+                </a:solidFill>
+                <a:effectLst/>
+                <a:latin typeface="Consolas" panose="020B0609020204030204" pitchFamily="49" charset="0"/>
+              </a:rPr>
+              <a:t>builder</a:t>
+            </a:r>
+            <a:r>
+              <a:rPr lang="en-US" sz="1400" b="0" dirty="0" err="1">
+                <a:solidFill>
+                  <a:srgbClr val="E0E0E0"/>
+                </a:solidFill>
+                <a:effectLst/>
+                <a:latin typeface="Consolas" panose="020B0609020204030204" pitchFamily="49" charset="0"/>
+              </a:rPr>
+              <a:t>.</a:t>
+            </a:r>
+            <a:r>
+              <a:rPr lang="en-US" sz="1400" b="0" dirty="0" err="1">
+                <a:solidFill>
+                  <a:srgbClr val="81D4FA"/>
+                </a:solidFill>
+                <a:effectLst/>
+                <a:latin typeface="Consolas" panose="020B0609020204030204" pitchFamily="49" charset="0"/>
+              </a:rPr>
+              <a:t>Register</a:t>
+            </a:r>
+            <a:r>
+              <a:rPr lang="en-US" sz="1400" b="0" dirty="0">
+                <a:solidFill>
+                  <a:srgbClr val="BDBDBD"/>
+                </a:solidFill>
+                <a:effectLst/>
+                <a:latin typeface="Consolas" panose="020B0609020204030204" pitchFamily="49" charset="0"/>
+              </a:rPr>
+              <a:t>(</a:t>
+            </a:r>
+            <a:r>
+              <a:rPr lang="en-US" sz="1400" b="0" dirty="0">
+                <a:solidFill>
+                  <a:srgbClr val="81D4FA"/>
+                </a:solidFill>
+                <a:effectLst/>
+                <a:latin typeface="Consolas" panose="020B0609020204030204" pitchFamily="49" charset="0"/>
+              </a:rPr>
+              <a:t>c</a:t>
+            </a:r>
+            <a:r>
+              <a:rPr lang="en-US" sz="1400" b="0" dirty="0">
+                <a:solidFill>
+                  <a:srgbClr val="BDBDBD"/>
+                </a:solidFill>
+                <a:effectLst/>
+                <a:latin typeface="Consolas" panose="020B0609020204030204" pitchFamily="49" charset="0"/>
+              </a:rPr>
+              <a:t> </a:t>
+            </a:r>
+            <a:r>
+              <a:rPr lang="en-US" sz="1400" b="0" dirty="0">
+                <a:solidFill>
+                  <a:srgbClr val="E0E0E0"/>
+                </a:solidFill>
+                <a:effectLst/>
+                <a:latin typeface="Consolas" panose="020B0609020204030204" pitchFamily="49" charset="0"/>
+              </a:rPr>
+              <a:t>=&gt;</a:t>
+            </a:r>
+            <a:r>
+              <a:rPr lang="en-US" sz="1400" b="0" dirty="0">
+                <a:solidFill>
+                  <a:srgbClr val="BDBDBD"/>
+                </a:solidFill>
+                <a:effectLst/>
+                <a:latin typeface="Consolas" panose="020B0609020204030204" pitchFamily="49" charset="0"/>
+              </a:rPr>
+              <a:t> </a:t>
+            </a:r>
+            <a:r>
+              <a:rPr lang="en-US" sz="1400" b="0" dirty="0">
+                <a:solidFill>
+                  <a:srgbClr val="2196F3"/>
+                </a:solidFill>
+                <a:effectLst/>
+                <a:latin typeface="Consolas" panose="020B0609020204030204" pitchFamily="49" charset="0"/>
+              </a:rPr>
+              <a:t>new</a:t>
+            </a:r>
+            <a:r>
+              <a:rPr lang="en-US" sz="1400" b="0" dirty="0">
+                <a:solidFill>
+                  <a:srgbClr val="BDBDBD"/>
+                </a:solidFill>
+                <a:effectLst/>
+                <a:latin typeface="Consolas" panose="020B0609020204030204" pitchFamily="49" charset="0"/>
+              </a:rPr>
+              <a:t> </a:t>
+            </a:r>
+            <a:r>
+              <a:rPr lang="en-US" sz="1400" b="0" dirty="0" err="1">
+                <a:solidFill>
+                  <a:srgbClr val="81D4FA"/>
+                </a:solidFill>
+                <a:effectLst/>
+                <a:latin typeface="Consolas" panose="020B0609020204030204" pitchFamily="49" charset="0"/>
+              </a:rPr>
+              <a:t>ConfigReader</a:t>
+            </a:r>
+            <a:r>
+              <a:rPr lang="en-US" sz="1400" b="0" dirty="0">
+                <a:solidFill>
+                  <a:srgbClr val="BDBDBD"/>
+                </a:solidFill>
+                <a:effectLst/>
+                <a:latin typeface="Consolas" panose="020B0609020204030204" pitchFamily="49" charset="0"/>
+              </a:rPr>
+              <a:t>(</a:t>
+            </a:r>
+            <a:r>
+              <a:rPr lang="en-US" sz="1400" b="0" dirty="0">
+                <a:solidFill>
+                  <a:srgbClr val="FFAB91"/>
+                </a:solidFill>
+                <a:effectLst/>
+                <a:latin typeface="Consolas" panose="020B0609020204030204" pitchFamily="49" charset="0"/>
+              </a:rPr>
+              <a:t>"</a:t>
+            </a:r>
+            <a:r>
+              <a:rPr lang="en-US" sz="1400" b="0" dirty="0" err="1">
+                <a:solidFill>
+                  <a:srgbClr val="FFAB91"/>
+                </a:solidFill>
+                <a:effectLst/>
+                <a:latin typeface="Consolas" panose="020B0609020204030204" pitchFamily="49" charset="0"/>
+              </a:rPr>
+              <a:t>mysection</a:t>
+            </a:r>
+            <a:r>
+              <a:rPr lang="en-US" sz="1400" b="0" dirty="0">
+                <a:solidFill>
+                  <a:srgbClr val="FFAB91"/>
+                </a:solidFill>
+                <a:effectLst/>
+                <a:latin typeface="Consolas" panose="020B0609020204030204" pitchFamily="49" charset="0"/>
+              </a:rPr>
+              <a:t>"</a:t>
+            </a:r>
+            <a:r>
+              <a:rPr lang="en-US" sz="1400" b="0" dirty="0">
+                <a:solidFill>
+                  <a:srgbClr val="BDBDBD"/>
+                </a:solidFill>
+                <a:effectLst/>
+                <a:latin typeface="Consolas" panose="020B0609020204030204" pitchFamily="49" charset="0"/>
+              </a:rPr>
+              <a:t>))</a:t>
+            </a:r>
+            <a:r>
+              <a:rPr lang="en-US" sz="1400" b="0" dirty="0">
+                <a:solidFill>
+                  <a:srgbClr val="E0E0E0"/>
+                </a:solidFill>
+                <a:effectLst/>
+                <a:latin typeface="Consolas" panose="020B0609020204030204" pitchFamily="49" charset="0"/>
+              </a:rPr>
+              <a:t>.</a:t>
+            </a:r>
+            <a:r>
+              <a:rPr lang="en-US" sz="1400" b="0" dirty="0">
+                <a:solidFill>
+                  <a:srgbClr val="81D4FA"/>
+                </a:solidFill>
+                <a:effectLst/>
+                <a:latin typeface="Consolas" panose="020B0609020204030204" pitchFamily="49" charset="0"/>
+              </a:rPr>
+              <a:t>As</a:t>
+            </a:r>
+            <a:r>
+              <a:rPr lang="en-US" sz="1400" b="0" dirty="0">
+                <a:solidFill>
+                  <a:srgbClr val="BDBDBD"/>
+                </a:solidFill>
+                <a:effectLst/>
+                <a:latin typeface="Consolas" panose="020B0609020204030204" pitchFamily="49" charset="0"/>
+              </a:rPr>
+              <a:t>&lt;</a:t>
+            </a:r>
+            <a:r>
+              <a:rPr lang="en-US" sz="1400" b="0" dirty="0" err="1">
+                <a:solidFill>
+                  <a:srgbClr val="81D4FA"/>
+                </a:solidFill>
+                <a:effectLst/>
+                <a:latin typeface="Consolas" panose="020B0609020204030204" pitchFamily="49" charset="0"/>
+              </a:rPr>
+              <a:t>IConfigReader</a:t>
+            </a:r>
+            <a:r>
+              <a:rPr lang="en-US" sz="1400" b="0" dirty="0">
+                <a:solidFill>
+                  <a:srgbClr val="BDBDBD"/>
+                </a:solidFill>
+                <a:effectLst/>
+                <a:latin typeface="Consolas" panose="020B0609020204030204" pitchFamily="49" charset="0"/>
+              </a:rPr>
+              <a:t>&gt;();</a:t>
+            </a:r>
+          </a:p>
+        </p:txBody>
+      </p:sp>
+    </p:spTree>
+    <p:extLst>
+      <p:ext uri="{BB962C8B-B14F-4D97-AF65-F5344CB8AC3E}">
+        <p14:creationId xmlns:p14="http://schemas.microsoft.com/office/powerpoint/2010/main" val="2448560243"/>
       </p:ext>
     </p:extLst>
   </p:cSld>
